--- a/Lectures/Byte 3 Mobile.pptx
+++ b/Lectures/Byte 3 Mobile.pptx
@@ -5,33 +5,37 @@
     <p:sldMasterId id="2147483648" r:id="rId1"/>
   </p:sldMasterIdLst>
   <p:notesMasterIdLst>
-    <p:notesMasterId r:id="rId23"/>
+    <p:notesMasterId r:id="rId27"/>
   </p:notesMasterIdLst>
   <p:handoutMasterIdLst>
-    <p:handoutMasterId r:id="rId24"/>
+    <p:handoutMasterId r:id="rId28"/>
   </p:handoutMasterIdLst>
   <p:sldIdLst>
     <p:sldId id="256" r:id="rId2"/>
     <p:sldId id="301" r:id="rId3"/>
-    <p:sldId id="302" r:id="rId4"/>
-    <p:sldId id="319" r:id="rId5"/>
-    <p:sldId id="318" r:id="rId6"/>
-    <p:sldId id="304" r:id="rId7"/>
-    <p:sldId id="305" r:id="rId8"/>
-    <p:sldId id="320" r:id="rId9"/>
-    <p:sldId id="321" r:id="rId10"/>
-    <p:sldId id="323" r:id="rId11"/>
-    <p:sldId id="324" r:id="rId12"/>
-    <p:sldId id="325" r:id="rId13"/>
-    <p:sldId id="326" r:id="rId14"/>
-    <p:sldId id="327" r:id="rId15"/>
-    <p:sldId id="328" r:id="rId16"/>
-    <p:sldId id="282" r:id="rId17"/>
-    <p:sldId id="283" r:id="rId18"/>
-    <p:sldId id="284" r:id="rId19"/>
-    <p:sldId id="285" r:id="rId20"/>
-    <p:sldId id="286" r:id="rId21"/>
-    <p:sldId id="317" r:id="rId22"/>
+    <p:sldId id="330" r:id="rId4"/>
+    <p:sldId id="331" r:id="rId5"/>
+    <p:sldId id="332" r:id="rId6"/>
+    <p:sldId id="329" r:id="rId7"/>
+    <p:sldId id="333" r:id="rId8"/>
+    <p:sldId id="302" r:id="rId9"/>
+    <p:sldId id="318" r:id="rId10"/>
+    <p:sldId id="304" r:id="rId11"/>
+    <p:sldId id="305" r:id="rId12"/>
+    <p:sldId id="320" r:id="rId13"/>
+    <p:sldId id="321" r:id="rId14"/>
+    <p:sldId id="323" r:id="rId15"/>
+    <p:sldId id="324" r:id="rId16"/>
+    <p:sldId id="325" r:id="rId17"/>
+    <p:sldId id="326" r:id="rId18"/>
+    <p:sldId id="327" r:id="rId19"/>
+    <p:sldId id="328" r:id="rId20"/>
+    <p:sldId id="282" r:id="rId21"/>
+    <p:sldId id="283" r:id="rId22"/>
+    <p:sldId id="284" r:id="rId23"/>
+    <p:sldId id="285" r:id="rId24"/>
+    <p:sldId id="286" r:id="rId25"/>
+    <p:sldId id="317" r:id="rId26"/>
   </p:sldIdLst>
   <p:sldSz cx="9144000" cy="6858000" type="screen4x3"/>
   <p:notesSz cx="6858000" cy="9144000"/>
@@ -130,6 +134,22 @@
       </a:defRPr>
     </a:lvl9pPr>
   </p:defaultTextStyle>
+  <p:extLst>
+    <p:ext uri="{EFAFB233-063F-42B5-8137-9DF3F51BA10A}">
+      <p15:sldGuideLst xmlns:p15="http://schemas.microsoft.com/office/powerpoint/2012/main">
+        <p15:guide id="1" orient="horz" pos="2160">
+          <p15:clr>
+            <a:srgbClr val="A4A3A4"/>
+          </p15:clr>
+        </p15:guide>
+        <p15:guide id="2" pos="583">
+          <p15:clr>
+            <a:srgbClr val="A4A3A4"/>
+          </p15:clr>
+        </p15:guide>
+      </p15:sldGuideLst>
+    </p:ext>
+  </p:extLst>
 </p:presentation>
 </file>
 
@@ -215,7 +235,7 @@
           <a:p>
             <a:fld id="{D3AAB66F-B1B7-D045-B4E8-4F60236F228D}" type="datetimeFigureOut">
               <a:rPr lang="en-US" smtClean="0"/>
-              <a:t>2/8/16</a:t>
+              <a:t>1/23/17</a:t>
             </a:fld>
             <a:endParaRPr lang="en-US"/>
           </a:p>
@@ -381,7 +401,7 @@
           <a:p>
             <a:fld id="{BCCF8E76-06A6-164E-A6FA-EC32C13EB232}" type="datetimeFigureOut">
               <a:rPr lang="en-US" smtClean="0"/>
-              <a:t>2/8/16</a:t>
+              <a:t>1/23/17</a:t>
             </a:fld>
             <a:endParaRPr lang="en-US"/>
           </a:p>
@@ -650,6 +670,97 @@
 </p:notesMaster>
 </file>
 
+<file path=ppt/notesSlides/notesSlide1.xml><?xml version="1.0" encoding="utf-8"?>
+<p:notes xmlns:a="http://schemas.openxmlformats.org/drawingml/2006/main" xmlns:r="http://schemas.openxmlformats.org/officeDocument/2006/relationships" xmlns:p="http://schemas.openxmlformats.org/presentationml/2006/main">
+  <p:cSld>
+    <p:spTree>
+      <p:nvGrpSpPr>
+        <p:cNvPr id="1" name=""/>
+        <p:cNvGrpSpPr/>
+        <p:nvPr/>
+      </p:nvGrpSpPr>
+      <p:grpSpPr>
+        <a:xfrm>
+          <a:off x="0" y="0"/>
+          <a:ext cx="0" cy="0"/>
+          <a:chOff x="0" y="0"/>
+          <a:chExt cx="0" cy="0"/>
+        </a:xfrm>
+      </p:grpSpPr>
+      <p:sp>
+        <p:nvSpPr>
+          <p:cNvPr id="2" name="Slide Image Placeholder 1"/>
+          <p:cNvSpPr>
+            <a:spLocks noGrp="1" noRot="1" noChangeAspect="1"/>
+          </p:cNvSpPr>
+          <p:nvPr>
+            <p:ph type="sldImg"/>
+          </p:nvPr>
+        </p:nvSpPr>
+        <p:spPr/>
+      </p:sp>
+      <p:sp>
+        <p:nvSpPr>
+          <p:cNvPr id="3" name="Notes Placeholder 2"/>
+          <p:cNvSpPr>
+            <a:spLocks noGrp="1"/>
+          </p:cNvSpPr>
+          <p:nvPr>
+            <p:ph type="body" idx="1"/>
+          </p:nvPr>
+        </p:nvSpPr>
+        <p:spPr/>
+        <p:txBody>
+          <a:bodyPr>
+            <a:normAutofit/>
+          </a:bodyPr>
+          <a:lstStyle/>
+          <a:p>
+            <a:r>
+              <a:rPr lang="en-US" dirty="0" smtClean="0"/>
+              <a:t>Install appropriate version using links provided in the assignment.</a:t>
+            </a:r>
+            <a:endParaRPr lang="en-US" dirty="0" smtClean="0"/>
+          </a:p>
+        </p:txBody>
+      </p:sp>
+      <p:sp>
+        <p:nvSpPr>
+          <p:cNvPr id="4" name="Slide Number Placeholder 3"/>
+          <p:cNvSpPr>
+            <a:spLocks noGrp="1"/>
+          </p:cNvSpPr>
+          <p:nvPr>
+            <p:ph type="sldNum" sz="quarter" idx="10"/>
+          </p:nvPr>
+        </p:nvSpPr>
+        <p:spPr/>
+        <p:txBody>
+          <a:bodyPr/>
+          <a:lstStyle/>
+          <a:p>
+            <a:fld id="{172BFE3B-E842-E244-AD02-77D9C291EAE4}" type="slidenum">
+              <a:rPr lang="en-US" smtClean="0"/>
+              <a:pPr/>
+              <a:t>7</a:t>
+            </a:fld>
+            <a:endParaRPr lang="en-US" dirty="0"/>
+          </a:p>
+        </p:txBody>
+      </p:sp>
+    </p:spTree>
+    <p:extLst>
+      <p:ext uri="{BB962C8B-B14F-4D97-AF65-F5344CB8AC3E}">
+        <p14:creationId xmlns:p14="http://schemas.microsoft.com/office/powerpoint/2010/main" val="1368451031"/>
+      </p:ext>
+    </p:extLst>
+  </p:cSld>
+  <p:clrMapOvr>
+    <a:masterClrMapping/>
+  </p:clrMapOvr>
+</p:notes>
+</file>
+
 <file path=ppt/slideLayouts/slideLayout1.xml><?xml version="1.0" encoding="utf-8"?>
 <p:sldLayout xmlns:a="http://schemas.openxmlformats.org/drawingml/2006/main" xmlns:r="http://schemas.openxmlformats.org/officeDocument/2006/relationships" xmlns:p="http://schemas.openxmlformats.org/presentationml/2006/main" preserve="1" userDrawn="1">
   <p:cSld name="Title Slide">
@@ -1167,7 +1278,7 @@
             <a:fld id="{FA3C144B-2939-9A49-B014-915EC3E81866}" type="datetime1">
               <a:rPr lang="en-US" smtClean="0"/>
               <a:pPr/>
-              <a:t>2/8/16</a:t>
+              <a:t>1/23/17</a:t>
             </a:fld>
             <a:endParaRPr lang="en-US" dirty="0"/>
           </a:p>
@@ -1596,7 +1707,7 @@
           <a:p>
             <a:fld id="{76838339-A875-5E45-AB3F-AAABD270346A}" type="datetime1">
               <a:rPr lang="en-US" smtClean="0"/>
-              <a:t>2/8/16</a:t>
+              <a:t>1/23/17</a:t>
             </a:fld>
             <a:endParaRPr lang="en-US"/>
           </a:p>
@@ -1882,7 +1993,7 @@
             <a:fld id="{FA3C144B-2939-9A49-B014-915EC3E81866}" type="datetime1">
               <a:rPr lang="en-US" smtClean="0"/>
               <a:pPr/>
-              <a:t>2/8/16</a:t>
+              <a:t>1/23/17</a:t>
             </a:fld>
             <a:endParaRPr lang="en-US" dirty="0"/>
           </a:p>
@@ -2364,7 +2475,7 @@
           <a:p>
             <a:fld id="{A73F672F-A5FB-5745-934A-1BF51CA5539C}" type="datetime1">
               <a:rPr lang="en-US" smtClean="0"/>
-              <a:t>2/8/16</a:t>
+              <a:t>1/23/17</a:t>
             </a:fld>
             <a:endParaRPr lang="en-US"/>
           </a:p>
@@ -2706,7 +2817,7 @@
             <a:fld id="{FA3C144B-2939-9A49-B014-915EC3E81866}" type="datetime1">
               <a:rPr lang="en-US" smtClean="0"/>
               <a:pPr/>
-              <a:t>2/8/16</a:t>
+              <a:t>1/23/17</a:t>
             </a:fld>
             <a:endParaRPr lang="en-US" dirty="0"/>
           </a:p>
@@ -3170,7 +3281,7 @@
           <a:p>
             <a:fld id="{6AFE6A63-5EBE-3E48-B0AE-DF655A1ECE76}" type="datetime1">
               <a:rPr lang="en-US" smtClean="0"/>
-              <a:t>2/8/16</a:t>
+              <a:t>1/23/17</a:t>
             </a:fld>
             <a:endParaRPr lang="en-US"/>
           </a:p>
@@ -3489,7 +3600,7 @@
           <a:p>
             <a:fld id="{4A019F0C-9D18-B54A-9AC9-18AA74EDB034}" type="datetime1">
               <a:rPr lang="en-US" smtClean="0"/>
-              <a:t>2/8/16</a:t>
+              <a:t>1/23/17</a:t>
             </a:fld>
             <a:endParaRPr lang="en-US"/>
           </a:p>
@@ -3799,7 +3910,7 @@
             <a:fld id="{FA3C144B-2939-9A49-B014-915EC3E81866}" type="datetime1">
               <a:rPr lang="en-US" smtClean="0"/>
               <a:pPr/>
-              <a:t>2/8/16</a:t>
+              <a:t>1/23/17</a:t>
             </a:fld>
             <a:endParaRPr lang="en-US" dirty="0"/>
           </a:p>
@@ -4062,7 +4173,7 @@
           <a:p>
             <a:fld id="{FA3C144B-2939-9A49-B014-915EC3E81866}" type="datetime1">
               <a:rPr lang="en-US" smtClean="0"/>
-              <a:t>2/8/16</a:t>
+              <a:t>1/23/17</a:t>
             </a:fld>
             <a:endParaRPr lang="en-US" dirty="0"/>
           </a:p>
@@ -4709,7 +4820,7 @@
           <a:p>
             <a:fld id="{7053BEFA-1175-F644-B249-7D41D72BD3FF}" type="datetime1">
               <a:rPr lang="en-US" smtClean="0"/>
-              <a:t>2/8/16</a:t>
+              <a:t>1/23/17</a:t>
             </a:fld>
             <a:endParaRPr lang="en-US"/>
           </a:p>
@@ -4828,7 +4939,7 @@
             <a:fld id="{FA3C144B-2939-9A49-B014-915EC3E81866}" type="datetime1">
               <a:rPr lang="en-US" smtClean="0"/>
               <a:pPr/>
-              <a:t>2/8/16</a:t>
+              <a:t>1/23/17</a:t>
             </a:fld>
             <a:endParaRPr lang="en-US" dirty="0"/>
           </a:p>
@@ -5045,7 +5156,7 @@
             <a:fld id="{FA3C144B-2939-9A49-B014-915EC3E81866}" type="datetime1">
               <a:rPr lang="en-US" smtClean="0"/>
               <a:pPr/>
-              <a:t>2/8/16</a:t>
+              <a:t>1/23/17</a:t>
             </a:fld>
             <a:endParaRPr lang="en-US" dirty="0"/>
           </a:p>
@@ -5290,7 +5401,7 @@
             <a:fld id="{FA3C144B-2939-9A49-B014-915EC3E81866}" type="datetime1">
               <a:rPr lang="en-US" smtClean="0"/>
               <a:pPr/>
-              <a:t>2/8/16</a:t>
+              <a:t>1/23/17</a:t>
             </a:fld>
             <a:endParaRPr lang="en-US" dirty="0"/>
           </a:p>
@@ -5668,7 +5779,7 @@
           <a:p>
             <a:fld id="{111EEF3B-ABF2-AA4E-9E24-0C6256942674}" type="datetime1">
               <a:rPr lang="en-US" smtClean="0"/>
-              <a:t>2/8/16</a:t>
+              <a:t>1/23/17</a:t>
             </a:fld>
             <a:endParaRPr lang="en-US"/>
           </a:p>
@@ -5832,7 +5943,7 @@
             <a:fld id="{FA3C144B-2939-9A49-B014-915EC3E81866}" type="datetime1">
               <a:rPr lang="en-US" smtClean="0"/>
               <a:pPr/>
-              <a:t>2/8/16</a:t>
+              <a:t>1/23/17</a:t>
             </a:fld>
             <a:endParaRPr lang="en-US" dirty="0"/>
           </a:p>
@@ -6249,7 +6360,7 @@
             <a:fld id="{FA3C144B-2939-9A49-B014-915EC3E81866}" type="datetime1">
               <a:rPr lang="en-US" smtClean="0"/>
               <a:pPr/>
-              <a:t>2/8/16</a:t>
+              <a:t>1/23/17</a:t>
             </a:fld>
             <a:endParaRPr lang="en-US" dirty="0"/>
           </a:p>
@@ -6565,7 +6676,7 @@
             <a:fld id="{FA3C144B-2939-9A49-B014-915EC3E81866}" type="datetime1">
               <a:rPr lang="en-US" smtClean="0"/>
               <a:pPr/>
-              <a:t>2/8/16</a:t>
+              <a:t>1/23/17</a:t>
             </a:fld>
             <a:endParaRPr lang="en-US" dirty="0"/>
           </a:p>
@@ -7231,7 +7342,7 @@
             <a:fld id="{FA3C144B-2939-9A49-B014-915EC3E81866}" type="datetime1">
               <a:rPr lang="en-US" smtClean="0"/>
               <a:pPr/>
-              <a:t>2/8/16</a:t>
+              <a:t>1/23/17</a:t>
             </a:fld>
             <a:endParaRPr lang="en-US" dirty="0"/>
           </a:p>
@@ -7516,7 +7627,7 @@
           <a:effectLst/>
           <a:extLst>
             <a:ext uri="{91240B29-F687-4f45-9708-019B960494DF}">
-              <a14:hiddenLine xmlns:a14="http://schemas.microsoft.com/office/drawing/2010/main" w="9525">
+              <a14:hiddenLine xmlns:a14="http://schemas.microsoft.com/office/drawing/2010/main" xmlns="" w="9525">
                 <a:solidFill>
                   <a:srgbClr val="000000"/>
                 </a:solidFill>
@@ -7526,7 +7637,7 @@
               </a14:hiddenLine>
             </a:ext>
             <a:ext uri="{AF507438-7753-43e0-B8FC-AC1667EBCBE1}">
-              <a14:hiddenEffects xmlns:a14="http://schemas.microsoft.com/office/drawing/2010/main">
+              <a14:hiddenEffects xmlns:a14="http://schemas.microsoft.com/office/drawing/2010/main" xmlns="">
                 <a:effectLst>
                   <a:outerShdw blurRad="40000" dist="23000" dir="5400000" rotWithShape="0">
                     <a:srgbClr val="000000">
@@ -7627,7 +7738,7 @@
   <p:timing>
     <p:tnLst>
       <p:par>
-        <p:cTn xmlns:p14="http://schemas.microsoft.com/office/powerpoint/2010/main" id="1" dur="indefinite" restart="never" nodeType="tmRoot"/>
+        <p:cTn id="1" dur="indefinite" restart="never" nodeType="tmRoot"/>
       </p:par>
     </p:tnLst>
   </p:timing>
@@ -7992,12 +8103,12 @@
               <a:t>Jennifer </a:t>
             </a:r>
             <a:r>
-              <a:rPr lang="en-US" dirty="0"/>
-              <a:t>M</a:t>
-            </a:r>
-            <a:r>
-              <a:rPr lang="en-US" dirty="0" smtClean="0"/>
-              <a:t>ankoff</a:t>
+              <a:rPr lang="en-US" dirty="0" err="1" smtClean="0"/>
+              <a:t>Mankoff</a:t>
+            </a:r>
+            <a:r>
+              <a:rPr lang="en-US" dirty="0" smtClean="0"/>
+              <a:t> &amp; Nikola Banovic</a:t>
             </a:r>
             <a:endParaRPr lang="en-US" dirty="0"/>
           </a:p>
@@ -8025,11 +8136,11 @@
           <a:p>
             <a:r>
               <a:rPr lang="en-US" dirty="0" smtClean="0"/>
-              <a:t>The Data Pipeline; HCII; </a:t>
-            </a:r>
-            <a:r>
-              <a:rPr lang="en-US" smtClean="0"/>
-              <a:t>Spring 2014</a:t>
+              <a:t>The Data Pipeline; HCII; Spring </a:t>
+            </a:r>
+            <a:r>
+              <a:rPr lang="en-US" dirty="0" smtClean="0"/>
+              <a:t>2017</a:t>
             </a:r>
             <a:endParaRPr lang="en-US" dirty="0"/>
           </a:p>
@@ -8241,7 +8352,7 @@
           <a:effectLst/>
           <a:extLst>
             <a:ext uri="{91240B29-F687-4f45-9708-019B960494DF}">
-              <a14:hiddenLine xmlns:a14="http://schemas.microsoft.com/office/drawing/2010/main" w="9525">
+              <a14:hiddenLine xmlns:a14="http://schemas.microsoft.com/office/drawing/2010/main" xmlns="" w="9525">
                 <a:solidFill>
                   <a:srgbClr val="000000"/>
                 </a:solidFill>
@@ -8251,7 +8362,7 @@
               </a14:hiddenLine>
             </a:ext>
             <a:ext uri="{AF507438-7753-43e0-B8FC-AC1667EBCBE1}">
-              <a14:hiddenEffects xmlns:a14="http://schemas.microsoft.com/office/drawing/2010/main">
+              <a14:hiddenEffects xmlns:a14="http://schemas.microsoft.com/office/drawing/2010/main" xmlns="">
                 <a:effectLst>
                   <a:outerShdw blurRad="40000" dist="23000" dir="5400000" rotWithShape="0">
                     <a:srgbClr val="000000">
@@ -8288,7 +8399,7 @@
   <p:timing>
     <p:tnLst>
       <p:par>
-        <p:cTn xmlns:p14="http://schemas.microsoft.com/office/powerpoint/2010/main" id="1" dur="indefinite" restart="never" nodeType="tmRoot"/>
+        <p:cTn id="1" dur="indefinite" restart="never" nodeType="tmRoot"/>
       </p:par>
     </p:tnLst>
   </p:timing>
@@ -8328,2176 +8439,16 @@
           <a:lstStyle/>
           <a:p>
             <a:r>
-              <a:rPr lang="en-US" dirty="0" smtClean="0"/>
-              <a:t>Create a bucket (byte3 here)</a:t>
-            </a:r>
-            <a:endParaRPr lang="en-US" dirty="0"/>
-          </a:p>
-        </p:txBody>
-      </p:sp>
-      <p:sp>
-        <p:nvSpPr>
-          <p:cNvPr id="4" name="Date Placeholder 3"/>
-          <p:cNvSpPr>
-            <a:spLocks noGrp="1"/>
-          </p:cNvSpPr>
-          <p:nvPr>
-            <p:ph type="dt" sz="half" idx="10"/>
-          </p:nvPr>
-        </p:nvSpPr>
-        <p:spPr/>
-        <p:txBody>
-          <a:bodyPr/>
-          <a:lstStyle/>
-          <a:p>
-            <a:fld id="{7053BEFA-1175-F644-B249-7D41D72BD3FF}" type="datetime1">
-              <a:rPr lang="en-US" smtClean="0"/>
-              <a:t>2/8/16</a:t>
-            </a:fld>
-            <a:endParaRPr lang="en-US"/>
-          </a:p>
-        </p:txBody>
-      </p:sp>
-      <p:sp>
-        <p:nvSpPr>
-          <p:cNvPr id="5" name="Footer Placeholder 4"/>
-          <p:cNvSpPr>
-            <a:spLocks noGrp="1"/>
-          </p:cNvSpPr>
-          <p:nvPr>
-            <p:ph type="ftr" sz="quarter" idx="11"/>
-          </p:nvPr>
-        </p:nvSpPr>
-        <p:spPr/>
-        <p:txBody>
-          <a:bodyPr/>
-          <a:lstStyle/>
-          <a:p>
-            <a:endParaRPr lang="en-US" dirty="0"/>
-          </a:p>
-        </p:txBody>
-      </p:sp>
-      <p:sp>
-        <p:nvSpPr>
-          <p:cNvPr id="6" name="Slide Number Placeholder 5"/>
-          <p:cNvSpPr>
-            <a:spLocks noGrp="1"/>
-          </p:cNvSpPr>
-          <p:nvPr>
-            <p:ph type="sldNum" sz="quarter" idx="12"/>
-          </p:nvPr>
-        </p:nvSpPr>
-        <p:spPr/>
-        <p:txBody>
-          <a:bodyPr/>
-          <a:lstStyle/>
-          <a:p>
-            <a:fld id="{17E276FA-8F89-B34D-A726-BE3FA1F8DD97}" type="slidenum">
-              <a:rPr lang="en-US" smtClean="0"/>
-              <a:t>10</a:t>
-            </a:fld>
-            <a:endParaRPr lang="en-US" dirty="0"/>
-          </a:p>
-        </p:txBody>
-      </p:sp>
-      <p:pic>
-        <p:nvPicPr>
-          <p:cNvPr id="8" name="Content Placeholder 7"/>
-          <p:cNvPicPr>
-            <a:picLocks noGrp="1" noChangeAspect="1"/>
-          </p:cNvPicPr>
-          <p:nvPr>
-            <p:ph idx="1"/>
-          </p:nvPr>
-        </p:nvPicPr>
-        <p:blipFill>
-          <a:blip r:embed="rId2"/>
-          <a:srcRect t="-54013" b="-54013"/>
-          <a:stretch>
-            <a:fillRect/>
-          </a:stretch>
-        </p:blipFill>
-        <p:spPr/>
-      </p:pic>
-    </p:spTree>
-    <p:extLst>
-      <p:ext uri="{BB962C8B-B14F-4D97-AF65-F5344CB8AC3E}">
-        <p14:creationId xmlns:p14="http://schemas.microsoft.com/office/powerpoint/2010/main" val="310867465"/>
-      </p:ext>
-    </p:extLst>
-  </p:cSld>
-  <p:clrMapOvr>
-    <a:masterClrMapping/>
-  </p:clrMapOvr>
-  <p:timing>
-    <p:tnLst>
-      <p:par>
-        <p:cTn xmlns:p14="http://schemas.microsoft.com/office/powerpoint/2010/main" id="1" dur="indefinite" restart="never" nodeType="tmRoot"/>
-      </p:par>
-    </p:tnLst>
-  </p:timing>
-</p:sld>
-</file>
-
-<file path=ppt/slides/slide11.xml><?xml version="1.0" encoding="utf-8"?>
-<p:sld xmlns:a="http://schemas.openxmlformats.org/drawingml/2006/main" xmlns:r="http://schemas.openxmlformats.org/officeDocument/2006/relationships" xmlns:p="http://schemas.openxmlformats.org/presentationml/2006/main">
-  <p:cSld>
-    <p:spTree>
-      <p:nvGrpSpPr>
-        <p:cNvPr id="1" name=""/>
-        <p:cNvGrpSpPr/>
-        <p:nvPr/>
-      </p:nvGrpSpPr>
-      <p:grpSpPr>
-        <a:xfrm>
-          <a:off x="0" y="0"/>
-          <a:ext cx="0" cy="0"/>
-          <a:chOff x="0" y="0"/>
-          <a:chExt cx="0" cy="0"/>
-        </a:xfrm>
-      </p:grpSpPr>
-      <p:sp>
-        <p:nvSpPr>
-          <p:cNvPr id="2" name="Title 1"/>
-          <p:cNvSpPr>
-            <a:spLocks noGrp="1"/>
-          </p:cNvSpPr>
-          <p:nvPr>
-            <p:ph type="title"/>
-          </p:nvPr>
-        </p:nvSpPr>
-        <p:spPr/>
-        <p:txBody>
-          <a:bodyPr/>
-          <a:lstStyle/>
-          <a:p>
-            <a:r>
-              <a:rPr lang="en-US" dirty="0" smtClean="0"/>
-              <a:t>Upload the </a:t>
-            </a:r>
-            <a:r>
-              <a:rPr lang="en-US" dirty="0" err="1" smtClean="0"/>
-              <a:t>sql</a:t>
-            </a:r>
-            <a:r>
-              <a:rPr lang="en-US" dirty="0" smtClean="0"/>
-              <a:t> dump file</a:t>
-            </a:r>
-            <a:endParaRPr lang="en-US" dirty="0"/>
-          </a:p>
-        </p:txBody>
-      </p:sp>
-      <p:sp>
-        <p:nvSpPr>
-          <p:cNvPr id="4" name="Date Placeholder 3"/>
-          <p:cNvSpPr>
-            <a:spLocks noGrp="1"/>
-          </p:cNvSpPr>
-          <p:nvPr>
-            <p:ph type="dt" sz="half" idx="10"/>
-          </p:nvPr>
-        </p:nvSpPr>
-        <p:spPr/>
-        <p:txBody>
-          <a:bodyPr/>
-          <a:lstStyle/>
-          <a:p>
-            <a:fld id="{7053BEFA-1175-F644-B249-7D41D72BD3FF}" type="datetime1">
-              <a:rPr lang="en-US" smtClean="0"/>
-              <a:t>2/8/16</a:t>
-            </a:fld>
-            <a:endParaRPr lang="en-US"/>
-          </a:p>
-        </p:txBody>
-      </p:sp>
-      <p:sp>
-        <p:nvSpPr>
-          <p:cNvPr id="5" name="Footer Placeholder 4"/>
-          <p:cNvSpPr>
-            <a:spLocks noGrp="1"/>
-          </p:cNvSpPr>
-          <p:nvPr>
-            <p:ph type="ftr" sz="quarter" idx="11"/>
-          </p:nvPr>
-        </p:nvSpPr>
-        <p:spPr/>
-        <p:txBody>
-          <a:bodyPr/>
-          <a:lstStyle/>
-          <a:p>
-            <a:endParaRPr lang="en-US" dirty="0"/>
-          </a:p>
-        </p:txBody>
-      </p:sp>
-      <p:sp>
-        <p:nvSpPr>
-          <p:cNvPr id="6" name="Slide Number Placeholder 5"/>
-          <p:cNvSpPr>
-            <a:spLocks noGrp="1"/>
-          </p:cNvSpPr>
-          <p:nvPr>
-            <p:ph type="sldNum" sz="quarter" idx="12"/>
-          </p:nvPr>
-        </p:nvSpPr>
-        <p:spPr/>
-        <p:txBody>
-          <a:bodyPr/>
-          <a:lstStyle/>
-          <a:p>
-            <a:fld id="{17E276FA-8F89-B34D-A726-BE3FA1F8DD97}" type="slidenum">
-              <a:rPr lang="en-US" smtClean="0"/>
-              <a:t>11</a:t>
-            </a:fld>
-            <a:endParaRPr lang="en-US" dirty="0"/>
-          </a:p>
-        </p:txBody>
-      </p:sp>
-      <p:pic>
-        <p:nvPicPr>
-          <p:cNvPr id="7" name="Content Placeholder 6"/>
-          <p:cNvPicPr>
-            <a:picLocks noGrp="1" noChangeAspect="1"/>
-          </p:cNvPicPr>
-          <p:nvPr>
-            <p:ph idx="1"/>
-          </p:nvPr>
-        </p:nvPicPr>
-        <p:blipFill>
-          <a:blip r:embed="rId2"/>
-          <a:srcRect t="-46903" b="-46903"/>
-          <a:stretch>
-            <a:fillRect/>
-          </a:stretch>
-        </p:blipFill>
-        <p:spPr/>
-      </p:pic>
-    </p:spTree>
-    <p:extLst>
-      <p:ext uri="{BB962C8B-B14F-4D97-AF65-F5344CB8AC3E}">
-        <p14:creationId xmlns:p14="http://schemas.microsoft.com/office/powerpoint/2010/main" val="1395449403"/>
-      </p:ext>
-    </p:extLst>
-  </p:cSld>
-  <p:clrMapOvr>
-    <a:masterClrMapping/>
-  </p:clrMapOvr>
-  <p:timing>
-    <p:tnLst>
-      <p:par>
-        <p:cTn xmlns:p14="http://schemas.microsoft.com/office/powerpoint/2010/main" id="1" dur="indefinite" restart="never" nodeType="tmRoot"/>
-      </p:par>
-    </p:tnLst>
-  </p:timing>
-</p:sld>
-</file>
-
-<file path=ppt/slides/slide12.xml><?xml version="1.0" encoding="utf-8"?>
-<p:sld xmlns:a="http://schemas.openxmlformats.org/drawingml/2006/main" xmlns:r="http://schemas.openxmlformats.org/officeDocument/2006/relationships" xmlns:p="http://schemas.openxmlformats.org/presentationml/2006/main">
-  <p:cSld>
-    <p:spTree>
-      <p:nvGrpSpPr>
-        <p:cNvPr id="1" name=""/>
-        <p:cNvGrpSpPr/>
-        <p:nvPr/>
-      </p:nvGrpSpPr>
-      <p:grpSpPr>
-        <a:xfrm>
-          <a:off x="0" y="0"/>
-          <a:ext cx="0" cy="0"/>
-          <a:chOff x="0" y="0"/>
-          <a:chExt cx="0" cy="0"/>
-        </a:xfrm>
-      </p:grpSpPr>
-      <p:sp>
-        <p:nvSpPr>
-          <p:cNvPr id="2" name="Title 1"/>
-          <p:cNvSpPr>
-            <a:spLocks noGrp="1"/>
-          </p:cNvSpPr>
-          <p:nvPr>
-            <p:ph type="title"/>
-          </p:nvPr>
-        </p:nvSpPr>
-        <p:spPr/>
-        <p:txBody>
-          <a:bodyPr/>
-          <a:lstStyle/>
-          <a:p>
-            <a:r>
-              <a:rPr lang="en-US" dirty="0" smtClean="0"/>
-              <a:t>Now click on byte3</a:t>
-            </a:r>
-            <a:endParaRPr lang="en-US" dirty="0"/>
-          </a:p>
-        </p:txBody>
-      </p:sp>
-      <p:sp>
-        <p:nvSpPr>
-          <p:cNvPr id="4" name="Date Placeholder 3"/>
-          <p:cNvSpPr>
-            <a:spLocks noGrp="1"/>
-          </p:cNvSpPr>
-          <p:nvPr>
-            <p:ph type="dt" sz="half" idx="10"/>
-          </p:nvPr>
-        </p:nvSpPr>
-        <p:spPr/>
-        <p:txBody>
-          <a:bodyPr/>
-          <a:lstStyle/>
-          <a:p>
-            <a:fld id="{7053BEFA-1175-F644-B249-7D41D72BD3FF}" type="datetime1">
-              <a:rPr lang="en-US" smtClean="0"/>
-              <a:t>2/8/16</a:t>
-            </a:fld>
-            <a:endParaRPr lang="en-US"/>
-          </a:p>
-        </p:txBody>
-      </p:sp>
-      <p:sp>
-        <p:nvSpPr>
-          <p:cNvPr id="5" name="Footer Placeholder 4"/>
-          <p:cNvSpPr>
-            <a:spLocks noGrp="1"/>
-          </p:cNvSpPr>
-          <p:nvPr>
-            <p:ph type="ftr" sz="quarter" idx="11"/>
-          </p:nvPr>
-        </p:nvSpPr>
-        <p:spPr/>
-        <p:txBody>
-          <a:bodyPr/>
-          <a:lstStyle/>
-          <a:p>
-            <a:endParaRPr lang="en-US" dirty="0"/>
-          </a:p>
-        </p:txBody>
-      </p:sp>
-      <p:sp>
-        <p:nvSpPr>
-          <p:cNvPr id="6" name="Slide Number Placeholder 5"/>
-          <p:cNvSpPr>
-            <a:spLocks noGrp="1"/>
-          </p:cNvSpPr>
-          <p:nvPr>
-            <p:ph type="sldNum" sz="quarter" idx="12"/>
-          </p:nvPr>
-        </p:nvSpPr>
-        <p:spPr/>
-        <p:txBody>
-          <a:bodyPr/>
-          <a:lstStyle/>
-          <a:p>
-            <a:fld id="{17E276FA-8F89-B34D-A726-BE3FA1F8DD97}" type="slidenum">
-              <a:rPr lang="en-US" smtClean="0"/>
-              <a:t>12</a:t>
-            </a:fld>
-            <a:endParaRPr lang="en-US" dirty="0"/>
-          </a:p>
-        </p:txBody>
-      </p:sp>
-      <p:pic>
-        <p:nvPicPr>
-          <p:cNvPr id="8" name="Content Placeholder 7"/>
-          <p:cNvPicPr>
-            <a:picLocks noGrp="1" noChangeAspect="1"/>
-          </p:cNvPicPr>
-          <p:nvPr>
-            <p:ph idx="1"/>
-          </p:nvPr>
-        </p:nvPicPr>
-        <p:blipFill>
-          <a:blip r:embed="rId2"/>
-          <a:srcRect t="-23419" b="-23419"/>
-          <a:stretch>
-            <a:fillRect/>
-          </a:stretch>
-        </p:blipFill>
-        <p:spPr>
-          <a:xfrm>
-            <a:off x="1128713" y="1847850"/>
-            <a:ext cx="7048500" cy="4379913"/>
-          </a:xfrm>
-        </p:spPr>
-      </p:pic>
-    </p:spTree>
-    <p:extLst>
-      <p:ext uri="{BB962C8B-B14F-4D97-AF65-F5344CB8AC3E}">
-        <p14:creationId xmlns:p14="http://schemas.microsoft.com/office/powerpoint/2010/main" val="564561214"/>
-      </p:ext>
-    </p:extLst>
-  </p:cSld>
-  <p:clrMapOvr>
-    <a:masterClrMapping/>
-  </p:clrMapOvr>
-  <p:timing>
-    <p:tnLst>
-      <p:par>
-        <p:cTn xmlns:p14="http://schemas.microsoft.com/office/powerpoint/2010/main" id="1" dur="indefinite" restart="never" nodeType="tmRoot"/>
-      </p:par>
-    </p:tnLst>
-  </p:timing>
-</p:sld>
-</file>
-
-<file path=ppt/slides/slide13.xml><?xml version="1.0" encoding="utf-8"?>
-<p:sld xmlns:a="http://schemas.openxmlformats.org/drawingml/2006/main" xmlns:r="http://schemas.openxmlformats.org/officeDocument/2006/relationships" xmlns:p="http://schemas.openxmlformats.org/presentationml/2006/main">
-  <p:cSld>
-    <p:spTree>
-      <p:nvGrpSpPr>
-        <p:cNvPr id="1" name=""/>
-        <p:cNvGrpSpPr/>
-        <p:nvPr/>
-      </p:nvGrpSpPr>
-      <p:grpSpPr>
-        <a:xfrm>
-          <a:off x="0" y="0"/>
-          <a:ext cx="0" cy="0"/>
-          <a:chOff x="0" y="0"/>
-          <a:chExt cx="0" cy="0"/>
-        </a:xfrm>
-      </p:grpSpPr>
-      <p:sp>
-        <p:nvSpPr>
-          <p:cNvPr id="2" name="Title 1"/>
-          <p:cNvSpPr>
-            <a:spLocks noGrp="1"/>
-          </p:cNvSpPr>
-          <p:nvPr>
-            <p:ph type="title"/>
-          </p:nvPr>
-        </p:nvSpPr>
-        <p:spPr/>
-        <p:txBody>
-          <a:bodyPr/>
-          <a:lstStyle/>
-          <a:p>
-            <a:r>
-              <a:rPr lang="en-US" dirty="0" smtClean="0"/>
-              <a:t>Create a database in it</a:t>
-            </a:r>
-            <a:endParaRPr lang="en-US" dirty="0"/>
-          </a:p>
-        </p:txBody>
-      </p:sp>
-      <p:sp>
-        <p:nvSpPr>
-          <p:cNvPr id="4" name="Date Placeholder 3"/>
-          <p:cNvSpPr>
-            <a:spLocks noGrp="1"/>
-          </p:cNvSpPr>
-          <p:nvPr>
-            <p:ph type="dt" sz="half" idx="10"/>
-          </p:nvPr>
-        </p:nvSpPr>
-        <p:spPr/>
-        <p:txBody>
-          <a:bodyPr/>
-          <a:lstStyle/>
-          <a:p>
-            <a:fld id="{7053BEFA-1175-F644-B249-7D41D72BD3FF}" type="datetime1">
-              <a:rPr lang="en-US" smtClean="0"/>
-              <a:t>2/8/16</a:t>
-            </a:fld>
-            <a:endParaRPr lang="en-US"/>
-          </a:p>
-        </p:txBody>
-      </p:sp>
-      <p:sp>
-        <p:nvSpPr>
-          <p:cNvPr id="5" name="Footer Placeholder 4"/>
-          <p:cNvSpPr>
-            <a:spLocks noGrp="1"/>
-          </p:cNvSpPr>
-          <p:nvPr>
-            <p:ph type="ftr" sz="quarter" idx="11"/>
-          </p:nvPr>
-        </p:nvSpPr>
-        <p:spPr/>
-        <p:txBody>
-          <a:bodyPr/>
-          <a:lstStyle/>
-          <a:p>
-            <a:endParaRPr lang="en-US" dirty="0"/>
-          </a:p>
-        </p:txBody>
-      </p:sp>
-      <p:sp>
-        <p:nvSpPr>
-          <p:cNvPr id="6" name="Slide Number Placeholder 5"/>
-          <p:cNvSpPr>
-            <a:spLocks noGrp="1"/>
-          </p:cNvSpPr>
-          <p:nvPr>
-            <p:ph type="sldNum" sz="quarter" idx="12"/>
-          </p:nvPr>
-        </p:nvSpPr>
-        <p:spPr/>
-        <p:txBody>
-          <a:bodyPr/>
-          <a:lstStyle/>
-          <a:p>
-            <a:fld id="{17E276FA-8F89-B34D-A726-BE3FA1F8DD97}" type="slidenum">
-              <a:rPr lang="en-US" smtClean="0"/>
-              <a:t>13</a:t>
-            </a:fld>
-            <a:endParaRPr lang="en-US" dirty="0"/>
-          </a:p>
-        </p:txBody>
-      </p:sp>
-      <p:pic>
-        <p:nvPicPr>
-          <p:cNvPr id="7" name="Content Placeholder 6"/>
-          <p:cNvPicPr>
-            <a:picLocks noGrp="1" noChangeAspect="1"/>
-          </p:cNvPicPr>
-          <p:nvPr>
-            <p:ph idx="1"/>
-          </p:nvPr>
-        </p:nvPicPr>
-        <p:blipFill>
-          <a:blip r:embed="rId2"/>
-          <a:srcRect l="57" r="57"/>
-          <a:stretch>
-            <a:fillRect/>
-          </a:stretch>
-        </p:blipFill>
-        <p:spPr/>
-      </p:pic>
-    </p:spTree>
-    <p:extLst>
-      <p:ext uri="{BB962C8B-B14F-4D97-AF65-F5344CB8AC3E}">
-        <p14:creationId xmlns:p14="http://schemas.microsoft.com/office/powerpoint/2010/main" val="666558361"/>
-      </p:ext>
-    </p:extLst>
-  </p:cSld>
-  <p:clrMapOvr>
-    <a:masterClrMapping/>
-  </p:clrMapOvr>
-  <p:timing>
-    <p:tnLst>
-      <p:par>
-        <p:cTn xmlns:p14="http://schemas.microsoft.com/office/powerpoint/2010/main" id="1" dur="indefinite" restart="never" nodeType="tmRoot"/>
-      </p:par>
-    </p:tnLst>
-  </p:timing>
-</p:sld>
-</file>
-
-<file path=ppt/slides/slide14.xml><?xml version="1.0" encoding="utf-8"?>
-<p:sld xmlns:a="http://schemas.openxmlformats.org/drawingml/2006/main" xmlns:r="http://schemas.openxmlformats.org/officeDocument/2006/relationships" xmlns:p="http://schemas.openxmlformats.org/presentationml/2006/main">
-  <p:cSld>
-    <p:spTree>
-      <p:nvGrpSpPr>
-        <p:cNvPr id="1" name=""/>
-        <p:cNvGrpSpPr/>
-        <p:nvPr/>
-      </p:nvGrpSpPr>
-      <p:grpSpPr>
-        <a:xfrm>
-          <a:off x="0" y="0"/>
-          <a:ext cx="0" cy="0"/>
-          <a:chOff x="0" y="0"/>
-          <a:chExt cx="0" cy="0"/>
-        </a:xfrm>
-      </p:grpSpPr>
-      <p:sp>
-        <p:nvSpPr>
-          <p:cNvPr id="2" name="Title 1"/>
-          <p:cNvSpPr>
-            <a:spLocks noGrp="1"/>
-          </p:cNvSpPr>
-          <p:nvPr>
-            <p:ph type="title"/>
-          </p:nvPr>
-        </p:nvSpPr>
-        <p:spPr/>
-        <p:txBody>
-          <a:bodyPr/>
-          <a:lstStyle/>
-          <a:p>
-            <a:r>
-              <a:rPr lang="en-US" dirty="0" smtClean="0"/>
-              <a:t>Create a database in it</a:t>
-            </a:r>
-            <a:endParaRPr lang="en-US" dirty="0"/>
-          </a:p>
-        </p:txBody>
-      </p:sp>
-      <p:sp>
-        <p:nvSpPr>
-          <p:cNvPr id="4" name="Date Placeholder 3"/>
-          <p:cNvSpPr>
-            <a:spLocks noGrp="1"/>
-          </p:cNvSpPr>
-          <p:nvPr>
-            <p:ph type="dt" sz="half" idx="10"/>
-          </p:nvPr>
-        </p:nvSpPr>
-        <p:spPr/>
-        <p:txBody>
-          <a:bodyPr/>
-          <a:lstStyle/>
-          <a:p>
-            <a:fld id="{7053BEFA-1175-F644-B249-7D41D72BD3FF}" type="datetime1">
-              <a:rPr lang="en-US" smtClean="0"/>
-              <a:t>2/8/16</a:t>
-            </a:fld>
-            <a:endParaRPr lang="en-US"/>
-          </a:p>
-        </p:txBody>
-      </p:sp>
-      <p:sp>
-        <p:nvSpPr>
-          <p:cNvPr id="5" name="Footer Placeholder 4"/>
-          <p:cNvSpPr>
-            <a:spLocks noGrp="1"/>
-          </p:cNvSpPr>
-          <p:nvPr>
-            <p:ph type="ftr" sz="quarter" idx="11"/>
-          </p:nvPr>
-        </p:nvSpPr>
-        <p:spPr/>
-        <p:txBody>
-          <a:bodyPr/>
-          <a:lstStyle/>
-          <a:p>
-            <a:endParaRPr lang="en-US" dirty="0"/>
-          </a:p>
-        </p:txBody>
-      </p:sp>
-      <p:sp>
-        <p:nvSpPr>
-          <p:cNvPr id="6" name="Slide Number Placeholder 5"/>
-          <p:cNvSpPr>
-            <a:spLocks noGrp="1"/>
-          </p:cNvSpPr>
-          <p:nvPr>
-            <p:ph type="sldNum" sz="quarter" idx="12"/>
-          </p:nvPr>
-        </p:nvSpPr>
-        <p:spPr/>
-        <p:txBody>
-          <a:bodyPr/>
-          <a:lstStyle/>
-          <a:p>
-            <a:fld id="{17E276FA-8F89-B34D-A726-BE3FA1F8DD97}" type="slidenum">
-              <a:rPr lang="en-US" smtClean="0"/>
-              <a:t>14</a:t>
-            </a:fld>
-            <a:endParaRPr lang="en-US" dirty="0"/>
-          </a:p>
-        </p:txBody>
-      </p:sp>
-      <p:pic>
-        <p:nvPicPr>
-          <p:cNvPr id="8" name="Content Placeholder 7"/>
-          <p:cNvPicPr>
-            <a:picLocks noGrp="1" noChangeAspect="1"/>
-          </p:cNvPicPr>
-          <p:nvPr>
-            <p:ph idx="1"/>
-          </p:nvPr>
-        </p:nvPicPr>
-        <p:blipFill>
-          <a:blip r:embed="rId2"/>
-          <a:srcRect l="13265" r="13265"/>
-          <a:stretch>
-            <a:fillRect/>
-          </a:stretch>
-        </p:blipFill>
-        <p:spPr/>
-      </p:pic>
-    </p:spTree>
-    <p:extLst>
-      <p:ext uri="{BB962C8B-B14F-4D97-AF65-F5344CB8AC3E}">
-        <p14:creationId xmlns:p14="http://schemas.microsoft.com/office/powerpoint/2010/main" val="1687310214"/>
-      </p:ext>
-    </p:extLst>
-  </p:cSld>
-  <p:clrMapOvr>
-    <a:masterClrMapping/>
-  </p:clrMapOvr>
-  <p:timing>
-    <p:tnLst>
-      <p:par>
-        <p:cTn xmlns:p14="http://schemas.microsoft.com/office/powerpoint/2010/main" id="1" dur="indefinite" restart="never" nodeType="tmRoot"/>
-      </p:par>
-    </p:tnLst>
-  </p:timing>
-</p:sld>
-</file>
-
-<file path=ppt/slides/slide15.xml><?xml version="1.0" encoding="utf-8"?>
-<p:sld xmlns:a="http://schemas.openxmlformats.org/drawingml/2006/main" xmlns:r="http://schemas.openxmlformats.org/officeDocument/2006/relationships" xmlns:p="http://schemas.openxmlformats.org/presentationml/2006/main">
-  <p:cSld>
-    <p:spTree>
-      <p:nvGrpSpPr>
-        <p:cNvPr id="1" name=""/>
-        <p:cNvGrpSpPr/>
-        <p:nvPr/>
-      </p:nvGrpSpPr>
-      <p:grpSpPr>
-        <a:xfrm>
-          <a:off x="0" y="0"/>
-          <a:ext cx="0" cy="0"/>
-          <a:chOff x="0" y="0"/>
-          <a:chExt cx="0" cy="0"/>
-        </a:xfrm>
-      </p:grpSpPr>
-      <p:sp>
-        <p:nvSpPr>
-          <p:cNvPr id="2" name="Title 1"/>
-          <p:cNvSpPr>
-            <a:spLocks noGrp="1"/>
-          </p:cNvSpPr>
-          <p:nvPr>
-            <p:ph type="title"/>
-          </p:nvPr>
-        </p:nvSpPr>
-        <p:spPr/>
-        <p:txBody>
-          <a:bodyPr/>
-          <a:lstStyle/>
-          <a:p>
-            <a:r>
-              <a:rPr lang="en-US" dirty="0" smtClean="0"/>
-              <a:t>Import your data</a:t>
-            </a:r>
-            <a:endParaRPr lang="en-US" dirty="0"/>
-          </a:p>
-        </p:txBody>
-      </p:sp>
-      <p:sp>
-        <p:nvSpPr>
-          <p:cNvPr id="4" name="Date Placeholder 3"/>
-          <p:cNvSpPr>
-            <a:spLocks noGrp="1"/>
-          </p:cNvSpPr>
-          <p:nvPr>
-            <p:ph type="dt" sz="half" idx="10"/>
-          </p:nvPr>
-        </p:nvSpPr>
-        <p:spPr/>
-        <p:txBody>
-          <a:bodyPr/>
-          <a:lstStyle/>
-          <a:p>
-            <a:fld id="{7053BEFA-1175-F644-B249-7D41D72BD3FF}" type="datetime1">
-              <a:rPr lang="en-US" smtClean="0"/>
-              <a:t>2/8/16</a:t>
-            </a:fld>
-            <a:endParaRPr lang="en-US"/>
-          </a:p>
-        </p:txBody>
-      </p:sp>
-      <p:sp>
-        <p:nvSpPr>
-          <p:cNvPr id="5" name="Footer Placeholder 4"/>
-          <p:cNvSpPr>
-            <a:spLocks noGrp="1"/>
-          </p:cNvSpPr>
-          <p:nvPr>
-            <p:ph type="ftr" sz="quarter" idx="11"/>
-          </p:nvPr>
-        </p:nvSpPr>
-        <p:spPr/>
-        <p:txBody>
-          <a:bodyPr/>
-          <a:lstStyle/>
-          <a:p>
-            <a:endParaRPr lang="en-US" dirty="0"/>
-          </a:p>
-        </p:txBody>
-      </p:sp>
-      <p:sp>
-        <p:nvSpPr>
-          <p:cNvPr id="6" name="Slide Number Placeholder 5"/>
-          <p:cNvSpPr>
-            <a:spLocks noGrp="1"/>
-          </p:cNvSpPr>
-          <p:nvPr>
-            <p:ph type="sldNum" sz="quarter" idx="12"/>
-          </p:nvPr>
-        </p:nvSpPr>
-        <p:spPr/>
-        <p:txBody>
-          <a:bodyPr/>
-          <a:lstStyle/>
-          <a:p>
-            <a:fld id="{17E276FA-8F89-B34D-A726-BE3FA1F8DD97}" type="slidenum">
-              <a:rPr lang="en-US" smtClean="0"/>
-              <a:t>15</a:t>
-            </a:fld>
-            <a:endParaRPr lang="en-US" dirty="0"/>
-          </a:p>
-        </p:txBody>
-      </p:sp>
-      <p:pic>
-        <p:nvPicPr>
-          <p:cNvPr id="7" name="Content Placeholder 6"/>
-          <p:cNvPicPr>
-            <a:picLocks noGrp="1" noChangeAspect="1"/>
-          </p:cNvPicPr>
-          <p:nvPr>
-            <p:ph idx="1"/>
-          </p:nvPr>
-        </p:nvPicPr>
-        <p:blipFill>
-          <a:blip r:embed="rId2"/>
-          <a:srcRect l="17738" r="17738"/>
-          <a:stretch>
-            <a:fillRect/>
-          </a:stretch>
-        </p:blipFill>
-        <p:spPr/>
-      </p:pic>
-    </p:spTree>
-    <p:extLst>
-      <p:ext uri="{BB962C8B-B14F-4D97-AF65-F5344CB8AC3E}">
-        <p14:creationId xmlns:p14="http://schemas.microsoft.com/office/powerpoint/2010/main" val="2116767914"/>
-      </p:ext>
-    </p:extLst>
-  </p:cSld>
-  <p:clrMapOvr>
-    <a:masterClrMapping/>
-  </p:clrMapOvr>
-  <p:timing>
-    <p:tnLst>
-      <p:par>
-        <p:cTn xmlns:p14="http://schemas.microsoft.com/office/powerpoint/2010/main" id="1" dur="indefinite" restart="never" nodeType="tmRoot"/>
-      </p:par>
-    </p:tnLst>
-  </p:timing>
-</p:sld>
-</file>
-
-<file path=ppt/slides/slide16.xml><?xml version="1.0" encoding="utf-8"?>
-<p:sld xmlns:a="http://schemas.openxmlformats.org/drawingml/2006/main" xmlns:r="http://schemas.openxmlformats.org/officeDocument/2006/relationships" xmlns:p="http://schemas.openxmlformats.org/presentationml/2006/main">
-  <p:cSld>
-    <p:spTree>
-      <p:nvGrpSpPr>
-        <p:cNvPr id="1" name=""/>
-        <p:cNvGrpSpPr/>
-        <p:nvPr/>
-      </p:nvGrpSpPr>
-      <p:grpSpPr>
-        <a:xfrm>
-          <a:off x="0" y="0"/>
-          <a:ext cx="0" cy="0"/>
-          <a:chOff x="0" y="0"/>
-          <a:chExt cx="0" cy="0"/>
-        </a:xfrm>
-      </p:grpSpPr>
-      <p:sp>
-        <p:nvSpPr>
-          <p:cNvPr id="2" name="Title 1"/>
-          <p:cNvSpPr>
-            <a:spLocks noGrp="1"/>
-          </p:cNvSpPr>
-          <p:nvPr>
-            <p:ph type="title"/>
-          </p:nvPr>
-        </p:nvSpPr>
-        <p:spPr/>
-        <p:txBody>
-          <a:bodyPr/>
-          <a:lstStyle/>
-          <a:p>
-            <a:r>
-              <a:rPr lang="en-US" dirty="0" smtClean="0"/>
-              <a:t>Accessing MySQL from python</a:t>
-            </a:r>
-            <a:endParaRPr lang="en-US" dirty="0"/>
-          </a:p>
-        </p:txBody>
-      </p:sp>
-      <p:sp>
-        <p:nvSpPr>
-          <p:cNvPr id="3" name="Content Placeholder 2"/>
-          <p:cNvSpPr>
-            <a:spLocks noGrp="1"/>
-          </p:cNvSpPr>
-          <p:nvPr>
-            <p:ph idx="1"/>
-          </p:nvPr>
-        </p:nvSpPr>
-        <p:spPr/>
-        <p:txBody>
-          <a:bodyPr/>
-          <a:lstStyle/>
-          <a:p>
-            <a:pPr marL="0" indent="0">
-              <a:buNone/>
-            </a:pPr>
-            <a:r>
-              <a:rPr lang="en-US" dirty="0" err="1" smtClean="0"/>
-              <a:t>db</a:t>
-            </a:r>
-            <a:r>
-              <a:rPr lang="en-US" dirty="0" smtClean="0"/>
-              <a:t> </a:t>
-            </a:r>
-            <a:r>
               <a:rPr lang="en-US" dirty="0"/>
-              <a:t>= </a:t>
+              <a:t>Setting up a </a:t>
             </a:r>
             <a:r>
               <a:rPr lang="en-US" dirty="0" err="1"/>
-              <a:t>MySQLdb.connect</a:t>
+              <a:t>Datastore</a:t>
             </a:r>
             <a:r>
               <a:rPr lang="en-US" dirty="0"/>
-              <a:t>(</a:t>
-            </a:r>
-            <a:r>
-              <a:rPr lang="en-US" dirty="0" err="1"/>
-              <a:t>unix_socket</a:t>
-            </a:r>
-            <a:r>
-              <a:rPr lang="en-US" dirty="0"/>
-              <a:t>='/</a:t>
-            </a:r>
-            <a:r>
-              <a:rPr lang="en-US" dirty="0" err="1"/>
-              <a:t>cloudsql</a:t>
-            </a:r>
-            <a:r>
-              <a:rPr lang="en-US" dirty="0"/>
-              <a:t>/' + _INSTANCE_NAME, </a:t>
-            </a:r>
-            <a:r>
-              <a:rPr lang="en-US" dirty="0" err="1"/>
-              <a:t>db</a:t>
-            </a:r>
-            <a:r>
-              <a:rPr lang="en-US" dirty="0"/>
-              <a:t>=_DB, user='root')</a:t>
-            </a:r>
-          </a:p>
-          <a:p>
-            <a:pPr marL="0" indent="0">
-              <a:buNone/>
-            </a:pPr>
-            <a:r>
-              <a:rPr lang="en-US" dirty="0" smtClean="0"/>
-              <a:t>cursor </a:t>
-            </a:r>
-            <a:r>
-              <a:rPr lang="en-US" dirty="0"/>
-              <a:t>= </a:t>
-            </a:r>
-            <a:r>
-              <a:rPr lang="en-US" dirty="0" err="1"/>
-              <a:t>db.cursor</a:t>
-            </a:r>
-            <a:r>
-              <a:rPr lang="en-US" dirty="0"/>
-              <a:t>(</a:t>
-            </a:r>
-            <a:r>
-              <a:rPr lang="en-US" dirty="0" smtClean="0"/>
-              <a:t>)</a:t>
-            </a:r>
-            <a:endParaRPr lang="en-US" dirty="0"/>
-          </a:p>
-          <a:p>
-            <a:r>
-              <a:rPr lang="en-US" dirty="0" smtClean="0"/>
-              <a:t>Helper function – prints result to log</a:t>
-            </a:r>
-          </a:p>
-          <a:p>
-            <a:pPr marL="0" indent="0">
-              <a:buNone/>
-            </a:pPr>
-            <a:r>
-              <a:rPr lang="en-US" dirty="0" err="1" smtClean="0"/>
-              <a:t>self.make_and_print_query</a:t>
-            </a:r>
-            <a:r>
-              <a:rPr lang="en-US" dirty="0"/>
-              <a:t>(cursor, 'SHOW TABLES', 'Show the names of all tables'</a:t>
-            </a:r>
-            <a:r>
-              <a:rPr lang="en-US" dirty="0" smtClean="0"/>
-              <a:t>)</a:t>
-            </a:r>
-          </a:p>
-          <a:p>
-            <a:r>
-              <a:rPr lang="en-US" dirty="0" smtClean="0"/>
-              <a:t>Helper function – returns result as list</a:t>
-            </a:r>
-          </a:p>
-          <a:p>
-            <a:pPr marL="0" indent="0">
-              <a:buNone/>
-            </a:pPr>
-            <a:r>
-              <a:rPr lang="en-US" dirty="0"/>
-              <a:t> rows = </a:t>
-            </a:r>
-            <a:r>
-              <a:rPr lang="en-US" dirty="0" err="1"/>
-              <a:t>self.make_query</a:t>
-            </a:r>
-            <a:r>
-              <a:rPr lang="en-US" dirty="0"/>
-              <a:t>(cursor, query</a:t>
-            </a:r>
-            <a:r>
-              <a:rPr lang="en-US" dirty="0" smtClean="0"/>
-              <a:t>)</a:t>
-            </a:r>
-          </a:p>
-          <a:p>
-            <a:pPr marL="0" indent="0">
-              <a:buNone/>
-            </a:pPr>
-            <a:endParaRPr lang="en-US" dirty="0"/>
-          </a:p>
-        </p:txBody>
-      </p:sp>
-      <p:sp>
-        <p:nvSpPr>
-          <p:cNvPr id="4" name="Date Placeholder 3"/>
-          <p:cNvSpPr>
-            <a:spLocks noGrp="1"/>
-          </p:cNvSpPr>
-          <p:nvPr>
-            <p:ph type="dt" sz="half" idx="10"/>
-          </p:nvPr>
-        </p:nvSpPr>
-        <p:spPr/>
-        <p:txBody>
-          <a:bodyPr/>
-          <a:lstStyle/>
-          <a:p>
-            <a:fld id="{7053BEFA-1175-F644-B249-7D41D72BD3FF}" type="datetime1">
-              <a:rPr lang="en-US" smtClean="0"/>
-              <a:t>2/8/16</a:t>
-            </a:fld>
-            <a:endParaRPr lang="en-US"/>
-          </a:p>
-        </p:txBody>
-      </p:sp>
-      <p:sp>
-        <p:nvSpPr>
-          <p:cNvPr id="5" name="Footer Placeholder 4"/>
-          <p:cNvSpPr>
-            <a:spLocks noGrp="1"/>
-          </p:cNvSpPr>
-          <p:nvPr>
-            <p:ph type="ftr" sz="quarter" idx="11"/>
-          </p:nvPr>
-        </p:nvSpPr>
-        <p:spPr/>
-        <p:txBody>
-          <a:bodyPr/>
-          <a:lstStyle/>
-          <a:p>
-            <a:endParaRPr lang="en-US" dirty="0"/>
-          </a:p>
-        </p:txBody>
-      </p:sp>
-      <p:sp>
-        <p:nvSpPr>
-          <p:cNvPr id="6" name="Slide Number Placeholder 5"/>
-          <p:cNvSpPr>
-            <a:spLocks noGrp="1"/>
-          </p:cNvSpPr>
-          <p:nvPr>
-            <p:ph type="sldNum" sz="quarter" idx="12"/>
-          </p:nvPr>
-        </p:nvSpPr>
-        <p:spPr/>
-        <p:txBody>
-          <a:bodyPr/>
-          <a:lstStyle/>
-          <a:p>
-            <a:fld id="{17E276FA-8F89-B34D-A726-BE3FA1F8DD97}" type="slidenum">
-              <a:rPr lang="en-US" smtClean="0"/>
-              <a:t>16</a:t>
-            </a:fld>
-            <a:endParaRPr lang="en-US" dirty="0"/>
-          </a:p>
-        </p:txBody>
-      </p:sp>
-    </p:spTree>
-    <p:extLst>
-      <p:ext uri="{BB962C8B-B14F-4D97-AF65-F5344CB8AC3E}">
-        <p14:creationId xmlns:p14="http://schemas.microsoft.com/office/powerpoint/2010/main" val="4093573450"/>
-      </p:ext>
-    </p:extLst>
-  </p:cSld>
-  <p:clrMapOvr>
-    <a:masterClrMapping/>
-  </p:clrMapOvr>
-  <p:timing>
-    <p:tnLst>
-      <p:par>
-        <p:cTn xmlns:p14="http://schemas.microsoft.com/office/powerpoint/2010/main" id="1" dur="indefinite" restart="never" nodeType="tmRoot"/>
-      </p:par>
-    </p:tnLst>
-  </p:timing>
-</p:sld>
-</file>
-
-<file path=ppt/slides/slide17.xml><?xml version="1.0" encoding="utf-8"?>
-<p:sld xmlns:a="http://schemas.openxmlformats.org/drawingml/2006/main" xmlns:r="http://schemas.openxmlformats.org/officeDocument/2006/relationships" xmlns:p="http://schemas.openxmlformats.org/presentationml/2006/main">
-  <p:cSld>
-    <p:spTree>
-      <p:nvGrpSpPr>
-        <p:cNvPr id="1" name=""/>
-        <p:cNvGrpSpPr/>
-        <p:nvPr/>
-      </p:nvGrpSpPr>
-      <p:grpSpPr>
-        <a:xfrm>
-          <a:off x="0" y="0"/>
-          <a:ext cx="0" cy="0"/>
-          <a:chOff x="0" y="0"/>
-          <a:chExt cx="0" cy="0"/>
-        </a:xfrm>
-      </p:grpSpPr>
-      <p:sp>
-        <p:nvSpPr>
-          <p:cNvPr id="2" name="Title 1"/>
-          <p:cNvSpPr>
-            <a:spLocks noGrp="1"/>
-          </p:cNvSpPr>
-          <p:nvPr>
-            <p:ph type="title"/>
-          </p:nvPr>
-        </p:nvSpPr>
-        <p:spPr/>
-        <p:txBody>
-          <a:bodyPr/>
-          <a:lstStyle/>
-          <a:p>
-            <a:r>
-              <a:rPr lang="en-US" dirty="0" smtClean="0"/>
-              <a:t>Debugging this assignment</a:t>
-            </a:r>
-            <a:endParaRPr lang="en-US" dirty="0"/>
-          </a:p>
-        </p:txBody>
-      </p:sp>
-      <p:sp>
-        <p:nvSpPr>
-          <p:cNvPr id="3" name="Content Placeholder 2"/>
-          <p:cNvSpPr>
-            <a:spLocks noGrp="1"/>
-          </p:cNvSpPr>
-          <p:nvPr>
-            <p:ph idx="1"/>
-          </p:nvPr>
-        </p:nvSpPr>
-        <p:spPr/>
-        <p:txBody>
-          <a:bodyPr/>
-          <a:lstStyle/>
-          <a:p>
-            <a:r>
-              <a:rPr lang="en-US" dirty="0" smtClean="0"/>
-              <a:t>Server side debugging is a bit of a pain</a:t>
-            </a:r>
-          </a:p>
-          <a:p>
-            <a:r>
-              <a:rPr lang="en-US" dirty="0" smtClean="0"/>
-              <a:t>Google helps though – provides access to logs</a:t>
-            </a:r>
-          </a:p>
-          <a:p>
-            <a:pPr lvl="1"/>
-            <a:endParaRPr lang="en-US" dirty="0"/>
-          </a:p>
-        </p:txBody>
-      </p:sp>
-      <p:sp>
-        <p:nvSpPr>
-          <p:cNvPr id="4" name="Date Placeholder 3"/>
-          <p:cNvSpPr>
-            <a:spLocks noGrp="1"/>
-          </p:cNvSpPr>
-          <p:nvPr>
-            <p:ph type="dt" sz="half" idx="10"/>
-          </p:nvPr>
-        </p:nvSpPr>
-        <p:spPr/>
-        <p:txBody>
-          <a:bodyPr/>
-          <a:lstStyle/>
-          <a:p>
-            <a:fld id="{7053BEFA-1175-F644-B249-7D41D72BD3FF}" type="datetime1">
-              <a:rPr lang="en-US" smtClean="0"/>
-              <a:t>2/8/16</a:t>
-            </a:fld>
-            <a:endParaRPr lang="en-US"/>
-          </a:p>
-        </p:txBody>
-      </p:sp>
-      <p:sp>
-        <p:nvSpPr>
-          <p:cNvPr id="5" name="Footer Placeholder 4"/>
-          <p:cNvSpPr>
-            <a:spLocks noGrp="1"/>
-          </p:cNvSpPr>
-          <p:nvPr>
-            <p:ph type="ftr" sz="quarter" idx="11"/>
-          </p:nvPr>
-        </p:nvSpPr>
-        <p:spPr/>
-        <p:txBody>
-          <a:bodyPr/>
-          <a:lstStyle/>
-          <a:p>
-            <a:endParaRPr lang="en-US" dirty="0"/>
-          </a:p>
-        </p:txBody>
-      </p:sp>
-      <p:sp>
-        <p:nvSpPr>
-          <p:cNvPr id="6" name="Slide Number Placeholder 5"/>
-          <p:cNvSpPr>
-            <a:spLocks noGrp="1"/>
-          </p:cNvSpPr>
-          <p:nvPr>
-            <p:ph type="sldNum" sz="quarter" idx="12"/>
-          </p:nvPr>
-        </p:nvSpPr>
-        <p:spPr/>
-        <p:txBody>
-          <a:bodyPr/>
-          <a:lstStyle/>
-          <a:p>
-            <a:fld id="{17E276FA-8F89-B34D-A726-BE3FA1F8DD97}" type="slidenum">
-              <a:rPr lang="en-US" smtClean="0"/>
-              <a:t>17</a:t>
-            </a:fld>
-            <a:endParaRPr lang="en-US" dirty="0"/>
-          </a:p>
-        </p:txBody>
-      </p:sp>
-      <p:pic>
-        <p:nvPicPr>
-          <p:cNvPr id="7" name="Picture 6"/>
-          <p:cNvPicPr>
-            <a:picLocks noChangeAspect="1"/>
-          </p:cNvPicPr>
-          <p:nvPr/>
-        </p:nvPicPr>
-        <p:blipFill>
-          <a:blip r:embed="rId2"/>
-          <a:stretch>
-            <a:fillRect/>
-          </a:stretch>
-        </p:blipFill>
-        <p:spPr>
-          <a:xfrm>
-            <a:off x="0" y="3460837"/>
-            <a:ext cx="9144000" cy="3127761"/>
-          </a:xfrm>
-          <a:prstGeom prst="rect">
-            <a:avLst/>
-          </a:prstGeom>
-        </p:spPr>
-      </p:pic>
-    </p:spTree>
-    <p:extLst>
-      <p:ext uri="{BB962C8B-B14F-4D97-AF65-F5344CB8AC3E}">
-        <p14:creationId xmlns:p14="http://schemas.microsoft.com/office/powerpoint/2010/main" val="2537570694"/>
-      </p:ext>
-    </p:extLst>
-  </p:cSld>
-  <p:clrMapOvr>
-    <a:masterClrMapping/>
-  </p:clrMapOvr>
-  <p:timing>
-    <p:tnLst>
-      <p:par>
-        <p:cTn xmlns:p14="http://schemas.microsoft.com/office/powerpoint/2010/main" id="1" dur="indefinite" restart="never" nodeType="tmRoot"/>
-      </p:par>
-    </p:tnLst>
-  </p:timing>
-</p:sld>
-</file>
-
-<file path=ppt/slides/slide18.xml><?xml version="1.0" encoding="utf-8"?>
-<p:sld xmlns:a="http://schemas.openxmlformats.org/drawingml/2006/main" xmlns:r="http://schemas.openxmlformats.org/officeDocument/2006/relationships" xmlns:p="http://schemas.openxmlformats.org/presentationml/2006/main">
-  <p:cSld>
-    <p:spTree>
-      <p:nvGrpSpPr>
-        <p:cNvPr id="1" name=""/>
-        <p:cNvGrpSpPr/>
-        <p:nvPr/>
-      </p:nvGrpSpPr>
-      <p:grpSpPr>
-        <a:xfrm>
-          <a:off x="0" y="0"/>
-          <a:ext cx="0" cy="0"/>
-          <a:chOff x="0" y="0"/>
-          <a:chExt cx="0" cy="0"/>
-        </a:xfrm>
-      </p:grpSpPr>
-      <p:sp>
-        <p:nvSpPr>
-          <p:cNvPr id="2" name="Title 1"/>
-          <p:cNvSpPr>
-            <a:spLocks noGrp="1"/>
-          </p:cNvSpPr>
-          <p:nvPr>
-            <p:ph type="title"/>
-          </p:nvPr>
-        </p:nvSpPr>
-        <p:spPr/>
-        <p:txBody>
-          <a:bodyPr/>
-          <a:lstStyle/>
-          <a:p>
-            <a:r>
-              <a:rPr lang="en-US" dirty="0" smtClean="0"/>
-              <a:t>More Debugging</a:t>
-            </a:r>
-            <a:endParaRPr lang="en-US" dirty="0"/>
-          </a:p>
-        </p:txBody>
-      </p:sp>
-      <p:sp>
-        <p:nvSpPr>
-          <p:cNvPr id="3" name="Content Placeholder 2"/>
-          <p:cNvSpPr>
-            <a:spLocks noGrp="1"/>
-          </p:cNvSpPr>
-          <p:nvPr>
-            <p:ph idx="1"/>
-          </p:nvPr>
-        </p:nvSpPr>
-        <p:spPr/>
-        <p:txBody>
-          <a:bodyPr/>
-          <a:lstStyle/>
-          <a:p>
-            <a:r>
-              <a:rPr lang="en-US" dirty="0" smtClean="0"/>
-              <a:t>My helper function prints recent SQL commands to log and catches SQL query errors</a:t>
-            </a:r>
-          </a:p>
-          <a:p>
-            <a:r>
-              <a:rPr lang="en-US" dirty="0" smtClean="0"/>
-              <a:t>You may also see errors show up in the [</a:t>
-            </a:r>
-            <a:r>
-              <a:rPr lang="en-US" dirty="0" err="1" smtClean="0"/>
-              <a:t>projectname</a:t>
-            </a:r>
-            <a:r>
-              <a:rPr lang="en-US" dirty="0" smtClean="0"/>
-              <a:t>]-byte4 browser window</a:t>
-            </a:r>
-            <a:endParaRPr lang="en-US" dirty="0"/>
-          </a:p>
-        </p:txBody>
-      </p:sp>
-      <p:sp>
-        <p:nvSpPr>
-          <p:cNvPr id="4" name="Date Placeholder 3"/>
-          <p:cNvSpPr>
-            <a:spLocks noGrp="1"/>
-          </p:cNvSpPr>
-          <p:nvPr>
-            <p:ph type="dt" sz="half" idx="10"/>
-          </p:nvPr>
-        </p:nvSpPr>
-        <p:spPr/>
-        <p:txBody>
-          <a:bodyPr/>
-          <a:lstStyle/>
-          <a:p>
-            <a:fld id="{7053BEFA-1175-F644-B249-7D41D72BD3FF}" type="datetime1">
-              <a:rPr lang="en-US" smtClean="0"/>
-              <a:t>2/8/16</a:t>
-            </a:fld>
-            <a:endParaRPr lang="en-US"/>
-          </a:p>
-        </p:txBody>
-      </p:sp>
-      <p:sp>
-        <p:nvSpPr>
-          <p:cNvPr id="5" name="Footer Placeholder 4"/>
-          <p:cNvSpPr>
-            <a:spLocks noGrp="1"/>
-          </p:cNvSpPr>
-          <p:nvPr>
-            <p:ph type="ftr" sz="quarter" idx="11"/>
-          </p:nvPr>
-        </p:nvSpPr>
-        <p:spPr/>
-        <p:txBody>
-          <a:bodyPr/>
-          <a:lstStyle/>
-          <a:p>
-            <a:endParaRPr lang="en-US" dirty="0"/>
-          </a:p>
-        </p:txBody>
-      </p:sp>
-      <p:sp>
-        <p:nvSpPr>
-          <p:cNvPr id="6" name="Slide Number Placeholder 5"/>
-          <p:cNvSpPr>
-            <a:spLocks noGrp="1"/>
-          </p:cNvSpPr>
-          <p:nvPr>
-            <p:ph type="sldNum" sz="quarter" idx="12"/>
-          </p:nvPr>
-        </p:nvSpPr>
-        <p:spPr/>
-        <p:txBody>
-          <a:bodyPr/>
-          <a:lstStyle/>
-          <a:p>
-            <a:fld id="{17E276FA-8F89-B34D-A726-BE3FA1F8DD97}" type="slidenum">
-              <a:rPr lang="en-US" smtClean="0"/>
-              <a:t>18</a:t>
-            </a:fld>
-            <a:endParaRPr lang="en-US" dirty="0"/>
-          </a:p>
-        </p:txBody>
-      </p:sp>
-    </p:spTree>
-    <p:extLst>
-      <p:ext uri="{BB962C8B-B14F-4D97-AF65-F5344CB8AC3E}">
-        <p14:creationId xmlns:p14="http://schemas.microsoft.com/office/powerpoint/2010/main" val="2250825258"/>
-      </p:ext>
-    </p:extLst>
-  </p:cSld>
-  <p:clrMapOvr>
-    <a:masterClrMapping/>
-  </p:clrMapOvr>
-  <p:timing>
-    <p:tnLst>
-      <p:par>
-        <p:cTn xmlns:p14="http://schemas.microsoft.com/office/powerpoint/2010/main" id="1" dur="indefinite" restart="never" nodeType="tmRoot"/>
-      </p:par>
-    </p:tnLst>
-  </p:timing>
-</p:sld>
-</file>
-
-<file path=ppt/slides/slide19.xml><?xml version="1.0" encoding="utf-8"?>
-<p:sld xmlns:a="http://schemas.openxmlformats.org/drawingml/2006/main" xmlns:r="http://schemas.openxmlformats.org/officeDocument/2006/relationships" xmlns:p="http://schemas.openxmlformats.org/presentationml/2006/main">
-  <p:cSld>
-    <p:spTree>
-      <p:nvGrpSpPr>
-        <p:cNvPr id="1" name=""/>
-        <p:cNvGrpSpPr/>
-        <p:nvPr/>
-      </p:nvGrpSpPr>
-      <p:grpSpPr>
-        <a:xfrm>
-          <a:off x="0" y="0"/>
-          <a:ext cx="0" cy="0"/>
-          <a:chOff x="0" y="0"/>
-          <a:chExt cx="0" cy="0"/>
-        </a:xfrm>
-      </p:grpSpPr>
-      <p:sp>
-        <p:nvSpPr>
-          <p:cNvPr id="2" name="Title 1"/>
-          <p:cNvSpPr>
-            <a:spLocks noGrp="1"/>
-          </p:cNvSpPr>
-          <p:nvPr>
-            <p:ph type="title"/>
-          </p:nvPr>
-        </p:nvSpPr>
-        <p:spPr/>
-        <p:txBody>
-          <a:bodyPr/>
-          <a:lstStyle/>
-          <a:p>
-            <a:r>
-              <a:rPr lang="en-US" dirty="0" smtClean="0"/>
-              <a:t>What do can need to do with mobile data?</a:t>
-            </a:r>
-            <a:endParaRPr lang="en-US" dirty="0"/>
-          </a:p>
-        </p:txBody>
-      </p:sp>
-      <p:sp>
-        <p:nvSpPr>
-          <p:cNvPr id="3" name="Content Placeholder 2"/>
-          <p:cNvSpPr>
-            <a:spLocks noGrp="1"/>
-          </p:cNvSpPr>
-          <p:nvPr>
-            <p:ph idx="1"/>
-          </p:nvPr>
-        </p:nvSpPr>
-        <p:spPr/>
-        <p:txBody>
-          <a:bodyPr/>
-          <a:lstStyle/>
-          <a:p>
-            <a:r>
-              <a:rPr lang="en-US" dirty="0" smtClean="0"/>
-              <a:t>Cleaning: can you tell when the phone is off? (not a focus of this byte)</a:t>
-            </a:r>
-          </a:p>
-          <a:p>
-            <a:r>
-              <a:rPr lang="en-US" dirty="0" smtClean="0"/>
-              <a:t>Organizing: identifying common locations (what the byte walks you through)</a:t>
-            </a:r>
-          </a:p>
-          <a:p>
-            <a:r>
-              <a:rPr lang="en-US" dirty="0" smtClean="0"/>
-              <a:t>Associating: connecting activities to other context (we explore location + activity, homework is to explore time + activity)</a:t>
-            </a:r>
-          </a:p>
-          <a:p>
-            <a:endParaRPr lang="en-US" dirty="0"/>
-          </a:p>
-        </p:txBody>
-      </p:sp>
-      <p:sp>
-        <p:nvSpPr>
-          <p:cNvPr id="4" name="Date Placeholder 3"/>
-          <p:cNvSpPr>
-            <a:spLocks noGrp="1"/>
-          </p:cNvSpPr>
-          <p:nvPr>
-            <p:ph type="dt" sz="half" idx="10"/>
-          </p:nvPr>
-        </p:nvSpPr>
-        <p:spPr/>
-        <p:txBody>
-          <a:bodyPr/>
-          <a:lstStyle/>
-          <a:p>
-            <a:fld id="{7053BEFA-1175-F644-B249-7D41D72BD3FF}" type="datetime1">
-              <a:rPr lang="en-US" smtClean="0"/>
-              <a:t>2/8/16</a:t>
-            </a:fld>
-            <a:endParaRPr lang="en-US"/>
-          </a:p>
-        </p:txBody>
-      </p:sp>
-      <p:sp>
-        <p:nvSpPr>
-          <p:cNvPr id="5" name="Footer Placeholder 4"/>
-          <p:cNvSpPr>
-            <a:spLocks noGrp="1"/>
-          </p:cNvSpPr>
-          <p:nvPr>
-            <p:ph type="ftr" sz="quarter" idx="11"/>
-          </p:nvPr>
-        </p:nvSpPr>
-        <p:spPr/>
-        <p:txBody>
-          <a:bodyPr/>
-          <a:lstStyle/>
-          <a:p>
-            <a:endParaRPr lang="en-US" dirty="0"/>
-          </a:p>
-        </p:txBody>
-      </p:sp>
-      <p:sp>
-        <p:nvSpPr>
-          <p:cNvPr id="6" name="Slide Number Placeholder 5"/>
-          <p:cNvSpPr>
-            <a:spLocks noGrp="1"/>
-          </p:cNvSpPr>
-          <p:nvPr>
-            <p:ph type="sldNum" sz="quarter" idx="12"/>
-          </p:nvPr>
-        </p:nvSpPr>
-        <p:spPr/>
-        <p:txBody>
-          <a:bodyPr/>
-          <a:lstStyle/>
-          <a:p>
-            <a:fld id="{17E276FA-8F89-B34D-A726-BE3FA1F8DD97}" type="slidenum">
-              <a:rPr lang="en-US" smtClean="0"/>
-              <a:t>19</a:t>
-            </a:fld>
-            <a:endParaRPr lang="en-US" dirty="0"/>
-          </a:p>
-        </p:txBody>
-      </p:sp>
-    </p:spTree>
-    <p:extLst>
-      <p:ext uri="{BB962C8B-B14F-4D97-AF65-F5344CB8AC3E}">
-        <p14:creationId xmlns:p14="http://schemas.microsoft.com/office/powerpoint/2010/main" val="4058846990"/>
-      </p:ext>
-    </p:extLst>
-  </p:cSld>
-  <p:clrMapOvr>
-    <a:masterClrMapping/>
-  </p:clrMapOvr>
-  <p:timing>
-    <p:tnLst>
-      <p:par>
-        <p:cTn xmlns:p14="http://schemas.microsoft.com/office/powerpoint/2010/main" id="1" dur="indefinite" restart="never" nodeType="tmRoot"/>
-      </p:par>
-    </p:tnLst>
-  </p:timing>
-</p:sld>
-</file>
-
-<file path=ppt/slides/slide2.xml><?xml version="1.0" encoding="utf-8"?>
-<p:sld xmlns:a="http://schemas.openxmlformats.org/drawingml/2006/main" xmlns:r="http://schemas.openxmlformats.org/officeDocument/2006/relationships" xmlns:p="http://schemas.openxmlformats.org/presentationml/2006/main">
-  <p:cSld>
-    <p:spTree>
-      <p:nvGrpSpPr>
-        <p:cNvPr id="1" name=""/>
-        <p:cNvGrpSpPr/>
-        <p:nvPr/>
-      </p:nvGrpSpPr>
-      <p:grpSpPr>
-        <a:xfrm>
-          <a:off x="0" y="0"/>
-          <a:ext cx="0" cy="0"/>
-          <a:chOff x="0" y="0"/>
-          <a:chExt cx="0" cy="0"/>
-        </a:xfrm>
-      </p:grpSpPr>
-      <p:sp>
-        <p:nvSpPr>
-          <p:cNvPr id="2" name="Title 1"/>
-          <p:cNvSpPr>
-            <a:spLocks noGrp="1"/>
-          </p:cNvSpPr>
-          <p:nvPr>
-            <p:ph type="title"/>
-          </p:nvPr>
-        </p:nvSpPr>
-        <p:spPr/>
-        <p:txBody>
-          <a:bodyPr/>
-          <a:lstStyle/>
-          <a:p>
-            <a:r>
-              <a:rPr lang="en-US" dirty="0" smtClean="0"/>
-              <a:t>Byte 3	</a:t>
-            </a:r>
-            <a:endParaRPr lang="en-US" dirty="0"/>
-          </a:p>
-        </p:txBody>
-      </p:sp>
-      <p:sp>
-        <p:nvSpPr>
-          <p:cNvPr id="3" name="Content Placeholder 2"/>
-          <p:cNvSpPr>
-            <a:spLocks noGrp="1"/>
-          </p:cNvSpPr>
-          <p:nvPr>
-            <p:ph idx="1"/>
-          </p:nvPr>
-        </p:nvSpPr>
-        <p:spPr/>
-        <p:txBody>
-          <a:bodyPr/>
-          <a:lstStyle/>
-          <a:p>
-            <a:pPr marL="0" indent="0">
-              <a:buNone/>
-            </a:pPr>
-            <a:r>
-              <a:rPr lang="en-US" dirty="0" smtClean="0"/>
-              <a:t>Learning Goals:</a:t>
-            </a:r>
-          </a:p>
-          <a:p>
-            <a:pPr lvl="1"/>
-            <a:r>
-              <a:rPr lang="en-US" dirty="0" smtClean="0"/>
-              <a:t>Explore the value of mobile data</a:t>
-            </a:r>
-          </a:p>
-          <a:p>
-            <a:pPr lvl="1"/>
-            <a:r>
-              <a:rPr lang="en-US" dirty="0" smtClean="0"/>
-              <a:t>Address data quality issues</a:t>
-            </a:r>
-          </a:p>
-          <a:p>
-            <a:pPr lvl="1"/>
-            <a:r>
-              <a:rPr lang="en-US" dirty="0" smtClean="0"/>
-              <a:t>Work with location based data</a:t>
-            </a:r>
-          </a:p>
-          <a:p>
-            <a:pPr lvl="1"/>
-            <a:r>
-              <a:rPr lang="en-US" dirty="0" smtClean="0"/>
-              <a:t>Learn about how to set up a data store in </a:t>
-            </a:r>
-            <a:r>
-              <a:rPr lang="en-US" dirty="0" err="1" smtClean="0"/>
-              <a:t>Appspot</a:t>
-            </a:r>
-            <a:endParaRPr lang="en-US" dirty="0" smtClean="0"/>
-          </a:p>
-        </p:txBody>
-      </p:sp>
-      <p:sp>
-        <p:nvSpPr>
-          <p:cNvPr id="4" name="Date Placeholder 3"/>
-          <p:cNvSpPr>
-            <a:spLocks noGrp="1"/>
-          </p:cNvSpPr>
-          <p:nvPr>
-            <p:ph type="dt" sz="half" idx="10"/>
-          </p:nvPr>
-        </p:nvSpPr>
-        <p:spPr/>
-        <p:txBody>
-          <a:bodyPr/>
-          <a:lstStyle/>
-          <a:p>
-            <a:fld id="{7053BEFA-1175-F644-B249-7D41D72BD3FF}" type="datetime1">
-              <a:rPr lang="en-US" smtClean="0"/>
-              <a:t>2/8/16</a:t>
-            </a:fld>
-            <a:endParaRPr lang="en-US"/>
-          </a:p>
-        </p:txBody>
-      </p:sp>
-      <p:sp>
-        <p:nvSpPr>
-          <p:cNvPr id="5" name="Footer Placeholder 4"/>
-          <p:cNvSpPr>
-            <a:spLocks noGrp="1"/>
-          </p:cNvSpPr>
-          <p:nvPr>
-            <p:ph type="ftr" sz="quarter" idx="11"/>
-          </p:nvPr>
-        </p:nvSpPr>
-        <p:spPr/>
-        <p:txBody>
-          <a:bodyPr/>
-          <a:lstStyle/>
-          <a:p>
-            <a:endParaRPr lang="en-US" dirty="0"/>
-          </a:p>
-        </p:txBody>
-      </p:sp>
-      <p:sp>
-        <p:nvSpPr>
-          <p:cNvPr id="6" name="Slide Number Placeholder 5"/>
-          <p:cNvSpPr>
-            <a:spLocks noGrp="1"/>
-          </p:cNvSpPr>
-          <p:nvPr>
-            <p:ph type="sldNum" sz="quarter" idx="12"/>
-          </p:nvPr>
-        </p:nvSpPr>
-        <p:spPr/>
-        <p:txBody>
-          <a:bodyPr/>
-          <a:lstStyle/>
-          <a:p>
-            <a:fld id="{17E276FA-8F89-B34D-A726-BE3FA1F8DD97}" type="slidenum">
-              <a:rPr lang="en-US" smtClean="0"/>
-              <a:t>2</a:t>
-            </a:fld>
-            <a:endParaRPr lang="en-US" dirty="0"/>
-          </a:p>
-        </p:txBody>
-      </p:sp>
-    </p:spTree>
-    <p:extLst>
-      <p:ext uri="{BB962C8B-B14F-4D97-AF65-F5344CB8AC3E}">
-        <p14:creationId xmlns:p14="http://schemas.microsoft.com/office/powerpoint/2010/main" val="1156379376"/>
-      </p:ext>
-    </p:extLst>
-  </p:cSld>
-  <p:clrMapOvr>
-    <a:masterClrMapping/>
-  </p:clrMapOvr>
-  <p:timing>
-    <p:tnLst>
-      <p:par>
-        <p:cTn xmlns:p14="http://schemas.microsoft.com/office/powerpoint/2010/main" id="1" dur="indefinite" restart="never" nodeType="tmRoot"/>
-      </p:par>
-    </p:tnLst>
-  </p:timing>
-</p:sld>
-</file>
-
-<file path=ppt/slides/slide20.xml><?xml version="1.0" encoding="utf-8"?>
-<p:sld xmlns:a="http://schemas.openxmlformats.org/drawingml/2006/main" xmlns:r="http://schemas.openxmlformats.org/officeDocument/2006/relationships" xmlns:p="http://schemas.openxmlformats.org/presentationml/2006/main">
-  <p:cSld>
-    <p:spTree>
-      <p:nvGrpSpPr>
-        <p:cNvPr id="1" name=""/>
-        <p:cNvGrpSpPr/>
-        <p:nvPr/>
-      </p:nvGrpSpPr>
-      <p:grpSpPr>
-        <a:xfrm>
-          <a:off x="0" y="0"/>
-          <a:ext cx="0" cy="0"/>
-          <a:chOff x="0" y="0"/>
-          <a:chExt cx="0" cy="0"/>
-        </a:xfrm>
-      </p:grpSpPr>
-      <p:sp>
-        <p:nvSpPr>
-          <p:cNvPr id="2" name="Title 1"/>
-          <p:cNvSpPr>
-            <a:spLocks noGrp="1"/>
-          </p:cNvSpPr>
-          <p:nvPr>
-            <p:ph type="title"/>
-          </p:nvPr>
-        </p:nvSpPr>
-        <p:spPr/>
-        <p:txBody>
-          <a:bodyPr/>
-          <a:lstStyle/>
-          <a:p>
-            <a:r>
-              <a:rPr lang="en-US" dirty="0" smtClean="0"/>
-              <a:t>Basic Hand In Expectations</a:t>
-            </a:r>
-            <a:endParaRPr lang="en-US" dirty="0"/>
-          </a:p>
-        </p:txBody>
-      </p:sp>
-      <p:sp>
-        <p:nvSpPr>
-          <p:cNvPr id="3" name="Content Placeholder 2"/>
-          <p:cNvSpPr>
-            <a:spLocks noGrp="1"/>
-          </p:cNvSpPr>
-          <p:nvPr>
-            <p:ph idx="1"/>
-          </p:nvPr>
-        </p:nvSpPr>
-        <p:spPr/>
-        <p:txBody>
-          <a:bodyPr/>
-          <a:lstStyle/>
-          <a:p>
-            <a:r>
-              <a:rPr lang="en-US" dirty="0" smtClean="0"/>
-              <a:t>Improve the location binning by picking a better epsilon</a:t>
-            </a:r>
-          </a:p>
-          <a:p>
-            <a:r>
-              <a:rPr lang="en-US" dirty="0" smtClean="0"/>
-              <a:t>Explore relationship </a:t>
-            </a:r>
-            <a:r>
-              <a:rPr lang="en-US" dirty="0"/>
-              <a:t>between time and </a:t>
-            </a:r>
-            <a:r>
-              <a:rPr lang="en-US" dirty="0" smtClean="0"/>
-              <a:t>activity (your main job on this assignment)</a:t>
-            </a:r>
-            <a:endParaRPr lang="en-US" dirty="0"/>
-          </a:p>
-          <a:p>
-            <a:r>
-              <a:rPr lang="en-US" dirty="0" smtClean="0"/>
-              <a:t>Display the results (more nicely than I do!)</a:t>
-            </a:r>
-            <a:endParaRPr lang="en-US" dirty="0"/>
-          </a:p>
-        </p:txBody>
-      </p:sp>
-      <p:sp>
-        <p:nvSpPr>
-          <p:cNvPr id="4" name="Date Placeholder 3"/>
-          <p:cNvSpPr>
-            <a:spLocks noGrp="1"/>
-          </p:cNvSpPr>
-          <p:nvPr>
-            <p:ph type="dt" sz="half" idx="10"/>
-          </p:nvPr>
-        </p:nvSpPr>
-        <p:spPr/>
-        <p:txBody>
-          <a:bodyPr/>
-          <a:lstStyle/>
-          <a:p>
-            <a:fld id="{7053BEFA-1175-F644-B249-7D41D72BD3FF}" type="datetime1">
-              <a:rPr lang="en-US" smtClean="0"/>
-              <a:t>2/8/16</a:t>
-            </a:fld>
-            <a:endParaRPr lang="en-US"/>
-          </a:p>
-        </p:txBody>
-      </p:sp>
-      <p:sp>
-        <p:nvSpPr>
-          <p:cNvPr id="5" name="Footer Placeholder 4"/>
-          <p:cNvSpPr>
-            <a:spLocks noGrp="1"/>
-          </p:cNvSpPr>
-          <p:nvPr>
-            <p:ph type="ftr" sz="quarter" idx="11"/>
-          </p:nvPr>
-        </p:nvSpPr>
-        <p:spPr/>
-        <p:txBody>
-          <a:bodyPr/>
-          <a:lstStyle/>
-          <a:p>
-            <a:endParaRPr lang="en-US" dirty="0"/>
-          </a:p>
-        </p:txBody>
-      </p:sp>
-      <p:sp>
-        <p:nvSpPr>
-          <p:cNvPr id="6" name="Slide Number Placeholder 5"/>
-          <p:cNvSpPr>
-            <a:spLocks noGrp="1"/>
-          </p:cNvSpPr>
-          <p:nvPr>
-            <p:ph type="sldNum" sz="quarter" idx="12"/>
-          </p:nvPr>
-        </p:nvSpPr>
-        <p:spPr/>
-        <p:txBody>
-          <a:bodyPr/>
-          <a:lstStyle/>
-          <a:p>
-            <a:fld id="{17E276FA-8F89-B34D-A726-BE3FA1F8DD97}" type="slidenum">
-              <a:rPr lang="en-US" smtClean="0"/>
-              <a:t>20</a:t>
-            </a:fld>
-            <a:endParaRPr lang="en-US" dirty="0"/>
-          </a:p>
-        </p:txBody>
-      </p:sp>
-    </p:spTree>
-    <p:extLst>
-      <p:ext uri="{BB962C8B-B14F-4D97-AF65-F5344CB8AC3E}">
-        <p14:creationId xmlns:p14="http://schemas.microsoft.com/office/powerpoint/2010/main" val="1848637858"/>
-      </p:ext>
-    </p:extLst>
-  </p:cSld>
-  <p:clrMapOvr>
-    <a:masterClrMapping/>
-  </p:clrMapOvr>
-  <p:timing>
-    <p:tnLst>
-      <p:par>
-        <p:cTn xmlns:p14="http://schemas.microsoft.com/office/powerpoint/2010/main" id="1" dur="indefinite" restart="never" nodeType="tmRoot"/>
-      </p:par>
-    </p:tnLst>
-  </p:timing>
-</p:sld>
-</file>
-
-<file path=ppt/slides/slide21.xml><?xml version="1.0" encoding="utf-8"?>
-<p:sld xmlns:a="http://schemas.openxmlformats.org/drawingml/2006/main" xmlns:r="http://schemas.openxmlformats.org/officeDocument/2006/relationships" xmlns:p="http://schemas.openxmlformats.org/presentationml/2006/main">
-  <p:cSld>
-    <p:spTree>
-      <p:nvGrpSpPr>
-        <p:cNvPr id="1" name=""/>
-        <p:cNvGrpSpPr/>
-        <p:nvPr/>
-      </p:nvGrpSpPr>
-      <p:grpSpPr>
-        <a:xfrm>
-          <a:off x="0" y="0"/>
-          <a:ext cx="0" cy="0"/>
-          <a:chOff x="0" y="0"/>
-          <a:chExt cx="0" cy="0"/>
-        </a:xfrm>
-      </p:grpSpPr>
-      <p:sp>
-        <p:nvSpPr>
-          <p:cNvPr id="2" name="Title 1"/>
-          <p:cNvSpPr>
-            <a:spLocks noGrp="1"/>
-          </p:cNvSpPr>
-          <p:nvPr>
-            <p:ph type="title"/>
-          </p:nvPr>
-        </p:nvSpPr>
-        <p:spPr/>
-        <p:txBody>
-          <a:bodyPr/>
-          <a:lstStyle/>
-          <a:p>
-            <a:r>
-              <a:rPr lang="en-US" dirty="0" smtClean="0"/>
-              <a:t>Advanced Hand In Expectations</a:t>
-            </a:r>
-            <a:endParaRPr lang="en-US" dirty="0"/>
-          </a:p>
-        </p:txBody>
-      </p:sp>
-      <p:sp>
-        <p:nvSpPr>
-          <p:cNvPr id="3" name="Content Placeholder 2"/>
-          <p:cNvSpPr>
-            <a:spLocks noGrp="1"/>
-          </p:cNvSpPr>
-          <p:nvPr>
-            <p:ph idx="1"/>
-          </p:nvPr>
-        </p:nvSpPr>
-        <p:spPr/>
-        <p:txBody>
-          <a:bodyPr/>
-          <a:lstStyle/>
-          <a:p>
-            <a:r>
-              <a:rPr lang="en-US" dirty="0" smtClean="0"/>
-              <a:t>You could design a study that looks at something besides activity</a:t>
-            </a:r>
-          </a:p>
-          <a:p>
-            <a:r>
-              <a:rPr lang="en-US" dirty="0" smtClean="0"/>
-              <a:t>Talk to me about goals &amp; outcomes that </a:t>
-            </a:r>
-            <a:r>
-              <a:rPr lang="en-US" smtClean="0"/>
-              <a:t>make sense</a:t>
-            </a:r>
-            <a:endParaRPr lang="en-US" dirty="0"/>
-          </a:p>
-        </p:txBody>
-      </p:sp>
-      <p:sp>
-        <p:nvSpPr>
-          <p:cNvPr id="4" name="Date Placeholder 3"/>
-          <p:cNvSpPr>
-            <a:spLocks noGrp="1"/>
-          </p:cNvSpPr>
-          <p:nvPr>
-            <p:ph type="dt" sz="half" idx="10"/>
-          </p:nvPr>
-        </p:nvSpPr>
-        <p:spPr/>
-        <p:txBody>
-          <a:bodyPr/>
-          <a:lstStyle/>
-          <a:p>
-            <a:fld id="{7053BEFA-1175-F644-B249-7D41D72BD3FF}" type="datetime1">
-              <a:rPr lang="en-US" smtClean="0"/>
-              <a:t>2/8/16</a:t>
-            </a:fld>
-            <a:endParaRPr lang="en-US"/>
-          </a:p>
-        </p:txBody>
-      </p:sp>
-      <p:sp>
-        <p:nvSpPr>
-          <p:cNvPr id="5" name="Footer Placeholder 4"/>
-          <p:cNvSpPr>
-            <a:spLocks noGrp="1"/>
-          </p:cNvSpPr>
-          <p:nvPr>
-            <p:ph type="ftr" sz="quarter" idx="11"/>
-          </p:nvPr>
-        </p:nvSpPr>
-        <p:spPr/>
-        <p:txBody>
-          <a:bodyPr/>
-          <a:lstStyle/>
-          <a:p>
-            <a:endParaRPr lang="en-US" dirty="0"/>
-          </a:p>
-        </p:txBody>
-      </p:sp>
-      <p:sp>
-        <p:nvSpPr>
-          <p:cNvPr id="6" name="Slide Number Placeholder 5"/>
-          <p:cNvSpPr>
-            <a:spLocks noGrp="1"/>
-          </p:cNvSpPr>
-          <p:nvPr>
-            <p:ph type="sldNum" sz="quarter" idx="12"/>
-          </p:nvPr>
-        </p:nvSpPr>
-        <p:spPr/>
-        <p:txBody>
-          <a:bodyPr/>
-          <a:lstStyle/>
-          <a:p>
-            <a:fld id="{17E276FA-8F89-B34D-A726-BE3FA1F8DD97}" type="slidenum">
-              <a:rPr lang="en-US" smtClean="0"/>
-              <a:t>21</a:t>
-            </a:fld>
-            <a:endParaRPr lang="en-US" dirty="0"/>
-          </a:p>
-        </p:txBody>
-      </p:sp>
-    </p:spTree>
-    <p:extLst>
-      <p:ext uri="{BB962C8B-B14F-4D97-AF65-F5344CB8AC3E}">
-        <p14:creationId xmlns:p14="http://schemas.microsoft.com/office/powerpoint/2010/main" val="2148729972"/>
-      </p:ext>
-    </p:extLst>
-  </p:cSld>
-  <p:clrMapOvr>
-    <a:masterClrMapping/>
-  </p:clrMapOvr>
-  <p:timing>
-    <p:tnLst>
-      <p:par>
-        <p:cTn xmlns:p14="http://schemas.microsoft.com/office/powerpoint/2010/main" id="1" dur="indefinite" restart="never" nodeType="tmRoot"/>
-      </p:par>
-    </p:tnLst>
-  </p:timing>
-</p:sld>
-</file>
-
-<file path=ppt/slides/slide3.xml><?xml version="1.0" encoding="utf-8"?>
-<p:sld xmlns:a="http://schemas.openxmlformats.org/drawingml/2006/main" xmlns:r="http://schemas.openxmlformats.org/officeDocument/2006/relationships" xmlns:p="http://schemas.openxmlformats.org/presentationml/2006/main">
-  <p:cSld>
-    <p:spTree>
-      <p:nvGrpSpPr>
-        <p:cNvPr id="1" name=""/>
-        <p:cNvGrpSpPr/>
-        <p:nvPr/>
-      </p:nvGrpSpPr>
-      <p:grpSpPr>
-        <a:xfrm>
-          <a:off x="0" y="0"/>
-          <a:ext cx="0" cy="0"/>
-          <a:chOff x="0" y="0"/>
-          <a:chExt cx="0" cy="0"/>
-        </a:xfrm>
-      </p:grpSpPr>
-      <p:sp>
-        <p:nvSpPr>
-          <p:cNvPr id="2" name="Title 1"/>
-          <p:cNvSpPr>
-            <a:spLocks noGrp="1"/>
-          </p:cNvSpPr>
-          <p:nvPr>
-            <p:ph type="title"/>
-          </p:nvPr>
-        </p:nvSpPr>
-        <p:spPr/>
-        <p:txBody>
-          <a:bodyPr/>
-          <a:lstStyle/>
-          <a:p>
-            <a:r>
-              <a:rPr lang="en-US" dirty="0" smtClean="0"/>
-              <a:t>Setting up a </a:t>
-            </a:r>
-            <a:r>
-              <a:rPr lang="en-US" dirty="0" err="1" smtClean="0"/>
-              <a:t>Datastore</a:t>
+              <a:t> (optional)</a:t>
             </a:r>
             <a:endParaRPr lang="en-US" dirty="0"/>
           </a:p>
@@ -10596,7 +8547,7 @@
           <a:p>
             <a:fld id="{7053BEFA-1175-F644-B249-7D41D72BD3FF}" type="datetime1">
               <a:rPr lang="en-US" smtClean="0"/>
-              <a:t>2/8/16</a:t>
+              <a:t>1/23/17</a:t>
             </a:fld>
             <a:endParaRPr lang="en-US"/>
           </a:p>
@@ -10638,1078 +8589,7 @@
           <a:p>
             <a:fld id="{17E276FA-8F89-B34D-A726-BE3FA1F8DD97}" type="slidenum">
               <a:rPr lang="en-US" smtClean="0"/>
-              <a:t>3</a:t>
-            </a:fld>
-            <a:endParaRPr lang="en-US" dirty="0"/>
-          </a:p>
-        </p:txBody>
-      </p:sp>
-      <p:sp>
-        <p:nvSpPr>
-          <p:cNvPr id="10" name="Cloud 9"/>
-          <p:cNvSpPr/>
-          <p:nvPr/>
-        </p:nvSpPr>
-        <p:spPr>
-          <a:xfrm>
-            <a:off x="465996" y="3386417"/>
-            <a:ext cx="1834533" cy="1428934"/>
-          </a:xfrm>
-          <a:prstGeom prst="cloud">
-            <a:avLst/>
-          </a:prstGeom>
-        </p:spPr>
-        <p:style>
-          <a:lnRef idx="2">
-            <a:schemeClr val="accent1">
-              <a:shade val="50000"/>
-            </a:schemeClr>
-          </a:lnRef>
-          <a:fillRef idx="1">
-            <a:schemeClr val="accent1"/>
-          </a:fillRef>
-          <a:effectRef idx="0">
-            <a:schemeClr val="accent1"/>
-          </a:effectRef>
-          <a:fontRef idx="minor">
-            <a:schemeClr val="lt1"/>
-          </a:fontRef>
-        </p:style>
-        <p:txBody>
-          <a:bodyPr rtlCol="0" anchor="ctr"/>
-          <a:lstStyle/>
-          <a:p>
-            <a:pPr algn="ctr"/>
-            <a:r>
-              <a:rPr lang="en-US" dirty="0" smtClean="0"/>
-              <a:t>Cloud Storage</a:t>
-            </a:r>
-            <a:endParaRPr lang="en-US" dirty="0"/>
-          </a:p>
-        </p:txBody>
-      </p:sp>
-      <p:sp>
-        <p:nvSpPr>
-          <p:cNvPr id="11" name="TextBox 10"/>
-          <p:cNvSpPr txBox="1"/>
-          <p:nvPr/>
-        </p:nvSpPr>
-        <p:spPr>
-          <a:xfrm>
-            <a:off x="555781" y="5024616"/>
-            <a:ext cx="1936535" cy="923330"/>
-          </a:xfrm>
-          <a:prstGeom prst="rect">
-            <a:avLst/>
-          </a:prstGeom>
-          <a:noFill/>
-        </p:spPr>
-        <p:txBody>
-          <a:bodyPr wrap="none" rtlCol="0">
-            <a:spAutoFit/>
-          </a:bodyPr>
-          <a:lstStyle/>
-          <a:p>
-            <a:r>
-              <a:rPr lang="en-US" dirty="0" smtClean="0"/>
-              <a:t>Step 1: Request</a:t>
-            </a:r>
-            <a:br>
-              <a:rPr lang="en-US" dirty="0" smtClean="0"/>
-            </a:br>
-            <a:r>
-              <a:rPr lang="en-US" dirty="0" smtClean="0"/>
-              <a:t>an IP address from</a:t>
-            </a:r>
-            <a:br>
-              <a:rPr lang="en-US" dirty="0" smtClean="0"/>
-            </a:br>
-            <a:r>
-              <a:rPr lang="en-US" dirty="0" smtClean="0"/>
-              <a:t>Cloud (‘</a:t>
-            </a:r>
-            <a:r>
-              <a:rPr lang="en-US" dirty="0" err="1" smtClean="0"/>
-              <a:t>CloudIP</a:t>
-            </a:r>
-            <a:r>
-              <a:rPr lang="en-US" dirty="0" smtClean="0"/>
-              <a:t>’)</a:t>
-            </a:r>
-            <a:endParaRPr lang="en-US" dirty="0"/>
-          </a:p>
-        </p:txBody>
-      </p:sp>
-      <p:pic>
-        <p:nvPicPr>
-          <p:cNvPr id="9" name="Picture 8"/>
-          <p:cNvPicPr>
-            <a:picLocks noChangeAspect="1"/>
-          </p:cNvPicPr>
-          <p:nvPr/>
-        </p:nvPicPr>
-        <p:blipFill>
-          <a:blip r:embed="rId3"/>
-          <a:stretch>
-            <a:fillRect/>
-          </a:stretch>
-        </p:blipFill>
-        <p:spPr>
-          <a:xfrm>
-            <a:off x="3159124" y="3386417"/>
-            <a:ext cx="4416425" cy="3115795"/>
-          </a:xfrm>
-          <a:prstGeom prst="rect">
-            <a:avLst/>
-          </a:prstGeom>
-        </p:spPr>
-      </p:pic>
-    </p:spTree>
-    <p:extLst>
-      <p:ext uri="{BB962C8B-B14F-4D97-AF65-F5344CB8AC3E}">
-        <p14:creationId xmlns:p14="http://schemas.microsoft.com/office/powerpoint/2010/main" val="4129721706"/>
-      </p:ext>
-    </p:extLst>
-  </p:cSld>
-  <p:clrMapOvr>
-    <a:masterClrMapping/>
-  </p:clrMapOvr>
-  <p:timing>
-    <p:tnLst>
-      <p:par>
-        <p:cTn xmlns:p14="http://schemas.microsoft.com/office/powerpoint/2010/main" id="1" dur="indefinite" restart="never" nodeType="tmRoot"/>
-      </p:par>
-    </p:tnLst>
-  </p:timing>
-</p:sld>
-</file>
-
-<file path=ppt/slides/slide4.xml><?xml version="1.0" encoding="utf-8"?>
-<p:sld xmlns:a="http://schemas.openxmlformats.org/drawingml/2006/main" xmlns:r="http://schemas.openxmlformats.org/officeDocument/2006/relationships" xmlns:p="http://schemas.openxmlformats.org/presentationml/2006/main">
-  <p:cSld>
-    <p:spTree>
-      <p:nvGrpSpPr>
-        <p:cNvPr id="1" name=""/>
-        <p:cNvGrpSpPr/>
-        <p:nvPr/>
-      </p:nvGrpSpPr>
-      <p:grpSpPr>
-        <a:xfrm>
-          <a:off x="0" y="0"/>
-          <a:ext cx="0" cy="0"/>
-          <a:chOff x="0" y="0"/>
-          <a:chExt cx="0" cy="0"/>
-        </a:xfrm>
-      </p:grpSpPr>
-      <p:sp>
-        <p:nvSpPr>
-          <p:cNvPr id="2" name="Title 1"/>
-          <p:cNvSpPr>
-            <a:spLocks noGrp="1"/>
-          </p:cNvSpPr>
-          <p:nvPr>
-            <p:ph type="title"/>
-          </p:nvPr>
-        </p:nvSpPr>
-        <p:spPr/>
-        <p:txBody>
-          <a:bodyPr/>
-          <a:lstStyle/>
-          <a:p>
-            <a:r>
-              <a:rPr lang="en-US" dirty="0"/>
-              <a:t>ONLY if you were not in the study</a:t>
-            </a:r>
-          </a:p>
-        </p:txBody>
-      </p:sp>
-      <p:sp>
-        <p:nvSpPr>
-          <p:cNvPr id="3" name="Content Placeholder 2"/>
-          <p:cNvSpPr>
-            <a:spLocks noGrp="1"/>
-          </p:cNvSpPr>
-          <p:nvPr>
-            <p:ph idx="1"/>
-          </p:nvPr>
-        </p:nvSpPr>
-        <p:spPr>
-          <a:xfrm>
-            <a:off x="1128942" y="1847153"/>
-            <a:ext cx="7673287" cy="4379976"/>
-          </a:xfrm>
-        </p:spPr>
-        <p:txBody>
-          <a:bodyPr/>
-          <a:lstStyle/>
-          <a:p>
-            <a:pPr marL="0" indent="0">
-              <a:buNone/>
-            </a:pPr>
-            <a:r>
-              <a:rPr lang="en-US" dirty="0" smtClean="0"/>
-              <a:t>Google has </a:t>
-            </a:r>
-            <a:r>
-              <a:rPr lang="en-US" dirty="0"/>
-              <a:t>great documentation </a:t>
-            </a:r>
-            <a:r>
-              <a:rPr lang="en-US" dirty="0" smtClean="0"/>
-              <a:t/>
-            </a:r>
-            <a:br>
-              <a:rPr lang="en-US" dirty="0" smtClean="0"/>
-            </a:br>
-            <a:r>
-              <a:rPr lang="en-US" dirty="0" smtClean="0"/>
-              <a:t>(</a:t>
-            </a:r>
-            <a:r>
-              <a:rPr lang="en-US" sz="1800" dirty="0">
-                <a:hlinkClick r:id="rId2"/>
-              </a:rPr>
-              <a:t>https://cloud.google.com/appengine/docs/python/cloud-sql</a:t>
-            </a:r>
-            <a:r>
-              <a:rPr lang="en-US" sz="1800" dirty="0" smtClean="0">
-                <a:hlinkClick r:id="rId2"/>
-              </a:rPr>
-              <a:t>/</a:t>
-            </a:r>
-            <a:r>
-              <a:rPr lang="en-US" dirty="0" smtClean="0"/>
-              <a:t>)</a:t>
-            </a:r>
-          </a:p>
-          <a:p>
-            <a:pPr marL="0" indent="0">
-              <a:buNone/>
-            </a:pPr>
-            <a:r>
-              <a:rPr lang="en-US" dirty="0" smtClean="0"/>
-              <a:t>You need to customize the access permissions</a:t>
-            </a:r>
-          </a:p>
-          <a:p>
-            <a:pPr marL="0" indent="0">
-              <a:buNone/>
-            </a:pPr>
-            <a:endParaRPr lang="en-US" dirty="0"/>
-          </a:p>
-        </p:txBody>
-      </p:sp>
-      <p:sp>
-        <p:nvSpPr>
-          <p:cNvPr id="4" name="Date Placeholder 3"/>
-          <p:cNvSpPr>
-            <a:spLocks noGrp="1"/>
-          </p:cNvSpPr>
-          <p:nvPr>
-            <p:ph type="dt" sz="half" idx="10"/>
-          </p:nvPr>
-        </p:nvSpPr>
-        <p:spPr/>
-        <p:txBody>
-          <a:bodyPr/>
-          <a:lstStyle/>
-          <a:p>
-            <a:fld id="{7053BEFA-1175-F644-B249-7D41D72BD3FF}" type="datetime1">
-              <a:rPr lang="en-US" smtClean="0"/>
-              <a:t>2/8/16</a:t>
-            </a:fld>
-            <a:endParaRPr lang="en-US"/>
-          </a:p>
-        </p:txBody>
-      </p:sp>
-      <p:sp>
-        <p:nvSpPr>
-          <p:cNvPr id="5" name="Footer Placeholder 4"/>
-          <p:cNvSpPr>
-            <a:spLocks noGrp="1"/>
-          </p:cNvSpPr>
-          <p:nvPr>
-            <p:ph type="ftr" sz="quarter" idx="11"/>
-          </p:nvPr>
-        </p:nvSpPr>
-        <p:spPr/>
-        <p:txBody>
-          <a:bodyPr/>
-          <a:lstStyle/>
-          <a:p>
-            <a:endParaRPr lang="en-US" dirty="0"/>
-          </a:p>
-        </p:txBody>
-      </p:sp>
-      <p:sp>
-        <p:nvSpPr>
-          <p:cNvPr id="6" name="Slide Number Placeholder 5"/>
-          <p:cNvSpPr>
-            <a:spLocks noGrp="1"/>
-          </p:cNvSpPr>
-          <p:nvPr>
-            <p:ph type="sldNum" sz="quarter" idx="12"/>
-          </p:nvPr>
-        </p:nvSpPr>
-        <p:spPr/>
-        <p:txBody>
-          <a:bodyPr/>
-          <a:lstStyle/>
-          <a:p>
-            <a:fld id="{17E276FA-8F89-B34D-A726-BE3FA1F8DD97}" type="slidenum">
-              <a:rPr lang="en-US" smtClean="0"/>
-              <a:t>4</a:t>
-            </a:fld>
-            <a:endParaRPr lang="en-US" dirty="0"/>
-          </a:p>
-        </p:txBody>
-      </p:sp>
-      <p:sp>
-        <p:nvSpPr>
-          <p:cNvPr id="10" name="Cloud 9"/>
-          <p:cNvSpPr/>
-          <p:nvPr/>
-        </p:nvSpPr>
-        <p:spPr>
-          <a:xfrm>
-            <a:off x="465996" y="3386417"/>
-            <a:ext cx="1834533" cy="1428934"/>
-          </a:xfrm>
-          <a:prstGeom prst="cloud">
-            <a:avLst/>
-          </a:prstGeom>
-        </p:spPr>
-        <p:style>
-          <a:lnRef idx="2">
-            <a:schemeClr val="accent1">
-              <a:shade val="50000"/>
-            </a:schemeClr>
-          </a:lnRef>
-          <a:fillRef idx="1">
-            <a:schemeClr val="accent1"/>
-          </a:fillRef>
-          <a:effectRef idx="0">
-            <a:schemeClr val="accent1"/>
-          </a:effectRef>
-          <a:fontRef idx="minor">
-            <a:schemeClr val="lt1"/>
-          </a:fontRef>
-        </p:style>
-        <p:txBody>
-          <a:bodyPr rtlCol="0" anchor="ctr"/>
-          <a:lstStyle/>
-          <a:p>
-            <a:pPr algn="ctr"/>
-            <a:r>
-              <a:rPr lang="en-US" dirty="0" smtClean="0"/>
-              <a:t>Cloud Storage:</a:t>
-            </a:r>
-            <a:br>
-              <a:rPr lang="en-US" dirty="0" smtClean="0"/>
-            </a:br>
-            <a:r>
-              <a:rPr lang="en-US" dirty="0" smtClean="0"/>
-              <a:t>Cloud IP</a:t>
-            </a:r>
-            <a:endParaRPr lang="en-US" dirty="0"/>
-          </a:p>
-        </p:txBody>
-      </p:sp>
-      <p:sp>
-        <p:nvSpPr>
-          <p:cNvPr id="11" name="TextBox 10"/>
-          <p:cNvSpPr txBox="1"/>
-          <p:nvPr/>
-        </p:nvSpPr>
-        <p:spPr>
-          <a:xfrm>
-            <a:off x="555781" y="5024616"/>
-            <a:ext cx="1958401" cy="923330"/>
-          </a:xfrm>
-          <a:prstGeom prst="rect">
-            <a:avLst/>
-          </a:prstGeom>
-          <a:noFill/>
-        </p:spPr>
-        <p:txBody>
-          <a:bodyPr wrap="none" rtlCol="0">
-            <a:spAutoFit/>
-          </a:bodyPr>
-          <a:lstStyle/>
-          <a:p>
-            <a:r>
-              <a:rPr lang="en-US" dirty="0"/>
-              <a:t>Step 2: Give access </a:t>
-            </a:r>
-            <a:br>
-              <a:rPr lang="en-US" dirty="0"/>
-            </a:br>
-            <a:r>
-              <a:rPr lang="en-US" dirty="0"/>
-              <a:t>permission to the </a:t>
-            </a:r>
-            <a:br>
-              <a:rPr lang="en-US" dirty="0"/>
-            </a:br>
-            <a:r>
-              <a:rPr lang="en-US" dirty="0"/>
-              <a:t>‘AWAREIP’</a:t>
-            </a:r>
-          </a:p>
-        </p:txBody>
-      </p:sp>
-      <p:pic>
-        <p:nvPicPr>
-          <p:cNvPr id="9" name="Picture 8"/>
-          <p:cNvPicPr>
-            <a:picLocks noChangeAspect="1"/>
-          </p:cNvPicPr>
-          <p:nvPr/>
-        </p:nvPicPr>
-        <p:blipFill>
-          <a:blip r:embed="rId3"/>
-          <a:stretch>
-            <a:fillRect/>
-          </a:stretch>
-        </p:blipFill>
-        <p:spPr>
-          <a:xfrm>
-            <a:off x="3159124" y="3386417"/>
-            <a:ext cx="4416425" cy="3115795"/>
-          </a:xfrm>
-          <a:prstGeom prst="rect">
-            <a:avLst/>
-          </a:prstGeom>
-        </p:spPr>
-      </p:pic>
-      <p:pic>
-        <p:nvPicPr>
-          <p:cNvPr id="12" name="Picture 11" descr="aware-logo.png"/>
-          <p:cNvPicPr>
-            <a:picLocks noChangeAspect="1"/>
-          </p:cNvPicPr>
-          <p:nvPr/>
-        </p:nvPicPr>
-        <p:blipFill>
-          <a:blip r:embed="rId4">
-            <a:extLst>
-              <a:ext uri="{28A0092B-C50C-407E-A947-70E740481C1C}">
-                <a14:useLocalDpi xmlns:a14="http://schemas.microsoft.com/office/drawing/2010/main" val="0"/>
-              </a:ext>
-            </a:extLst>
-          </a:blip>
-          <a:stretch>
-            <a:fillRect/>
-          </a:stretch>
-        </p:blipFill>
-        <p:spPr>
-          <a:xfrm>
-            <a:off x="7308088" y="3383036"/>
-            <a:ext cx="1494141" cy="1494141"/>
-          </a:xfrm>
-          <a:prstGeom prst="rect">
-            <a:avLst/>
-          </a:prstGeom>
-        </p:spPr>
-      </p:pic>
-      <p:sp>
-        <p:nvSpPr>
-          <p:cNvPr id="13" name="TextBox 12"/>
-          <p:cNvSpPr txBox="1"/>
-          <p:nvPr/>
-        </p:nvSpPr>
-        <p:spPr>
-          <a:xfrm>
-            <a:off x="7302846" y="5089557"/>
-            <a:ext cx="1442297" cy="923330"/>
-          </a:xfrm>
-          <a:prstGeom prst="rect">
-            <a:avLst/>
-          </a:prstGeom>
-          <a:noFill/>
-        </p:spPr>
-        <p:txBody>
-          <a:bodyPr wrap="none" rtlCol="0">
-            <a:spAutoFit/>
-          </a:bodyPr>
-          <a:lstStyle/>
-          <a:p>
-            <a:r>
-              <a:rPr lang="en-US" dirty="0" smtClean="0"/>
-              <a:t>Aware Server</a:t>
-            </a:r>
-            <a:br>
-              <a:rPr lang="en-US" dirty="0" smtClean="0"/>
-            </a:br>
-            <a:r>
-              <a:rPr lang="en-US" dirty="0" smtClean="0"/>
-              <a:t>AWAREIP =</a:t>
-            </a:r>
-            <a:br>
-              <a:rPr lang="en-US" dirty="0" smtClean="0"/>
-            </a:br>
-            <a:r>
-              <a:rPr lang="en-US" dirty="0" smtClean="0"/>
-              <a:t>80.69.77.149</a:t>
-            </a:r>
-            <a:endParaRPr lang="en-US" dirty="0"/>
-          </a:p>
-        </p:txBody>
-      </p:sp>
-      <p:cxnSp>
-        <p:nvCxnSpPr>
-          <p:cNvPr id="14" name="Curved Connector 13"/>
-          <p:cNvCxnSpPr/>
-          <p:nvPr/>
-        </p:nvCxnSpPr>
-        <p:spPr>
-          <a:xfrm rot="10800000">
-            <a:off x="2362201" y="4191000"/>
-            <a:ext cx="4872375" cy="25240"/>
-          </a:xfrm>
-          <a:prstGeom prst="curvedConnector3">
-            <a:avLst/>
-          </a:prstGeom>
-          <a:ln>
-            <a:tailEnd type="arrow"/>
-          </a:ln>
-        </p:spPr>
-        <p:style>
-          <a:lnRef idx="2">
-            <a:schemeClr val="accent1"/>
-          </a:lnRef>
-          <a:fillRef idx="0">
-            <a:schemeClr val="accent1"/>
-          </a:fillRef>
-          <a:effectRef idx="1">
-            <a:schemeClr val="accent1"/>
-          </a:effectRef>
-          <a:fontRef idx="minor">
-            <a:schemeClr val="tx1"/>
-          </a:fontRef>
-        </p:style>
-      </p:cxnSp>
-    </p:spTree>
-    <p:extLst>
-      <p:ext uri="{BB962C8B-B14F-4D97-AF65-F5344CB8AC3E}">
-        <p14:creationId xmlns:p14="http://schemas.microsoft.com/office/powerpoint/2010/main" val="3976822799"/>
-      </p:ext>
-    </p:extLst>
-  </p:cSld>
-  <p:clrMapOvr>
-    <a:masterClrMapping/>
-  </p:clrMapOvr>
-  <p:timing>
-    <p:tnLst>
-      <p:par>
-        <p:cTn xmlns:p14="http://schemas.microsoft.com/office/powerpoint/2010/main" id="1" dur="indefinite" restart="never" nodeType="tmRoot"/>
-      </p:par>
-    </p:tnLst>
-  </p:timing>
-</p:sld>
-</file>
-
-<file path=ppt/slides/slide5.xml><?xml version="1.0" encoding="utf-8"?>
-<p:sld xmlns:a="http://schemas.openxmlformats.org/drawingml/2006/main" xmlns:r="http://schemas.openxmlformats.org/officeDocument/2006/relationships" xmlns:p="http://schemas.openxmlformats.org/presentationml/2006/main">
-  <p:cSld>
-    <p:spTree>
-      <p:nvGrpSpPr>
-        <p:cNvPr id="1" name=""/>
-        <p:cNvGrpSpPr/>
-        <p:nvPr/>
-      </p:nvGrpSpPr>
-      <p:grpSpPr>
-        <a:xfrm>
-          <a:off x="0" y="0"/>
-          <a:ext cx="0" cy="0"/>
-          <a:chOff x="0" y="0"/>
-          <a:chExt cx="0" cy="0"/>
-        </a:xfrm>
-      </p:grpSpPr>
-      <p:sp>
-        <p:nvSpPr>
-          <p:cNvPr id="2" name="Title 1"/>
-          <p:cNvSpPr>
-            <a:spLocks noGrp="1"/>
-          </p:cNvSpPr>
-          <p:nvPr>
-            <p:ph type="title"/>
-          </p:nvPr>
-        </p:nvSpPr>
-        <p:spPr/>
-        <p:txBody>
-          <a:bodyPr/>
-          <a:lstStyle/>
-          <a:p>
-            <a:r>
-              <a:rPr lang="en-US" dirty="0" smtClean="0"/>
-              <a:t>For everyone</a:t>
-            </a:r>
-            <a:endParaRPr lang="en-US" dirty="0"/>
-          </a:p>
-        </p:txBody>
-      </p:sp>
-      <p:sp>
-        <p:nvSpPr>
-          <p:cNvPr id="3" name="Content Placeholder 2"/>
-          <p:cNvSpPr>
-            <a:spLocks noGrp="1"/>
-          </p:cNvSpPr>
-          <p:nvPr>
-            <p:ph idx="1"/>
-          </p:nvPr>
-        </p:nvSpPr>
-        <p:spPr>
-          <a:xfrm>
-            <a:off x="1128942" y="1847153"/>
-            <a:ext cx="7673287" cy="4379976"/>
-          </a:xfrm>
-        </p:spPr>
-        <p:txBody>
-          <a:bodyPr/>
-          <a:lstStyle/>
-          <a:p>
-            <a:pPr marL="0" indent="0">
-              <a:buNone/>
-            </a:pPr>
-            <a:r>
-              <a:rPr lang="en-US" dirty="0" smtClean="0"/>
-              <a:t>Google has </a:t>
-            </a:r>
-            <a:r>
-              <a:rPr lang="en-US" dirty="0"/>
-              <a:t>great documentation </a:t>
-            </a:r>
-            <a:r>
-              <a:rPr lang="en-US" dirty="0" smtClean="0"/>
-              <a:t/>
-            </a:r>
-            <a:br>
-              <a:rPr lang="en-US" dirty="0" smtClean="0"/>
-            </a:br>
-            <a:r>
-              <a:rPr lang="en-US" dirty="0" smtClean="0"/>
-              <a:t>(</a:t>
-            </a:r>
-            <a:r>
-              <a:rPr lang="en-US" sz="1800" dirty="0">
-                <a:hlinkClick r:id="rId2"/>
-              </a:rPr>
-              <a:t>https://cloud.google.com/appengine/docs/python/cloud-sql</a:t>
-            </a:r>
-            <a:r>
-              <a:rPr lang="en-US" sz="1800" dirty="0" smtClean="0">
-                <a:hlinkClick r:id="rId2"/>
-              </a:rPr>
-              <a:t>/</a:t>
-            </a:r>
-            <a:r>
-              <a:rPr lang="en-US" dirty="0" smtClean="0"/>
-              <a:t>)</a:t>
-            </a:r>
-          </a:p>
-          <a:p>
-            <a:pPr marL="0" indent="0">
-              <a:buNone/>
-            </a:pPr>
-            <a:r>
-              <a:rPr lang="en-US" dirty="0" smtClean="0"/>
-              <a:t>You need to customize the access permissions</a:t>
-            </a:r>
-          </a:p>
-          <a:p>
-            <a:pPr marL="0" indent="0">
-              <a:buNone/>
-            </a:pPr>
-            <a:endParaRPr lang="en-US" dirty="0"/>
-          </a:p>
-        </p:txBody>
-      </p:sp>
-      <p:sp>
-        <p:nvSpPr>
-          <p:cNvPr id="4" name="Date Placeholder 3"/>
-          <p:cNvSpPr>
-            <a:spLocks noGrp="1"/>
-          </p:cNvSpPr>
-          <p:nvPr>
-            <p:ph type="dt" sz="half" idx="10"/>
-          </p:nvPr>
-        </p:nvSpPr>
-        <p:spPr/>
-        <p:txBody>
-          <a:bodyPr/>
-          <a:lstStyle/>
-          <a:p>
-            <a:fld id="{7053BEFA-1175-F644-B249-7D41D72BD3FF}" type="datetime1">
-              <a:rPr lang="en-US" smtClean="0"/>
-              <a:t>2/8/16</a:t>
-            </a:fld>
-            <a:endParaRPr lang="en-US"/>
-          </a:p>
-        </p:txBody>
-      </p:sp>
-      <p:sp>
-        <p:nvSpPr>
-          <p:cNvPr id="5" name="Footer Placeholder 4"/>
-          <p:cNvSpPr>
-            <a:spLocks noGrp="1"/>
-          </p:cNvSpPr>
-          <p:nvPr>
-            <p:ph type="ftr" sz="quarter" idx="11"/>
-          </p:nvPr>
-        </p:nvSpPr>
-        <p:spPr/>
-        <p:txBody>
-          <a:bodyPr/>
-          <a:lstStyle/>
-          <a:p>
-            <a:endParaRPr lang="en-US" dirty="0"/>
-          </a:p>
-        </p:txBody>
-      </p:sp>
-      <p:sp>
-        <p:nvSpPr>
-          <p:cNvPr id="6" name="Slide Number Placeholder 5"/>
-          <p:cNvSpPr>
-            <a:spLocks noGrp="1"/>
-          </p:cNvSpPr>
-          <p:nvPr>
-            <p:ph type="sldNum" sz="quarter" idx="12"/>
-          </p:nvPr>
-        </p:nvSpPr>
-        <p:spPr/>
-        <p:txBody>
-          <a:bodyPr/>
-          <a:lstStyle/>
-          <a:p>
-            <a:fld id="{17E276FA-8F89-B34D-A726-BE3FA1F8DD97}" type="slidenum">
-              <a:rPr lang="en-US" smtClean="0"/>
-              <a:t>5</a:t>
-            </a:fld>
-            <a:endParaRPr lang="en-US" dirty="0"/>
-          </a:p>
-        </p:txBody>
-      </p:sp>
-      <p:sp>
-        <p:nvSpPr>
-          <p:cNvPr id="10" name="Cloud 9"/>
-          <p:cNvSpPr/>
-          <p:nvPr/>
-        </p:nvSpPr>
-        <p:spPr>
-          <a:xfrm>
-            <a:off x="465996" y="3386417"/>
-            <a:ext cx="1834533" cy="1428934"/>
-          </a:xfrm>
-          <a:prstGeom prst="cloud">
-            <a:avLst/>
-          </a:prstGeom>
-        </p:spPr>
-        <p:style>
-          <a:lnRef idx="2">
-            <a:schemeClr val="accent1">
-              <a:shade val="50000"/>
-            </a:schemeClr>
-          </a:lnRef>
-          <a:fillRef idx="1">
-            <a:schemeClr val="accent1"/>
-          </a:fillRef>
-          <a:effectRef idx="0">
-            <a:schemeClr val="accent1"/>
-          </a:effectRef>
-          <a:fontRef idx="minor">
-            <a:schemeClr val="lt1"/>
-          </a:fontRef>
-        </p:style>
-        <p:txBody>
-          <a:bodyPr rtlCol="0" anchor="ctr"/>
-          <a:lstStyle/>
-          <a:p>
-            <a:pPr algn="ctr"/>
-            <a:r>
-              <a:rPr lang="en-US" dirty="0" smtClean="0"/>
-              <a:t>Cloud Storage:</a:t>
-            </a:r>
-            <a:br>
-              <a:rPr lang="en-US" dirty="0" smtClean="0"/>
-            </a:br>
-            <a:r>
-              <a:rPr lang="en-US" dirty="0" smtClean="0"/>
-              <a:t>‘</a:t>
-            </a:r>
-            <a:r>
-              <a:rPr lang="en-US" dirty="0" err="1" smtClean="0"/>
-              <a:t>CloudIP</a:t>
-            </a:r>
-            <a:r>
-              <a:rPr lang="en-US" dirty="0" smtClean="0"/>
-              <a:t>’</a:t>
-            </a:r>
-            <a:endParaRPr lang="en-US" dirty="0"/>
-          </a:p>
-        </p:txBody>
-      </p:sp>
-      <p:sp>
-        <p:nvSpPr>
-          <p:cNvPr id="11" name="TextBox 10"/>
-          <p:cNvSpPr txBox="1"/>
-          <p:nvPr/>
-        </p:nvSpPr>
-        <p:spPr>
-          <a:xfrm>
-            <a:off x="555781" y="5024616"/>
-            <a:ext cx="1672253" cy="646331"/>
-          </a:xfrm>
-          <a:prstGeom prst="rect">
-            <a:avLst/>
-          </a:prstGeom>
-          <a:noFill/>
-        </p:spPr>
-        <p:txBody>
-          <a:bodyPr wrap="none" rtlCol="0">
-            <a:spAutoFit/>
-          </a:bodyPr>
-          <a:lstStyle/>
-          <a:p>
-            <a:r>
-              <a:rPr lang="en-US" dirty="0" smtClean="0"/>
-              <a:t>Also give access </a:t>
-            </a:r>
-            <a:br>
-              <a:rPr lang="en-US" dirty="0" smtClean="0"/>
-            </a:br>
-            <a:r>
-              <a:rPr lang="en-US" dirty="0" smtClean="0"/>
-              <a:t>to yourself…</a:t>
-            </a:r>
-            <a:endParaRPr lang="en-US" dirty="0"/>
-          </a:p>
-        </p:txBody>
-      </p:sp>
-      <p:pic>
-        <p:nvPicPr>
-          <p:cNvPr id="14" name="Picture 13"/>
-          <p:cNvPicPr>
-            <a:picLocks noChangeAspect="1"/>
-          </p:cNvPicPr>
-          <p:nvPr/>
-        </p:nvPicPr>
-        <p:blipFill>
-          <a:blip r:embed="rId3"/>
-          <a:stretch>
-            <a:fillRect/>
-          </a:stretch>
-        </p:blipFill>
-        <p:spPr>
-          <a:xfrm>
-            <a:off x="3159124" y="3386417"/>
-            <a:ext cx="4416425" cy="3115795"/>
-          </a:xfrm>
-          <a:prstGeom prst="rect">
-            <a:avLst/>
-          </a:prstGeom>
-        </p:spPr>
-      </p:pic>
-    </p:spTree>
-    <p:extLst>
-      <p:ext uri="{BB962C8B-B14F-4D97-AF65-F5344CB8AC3E}">
-        <p14:creationId xmlns:p14="http://schemas.microsoft.com/office/powerpoint/2010/main" val="3962118092"/>
-      </p:ext>
-    </p:extLst>
-  </p:cSld>
-  <p:clrMapOvr>
-    <a:masterClrMapping/>
-  </p:clrMapOvr>
-  <p:timing>
-    <p:tnLst>
-      <p:par>
-        <p:cTn xmlns:p14="http://schemas.microsoft.com/office/powerpoint/2010/main" id="1" dur="indefinite" restart="never" nodeType="tmRoot"/>
-      </p:par>
-    </p:tnLst>
-  </p:timing>
-</p:sld>
-</file>
-
-<file path=ppt/slides/slide6.xml><?xml version="1.0" encoding="utf-8"?>
-<p:sld xmlns:a="http://schemas.openxmlformats.org/drawingml/2006/main" xmlns:r="http://schemas.openxmlformats.org/officeDocument/2006/relationships" xmlns:p="http://schemas.openxmlformats.org/presentationml/2006/main">
-  <p:cSld>
-    <p:spTree>
-      <p:nvGrpSpPr>
-        <p:cNvPr id="1" name=""/>
-        <p:cNvGrpSpPr/>
-        <p:nvPr/>
-      </p:nvGrpSpPr>
-      <p:grpSpPr>
-        <a:xfrm>
-          <a:off x="0" y="0"/>
-          <a:ext cx="0" cy="0"/>
-          <a:chOff x="0" y="0"/>
-          <a:chExt cx="0" cy="0"/>
-        </a:xfrm>
-      </p:grpSpPr>
-      <p:sp>
-        <p:nvSpPr>
-          <p:cNvPr id="2" name="Title 1"/>
-          <p:cNvSpPr>
-            <a:spLocks noGrp="1"/>
-          </p:cNvSpPr>
-          <p:nvPr>
-            <p:ph type="title"/>
-          </p:nvPr>
-        </p:nvSpPr>
-        <p:spPr/>
-        <p:txBody>
-          <a:bodyPr/>
-          <a:lstStyle/>
-          <a:p>
-            <a:r>
-              <a:rPr lang="en-US" dirty="0" smtClean="0"/>
-              <a:t>Setting up a </a:t>
-            </a:r>
-            <a:r>
-              <a:rPr lang="en-US" dirty="0" err="1" smtClean="0"/>
-              <a:t>Datastore</a:t>
-            </a:r>
-            <a:endParaRPr lang="en-US" dirty="0"/>
-          </a:p>
-        </p:txBody>
-      </p:sp>
-      <p:sp>
-        <p:nvSpPr>
-          <p:cNvPr id="3" name="Content Placeholder 2"/>
-          <p:cNvSpPr>
-            <a:spLocks noGrp="1"/>
-          </p:cNvSpPr>
-          <p:nvPr>
-            <p:ph idx="1"/>
-          </p:nvPr>
-        </p:nvSpPr>
-        <p:spPr>
-          <a:xfrm>
-            <a:off x="1128942" y="1847153"/>
-            <a:ext cx="7673287" cy="4379976"/>
-          </a:xfrm>
-        </p:spPr>
-        <p:txBody>
-          <a:bodyPr/>
-          <a:lstStyle/>
-          <a:p>
-            <a:pPr marL="0" indent="0">
-              <a:buNone/>
-            </a:pPr>
-            <a:r>
-              <a:rPr lang="en-US" dirty="0" smtClean="0"/>
-              <a:t>Google has </a:t>
-            </a:r>
-            <a:r>
-              <a:rPr lang="en-US" dirty="0"/>
-              <a:t>great documentation </a:t>
-            </a:r>
-            <a:r>
-              <a:rPr lang="en-US" dirty="0" smtClean="0"/>
-              <a:t/>
-            </a:r>
-            <a:br>
-              <a:rPr lang="en-US" dirty="0" smtClean="0"/>
-            </a:br>
-            <a:r>
-              <a:rPr lang="en-US" dirty="0" smtClean="0"/>
-              <a:t>(</a:t>
-            </a:r>
-            <a:r>
-              <a:rPr lang="en-US" sz="1800" dirty="0">
-                <a:hlinkClick r:id="rId2"/>
-              </a:rPr>
-              <a:t>https://cloud.google.com/appengine/docs/python/cloud-sql</a:t>
-            </a:r>
-            <a:r>
-              <a:rPr lang="en-US" sz="1800" dirty="0" smtClean="0">
-                <a:hlinkClick r:id="rId2"/>
-              </a:rPr>
-              <a:t>/</a:t>
-            </a:r>
-            <a:r>
-              <a:rPr lang="en-US" dirty="0" smtClean="0"/>
-              <a:t>)</a:t>
-            </a:r>
-          </a:p>
-          <a:p>
-            <a:pPr marL="0" indent="0">
-              <a:buNone/>
-            </a:pPr>
-            <a:r>
-              <a:rPr lang="en-US" dirty="0" smtClean="0"/>
-              <a:t>You need to customize the access permissions</a:t>
-            </a:r>
-          </a:p>
-          <a:p>
-            <a:pPr marL="0" indent="0">
-              <a:buNone/>
-            </a:pPr>
-            <a:endParaRPr lang="en-US" dirty="0"/>
-          </a:p>
-        </p:txBody>
-      </p:sp>
-      <p:sp>
-        <p:nvSpPr>
-          <p:cNvPr id="4" name="Date Placeholder 3"/>
-          <p:cNvSpPr>
-            <a:spLocks noGrp="1"/>
-          </p:cNvSpPr>
-          <p:nvPr>
-            <p:ph type="dt" sz="half" idx="10"/>
-          </p:nvPr>
-        </p:nvSpPr>
-        <p:spPr/>
-        <p:txBody>
-          <a:bodyPr/>
-          <a:lstStyle/>
-          <a:p>
-            <a:fld id="{7053BEFA-1175-F644-B249-7D41D72BD3FF}" type="datetime1">
-              <a:rPr lang="en-US" smtClean="0"/>
-              <a:t>2/8/16</a:t>
-            </a:fld>
-            <a:endParaRPr lang="en-US"/>
-          </a:p>
-        </p:txBody>
-      </p:sp>
-      <p:sp>
-        <p:nvSpPr>
-          <p:cNvPr id="5" name="Footer Placeholder 4"/>
-          <p:cNvSpPr>
-            <a:spLocks noGrp="1"/>
-          </p:cNvSpPr>
-          <p:nvPr>
-            <p:ph type="ftr" sz="quarter" idx="11"/>
-          </p:nvPr>
-        </p:nvSpPr>
-        <p:spPr/>
-        <p:txBody>
-          <a:bodyPr/>
-          <a:lstStyle/>
-          <a:p>
-            <a:endParaRPr lang="en-US" dirty="0"/>
-          </a:p>
-        </p:txBody>
-      </p:sp>
-      <p:sp>
-        <p:nvSpPr>
-          <p:cNvPr id="6" name="Slide Number Placeholder 5"/>
-          <p:cNvSpPr>
-            <a:spLocks noGrp="1"/>
-          </p:cNvSpPr>
-          <p:nvPr>
-            <p:ph type="sldNum" sz="quarter" idx="12"/>
-          </p:nvPr>
-        </p:nvSpPr>
-        <p:spPr/>
-        <p:txBody>
-          <a:bodyPr/>
-          <a:lstStyle/>
-          <a:p>
-            <a:fld id="{17E276FA-8F89-B34D-A726-BE3FA1F8DD97}" type="slidenum">
-              <a:rPr lang="en-US" smtClean="0"/>
-              <a:t>6</a:t>
+              <a:t>10</a:t>
             </a:fld>
             <a:endParaRPr lang="en-US" dirty="0"/>
           </a:p>
@@ -11852,14 +8732,14 @@
   <p:timing>
     <p:tnLst>
       <p:par>
-        <p:cTn xmlns:p14="http://schemas.microsoft.com/office/powerpoint/2010/main" id="1" dur="indefinite" restart="never" nodeType="tmRoot"/>
+        <p:cTn id="1" dur="indefinite" restart="never" nodeType="tmRoot"/>
       </p:par>
     </p:tnLst>
   </p:timing>
 </p:sld>
 </file>
 
-<file path=ppt/slides/slide7.xml><?xml version="1.0" encoding="utf-8"?>
+<file path=ppt/slides/slide11.xml><?xml version="1.0" encoding="utf-8"?>
 <p:sld xmlns:a="http://schemas.openxmlformats.org/drawingml/2006/main" xmlns:r="http://schemas.openxmlformats.org/officeDocument/2006/relationships" xmlns:p="http://schemas.openxmlformats.org/presentationml/2006/main">
   <p:cSld>
     <p:spTree>
@@ -11892,12 +8772,16 @@
           <a:lstStyle/>
           <a:p>
             <a:r>
-              <a:rPr lang="en-US" dirty="0" smtClean="0"/>
+              <a:rPr lang="en-US" dirty="0"/>
               <a:t>Setting up a </a:t>
             </a:r>
             <a:r>
-              <a:rPr lang="en-US" dirty="0" err="1" smtClean="0"/>
+              <a:rPr lang="en-US" dirty="0" err="1"/>
               <a:t>Datastore</a:t>
+            </a:r>
+            <a:r>
+              <a:rPr lang="en-US" dirty="0"/>
+              <a:t> (optional)</a:t>
             </a:r>
             <a:endParaRPr lang="en-US" dirty="0"/>
           </a:p>
@@ -11996,7 +8880,7 @@
           <a:p>
             <a:fld id="{7053BEFA-1175-F644-B249-7D41D72BD3FF}" type="datetime1">
               <a:rPr lang="en-US" smtClean="0"/>
-              <a:t>2/8/16</a:t>
+              <a:t>1/23/17</a:t>
             </a:fld>
             <a:endParaRPr lang="en-US"/>
           </a:p>
@@ -12038,7 +8922,7 @@
           <a:p>
             <a:fld id="{17E276FA-8F89-B34D-A726-BE3FA1F8DD97}" type="slidenum">
               <a:rPr lang="en-US" smtClean="0"/>
-              <a:t>7</a:t>
+              <a:t>11</a:t>
             </a:fld>
             <a:endParaRPr lang="en-US" dirty="0"/>
           </a:p>
@@ -12285,7 +9169,3813 @@
   <p:timing>
     <p:tnLst>
       <p:par>
-        <p:cTn xmlns:p14="http://schemas.microsoft.com/office/powerpoint/2010/main" id="1" dur="indefinite" restart="never" nodeType="tmRoot"/>
+        <p:cTn id="1" dur="indefinite" restart="never" nodeType="tmRoot"/>
+      </p:par>
+    </p:tnLst>
+  </p:timing>
+</p:sld>
+</file>
+
+<file path=ppt/slides/slide12.xml><?xml version="1.0" encoding="utf-8"?>
+<p:sld xmlns:a="http://schemas.openxmlformats.org/drawingml/2006/main" xmlns:r="http://schemas.openxmlformats.org/officeDocument/2006/relationships" xmlns:p="http://schemas.openxmlformats.org/presentationml/2006/main">
+  <p:cSld>
+    <p:spTree>
+      <p:nvGrpSpPr>
+        <p:cNvPr id="1" name=""/>
+        <p:cNvGrpSpPr/>
+        <p:nvPr/>
+      </p:nvGrpSpPr>
+      <p:grpSpPr>
+        <a:xfrm>
+          <a:off x="0" y="0"/>
+          <a:ext cx="0" cy="0"/>
+          <a:chOff x="0" y="0"/>
+          <a:chExt cx="0" cy="0"/>
+        </a:xfrm>
+      </p:grpSpPr>
+      <p:sp>
+        <p:nvSpPr>
+          <p:cNvPr id="2" name="Title 1"/>
+          <p:cNvSpPr>
+            <a:spLocks noGrp="1"/>
+          </p:cNvSpPr>
+          <p:nvPr>
+            <p:ph type="title"/>
+          </p:nvPr>
+        </p:nvSpPr>
+        <p:spPr/>
+        <p:txBody>
+          <a:bodyPr/>
+          <a:lstStyle/>
+          <a:p>
+            <a:r>
+              <a:rPr lang="en-US" dirty="0" smtClean="0"/>
+              <a:t>Loading the data</a:t>
+            </a:r>
+            <a:endParaRPr lang="en-US" dirty="0"/>
+          </a:p>
+        </p:txBody>
+      </p:sp>
+      <p:sp>
+        <p:nvSpPr>
+          <p:cNvPr id="3" name="Content Placeholder 2"/>
+          <p:cNvSpPr>
+            <a:spLocks noGrp="1"/>
+          </p:cNvSpPr>
+          <p:nvPr>
+            <p:ph idx="1"/>
+          </p:nvPr>
+        </p:nvSpPr>
+        <p:spPr>
+          <a:xfrm>
+            <a:off x="1128943" y="1450278"/>
+            <a:ext cx="7048804" cy="4379976"/>
+          </a:xfrm>
+        </p:spPr>
+        <p:txBody>
+          <a:bodyPr/>
+          <a:lstStyle/>
+          <a:p>
+            <a:pPr marL="0" indent="0">
+              <a:buNone/>
+            </a:pPr>
+            <a:r>
+              <a:rPr lang="en-US" dirty="0" err="1" smtClean="0"/>
+              <a:t>Mysql</a:t>
+            </a:r>
+            <a:r>
+              <a:rPr lang="en-US" dirty="0" smtClean="0"/>
+              <a:t> --host [</a:t>
+            </a:r>
+            <a:r>
+              <a:rPr lang="en-US" dirty="0" err="1" smtClean="0"/>
+              <a:t>ip</a:t>
+            </a:r>
+            <a:r>
+              <a:rPr lang="en-US" dirty="0" smtClean="0"/>
+              <a:t>] -</a:t>
+            </a:r>
+            <a:r>
+              <a:rPr lang="en-US" dirty="0"/>
+              <a:t>-user=[user] --password=[password] [database] &lt; </a:t>
+            </a:r>
+            <a:r>
+              <a:rPr lang="en-US" dirty="0" smtClean="0"/>
+              <a:t>[</a:t>
+            </a:r>
+            <a:r>
+              <a:rPr lang="en-US" dirty="0" err="1" smtClean="0"/>
+              <a:t>file.sql</a:t>
+            </a:r>
+            <a:r>
+              <a:rPr lang="en-US" dirty="0" smtClean="0"/>
+              <a:t>]</a:t>
+            </a:r>
+          </a:p>
+          <a:p>
+            <a:pPr marL="0" indent="0">
+              <a:buNone/>
+            </a:pPr>
+            <a:r>
+              <a:rPr lang="en-US" dirty="0" smtClean="0"/>
+              <a:t>[</a:t>
+            </a:r>
+            <a:r>
+              <a:rPr lang="en-US" dirty="0" err="1" smtClean="0"/>
+              <a:t>ip</a:t>
+            </a:r>
+            <a:r>
+              <a:rPr lang="en-US" dirty="0" smtClean="0"/>
+              <a:t>]: </a:t>
+            </a:r>
+            <a:r>
+              <a:rPr lang="en-US" dirty="0"/>
+              <a:t>The IP of your cloud </a:t>
+            </a:r>
+            <a:r>
+              <a:rPr lang="en-US" dirty="0" smtClean="0"/>
+              <a:t>database</a:t>
+            </a:r>
+            <a:endParaRPr lang="en-US" dirty="0"/>
+          </a:p>
+          <a:p>
+            <a:pPr marL="0" indent="0">
+              <a:buNone/>
+            </a:pPr>
+            <a:r>
+              <a:rPr lang="en-US" dirty="0" smtClean="0"/>
+              <a:t>[user]: </a:t>
+            </a:r>
+            <a:r>
+              <a:rPr lang="en-US" dirty="0"/>
+              <a:t>The username you created for your cloud database </a:t>
+            </a:r>
+          </a:p>
+          <a:p>
+            <a:pPr marL="0" indent="0">
+              <a:buNone/>
+            </a:pPr>
+            <a:r>
+              <a:rPr lang="en-US" dirty="0" smtClean="0"/>
+              <a:t>[password]: </a:t>
+            </a:r>
+            <a:r>
+              <a:rPr lang="en-US" dirty="0"/>
+              <a:t>The password you created for your username</a:t>
+            </a:r>
+          </a:p>
+          <a:p>
+            <a:pPr marL="0" indent="0">
+              <a:buNone/>
+            </a:pPr>
+            <a:r>
+              <a:rPr lang="en-US" dirty="0" smtClean="0"/>
+              <a:t>[database]: </a:t>
+            </a:r>
+            <a:r>
+              <a:rPr lang="en-US" dirty="0"/>
+              <a:t>The database the data should be imported </a:t>
+            </a:r>
+            <a:r>
+              <a:rPr lang="en-US" dirty="0" smtClean="0"/>
+              <a:t>to</a:t>
+            </a:r>
+            <a:br>
+              <a:rPr lang="en-US" dirty="0" smtClean="0"/>
+            </a:br>
+            <a:r>
+              <a:rPr lang="en-US" dirty="0" smtClean="0"/>
+              <a:t>[</a:t>
+            </a:r>
+            <a:r>
+              <a:rPr lang="en-US" dirty="0" err="1" smtClean="0"/>
+              <a:t>file.sql</a:t>
+            </a:r>
+            <a:r>
+              <a:rPr lang="en-US" dirty="0" smtClean="0"/>
+              <a:t>]: </a:t>
+            </a:r>
+            <a:r>
+              <a:rPr lang="en-US" dirty="0"/>
+              <a:t>The name of the </a:t>
+            </a:r>
+            <a:r>
+              <a:rPr lang="en-US" dirty="0" err="1"/>
+              <a:t>sql</a:t>
+            </a:r>
+            <a:r>
+              <a:rPr lang="en-US" dirty="0"/>
+              <a:t> file to import</a:t>
+            </a:r>
+          </a:p>
+        </p:txBody>
+      </p:sp>
+      <p:sp>
+        <p:nvSpPr>
+          <p:cNvPr id="4" name="Date Placeholder 3"/>
+          <p:cNvSpPr>
+            <a:spLocks noGrp="1"/>
+          </p:cNvSpPr>
+          <p:nvPr>
+            <p:ph type="dt" sz="half" idx="10"/>
+          </p:nvPr>
+        </p:nvSpPr>
+        <p:spPr/>
+        <p:txBody>
+          <a:bodyPr/>
+          <a:lstStyle/>
+          <a:p>
+            <a:fld id="{7053BEFA-1175-F644-B249-7D41D72BD3FF}" type="datetime1">
+              <a:rPr lang="en-US" smtClean="0"/>
+              <a:t>1/23/17</a:t>
+            </a:fld>
+            <a:endParaRPr lang="en-US"/>
+          </a:p>
+        </p:txBody>
+      </p:sp>
+      <p:sp>
+        <p:nvSpPr>
+          <p:cNvPr id="5" name="Footer Placeholder 4"/>
+          <p:cNvSpPr>
+            <a:spLocks noGrp="1"/>
+          </p:cNvSpPr>
+          <p:nvPr>
+            <p:ph type="ftr" sz="quarter" idx="11"/>
+          </p:nvPr>
+        </p:nvSpPr>
+        <p:spPr/>
+        <p:txBody>
+          <a:bodyPr/>
+          <a:lstStyle/>
+          <a:p>
+            <a:endParaRPr lang="en-US" dirty="0"/>
+          </a:p>
+        </p:txBody>
+      </p:sp>
+      <p:sp>
+        <p:nvSpPr>
+          <p:cNvPr id="6" name="Slide Number Placeholder 5"/>
+          <p:cNvSpPr>
+            <a:spLocks noGrp="1"/>
+          </p:cNvSpPr>
+          <p:nvPr>
+            <p:ph type="sldNum" sz="quarter" idx="12"/>
+          </p:nvPr>
+        </p:nvSpPr>
+        <p:spPr/>
+        <p:txBody>
+          <a:bodyPr/>
+          <a:lstStyle/>
+          <a:p>
+            <a:fld id="{17E276FA-8F89-B34D-A726-BE3FA1F8DD97}" type="slidenum">
+              <a:rPr lang="en-US" smtClean="0"/>
+              <a:t>12</a:t>
+            </a:fld>
+            <a:endParaRPr lang="en-US" dirty="0"/>
+          </a:p>
+        </p:txBody>
+      </p:sp>
+    </p:spTree>
+    <p:extLst>
+      <p:ext uri="{BB962C8B-B14F-4D97-AF65-F5344CB8AC3E}">
+        <p14:creationId xmlns:p14="http://schemas.microsoft.com/office/powerpoint/2010/main" val="4215904515"/>
+      </p:ext>
+    </p:extLst>
+  </p:cSld>
+  <p:clrMapOvr>
+    <a:masterClrMapping/>
+  </p:clrMapOvr>
+  <p:timing>
+    <p:tnLst>
+      <p:par>
+        <p:cTn id="1" dur="indefinite" restart="never" nodeType="tmRoot"/>
+      </p:par>
+    </p:tnLst>
+  </p:timing>
+</p:sld>
+</file>
+
+<file path=ppt/slides/slide13.xml><?xml version="1.0" encoding="utf-8"?>
+<p:sld xmlns:a="http://schemas.openxmlformats.org/drawingml/2006/main" xmlns:r="http://schemas.openxmlformats.org/officeDocument/2006/relationships" xmlns:p="http://schemas.openxmlformats.org/presentationml/2006/main">
+  <p:cSld>
+    <p:spTree>
+      <p:nvGrpSpPr>
+        <p:cNvPr id="1" name=""/>
+        <p:cNvGrpSpPr/>
+        <p:nvPr/>
+      </p:nvGrpSpPr>
+      <p:grpSpPr>
+        <a:xfrm>
+          <a:off x="0" y="0"/>
+          <a:ext cx="0" cy="0"/>
+          <a:chOff x="0" y="0"/>
+          <a:chExt cx="0" cy="0"/>
+        </a:xfrm>
+      </p:grpSpPr>
+      <p:sp>
+        <p:nvSpPr>
+          <p:cNvPr id="2" name="Title 1"/>
+          <p:cNvSpPr>
+            <a:spLocks noGrp="1"/>
+          </p:cNvSpPr>
+          <p:nvPr>
+            <p:ph type="title"/>
+          </p:nvPr>
+        </p:nvSpPr>
+        <p:spPr/>
+        <p:txBody>
+          <a:bodyPr/>
+          <a:lstStyle/>
+          <a:p>
+            <a:r>
+              <a:rPr lang="en-US" dirty="0" smtClean="0"/>
+              <a:t>Or use a GUI</a:t>
+            </a:r>
+            <a:endParaRPr lang="en-US" dirty="0"/>
+          </a:p>
+        </p:txBody>
+      </p:sp>
+      <p:pic>
+        <p:nvPicPr>
+          <p:cNvPr id="7" name="Content Placeholder 6"/>
+          <p:cNvPicPr>
+            <a:picLocks noGrp="1" noChangeAspect="1"/>
+          </p:cNvPicPr>
+          <p:nvPr>
+            <p:ph idx="1"/>
+          </p:nvPr>
+        </p:nvPicPr>
+        <p:blipFill>
+          <a:blip r:embed="rId2"/>
+          <a:srcRect l="11405" r="11405"/>
+          <a:stretch>
+            <a:fillRect/>
+          </a:stretch>
+        </p:blipFill>
+        <p:spPr/>
+      </p:pic>
+      <p:sp>
+        <p:nvSpPr>
+          <p:cNvPr id="4" name="Date Placeholder 3"/>
+          <p:cNvSpPr>
+            <a:spLocks noGrp="1"/>
+          </p:cNvSpPr>
+          <p:nvPr>
+            <p:ph type="dt" sz="half" idx="10"/>
+          </p:nvPr>
+        </p:nvSpPr>
+        <p:spPr/>
+        <p:txBody>
+          <a:bodyPr/>
+          <a:lstStyle/>
+          <a:p>
+            <a:fld id="{7053BEFA-1175-F644-B249-7D41D72BD3FF}" type="datetime1">
+              <a:rPr lang="en-US" smtClean="0"/>
+              <a:t>1/23/17</a:t>
+            </a:fld>
+            <a:endParaRPr lang="en-US"/>
+          </a:p>
+        </p:txBody>
+      </p:sp>
+      <p:sp>
+        <p:nvSpPr>
+          <p:cNvPr id="5" name="Footer Placeholder 4"/>
+          <p:cNvSpPr>
+            <a:spLocks noGrp="1"/>
+          </p:cNvSpPr>
+          <p:nvPr>
+            <p:ph type="ftr" sz="quarter" idx="11"/>
+          </p:nvPr>
+        </p:nvSpPr>
+        <p:spPr/>
+        <p:txBody>
+          <a:bodyPr/>
+          <a:lstStyle/>
+          <a:p>
+            <a:endParaRPr lang="en-US" dirty="0"/>
+          </a:p>
+        </p:txBody>
+      </p:sp>
+      <p:sp>
+        <p:nvSpPr>
+          <p:cNvPr id="6" name="Slide Number Placeholder 5"/>
+          <p:cNvSpPr>
+            <a:spLocks noGrp="1"/>
+          </p:cNvSpPr>
+          <p:nvPr>
+            <p:ph type="sldNum" sz="quarter" idx="12"/>
+          </p:nvPr>
+        </p:nvSpPr>
+        <p:spPr/>
+        <p:txBody>
+          <a:bodyPr/>
+          <a:lstStyle/>
+          <a:p>
+            <a:fld id="{17E276FA-8F89-B34D-A726-BE3FA1F8DD97}" type="slidenum">
+              <a:rPr lang="en-US" smtClean="0"/>
+              <a:t>13</a:t>
+            </a:fld>
+            <a:endParaRPr lang="en-US" dirty="0"/>
+          </a:p>
+        </p:txBody>
+      </p:sp>
+    </p:spTree>
+    <p:extLst>
+      <p:ext uri="{BB962C8B-B14F-4D97-AF65-F5344CB8AC3E}">
+        <p14:creationId xmlns:p14="http://schemas.microsoft.com/office/powerpoint/2010/main" val="2828713714"/>
+      </p:ext>
+    </p:extLst>
+  </p:cSld>
+  <p:clrMapOvr>
+    <a:masterClrMapping/>
+  </p:clrMapOvr>
+  <p:timing>
+    <p:tnLst>
+      <p:par>
+        <p:cTn id="1" dur="indefinite" restart="never" nodeType="tmRoot"/>
+      </p:par>
+    </p:tnLst>
+  </p:timing>
+</p:sld>
+</file>
+
+<file path=ppt/slides/slide14.xml><?xml version="1.0" encoding="utf-8"?>
+<p:sld xmlns:a="http://schemas.openxmlformats.org/drawingml/2006/main" xmlns:r="http://schemas.openxmlformats.org/officeDocument/2006/relationships" xmlns:p="http://schemas.openxmlformats.org/presentationml/2006/main">
+  <p:cSld>
+    <p:spTree>
+      <p:nvGrpSpPr>
+        <p:cNvPr id="1" name=""/>
+        <p:cNvGrpSpPr/>
+        <p:nvPr/>
+      </p:nvGrpSpPr>
+      <p:grpSpPr>
+        <a:xfrm>
+          <a:off x="0" y="0"/>
+          <a:ext cx="0" cy="0"/>
+          <a:chOff x="0" y="0"/>
+          <a:chExt cx="0" cy="0"/>
+        </a:xfrm>
+      </p:grpSpPr>
+      <p:sp>
+        <p:nvSpPr>
+          <p:cNvPr id="2" name="Title 1"/>
+          <p:cNvSpPr>
+            <a:spLocks noGrp="1"/>
+          </p:cNvSpPr>
+          <p:nvPr>
+            <p:ph type="title"/>
+          </p:nvPr>
+        </p:nvSpPr>
+        <p:spPr/>
+        <p:txBody>
+          <a:bodyPr/>
+          <a:lstStyle/>
+          <a:p>
+            <a:r>
+              <a:rPr lang="en-US" dirty="0" smtClean="0"/>
+              <a:t>Create a bucket (byte3 here)</a:t>
+            </a:r>
+            <a:endParaRPr lang="en-US" dirty="0"/>
+          </a:p>
+        </p:txBody>
+      </p:sp>
+      <p:sp>
+        <p:nvSpPr>
+          <p:cNvPr id="4" name="Date Placeholder 3"/>
+          <p:cNvSpPr>
+            <a:spLocks noGrp="1"/>
+          </p:cNvSpPr>
+          <p:nvPr>
+            <p:ph type="dt" sz="half" idx="10"/>
+          </p:nvPr>
+        </p:nvSpPr>
+        <p:spPr/>
+        <p:txBody>
+          <a:bodyPr/>
+          <a:lstStyle/>
+          <a:p>
+            <a:fld id="{7053BEFA-1175-F644-B249-7D41D72BD3FF}" type="datetime1">
+              <a:rPr lang="en-US" smtClean="0"/>
+              <a:t>1/23/17</a:t>
+            </a:fld>
+            <a:endParaRPr lang="en-US"/>
+          </a:p>
+        </p:txBody>
+      </p:sp>
+      <p:sp>
+        <p:nvSpPr>
+          <p:cNvPr id="5" name="Footer Placeholder 4"/>
+          <p:cNvSpPr>
+            <a:spLocks noGrp="1"/>
+          </p:cNvSpPr>
+          <p:nvPr>
+            <p:ph type="ftr" sz="quarter" idx="11"/>
+          </p:nvPr>
+        </p:nvSpPr>
+        <p:spPr/>
+        <p:txBody>
+          <a:bodyPr/>
+          <a:lstStyle/>
+          <a:p>
+            <a:endParaRPr lang="en-US" dirty="0"/>
+          </a:p>
+        </p:txBody>
+      </p:sp>
+      <p:sp>
+        <p:nvSpPr>
+          <p:cNvPr id="6" name="Slide Number Placeholder 5"/>
+          <p:cNvSpPr>
+            <a:spLocks noGrp="1"/>
+          </p:cNvSpPr>
+          <p:nvPr>
+            <p:ph type="sldNum" sz="quarter" idx="12"/>
+          </p:nvPr>
+        </p:nvSpPr>
+        <p:spPr/>
+        <p:txBody>
+          <a:bodyPr/>
+          <a:lstStyle/>
+          <a:p>
+            <a:fld id="{17E276FA-8F89-B34D-A726-BE3FA1F8DD97}" type="slidenum">
+              <a:rPr lang="en-US" smtClean="0"/>
+              <a:t>14</a:t>
+            </a:fld>
+            <a:endParaRPr lang="en-US" dirty="0"/>
+          </a:p>
+        </p:txBody>
+      </p:sp>
+      <p:pic>
+        <p:nvPicPr>
+          <p:cNvPr id="8" name="Content Placeholder 7"/>
+          <p:cNvPicPr>
+            <a:picLocks noGrp="1" noChangeAspect="1"/>
+          </p:cNvPicPr>
+          <p:nvPr>
+            <p:ph idx="1"/>
+          </p:nvPr>
+        </p:nvPicPr>
+        <p:blipFill>
+          <a:blip r:embed="rId2"/>
+          <a:srcRect t="-54013" b="-54013"/>
+          <a:stretch>
+            <a:fillRect/>
+          </a:stretch>
+        </p:blipFill>
+        <p:spPr/>
+      </p:pic>
+    </p:spTree>
+    <p:extLst>
+      <p:ext uri="{BB962C8B-B14F-4D97-AF65-F5344CB8AC3E}">
+        <p14:creationId xmlns:p14="http://schemas.microsoft.com/office/powerpoint/2010/main" val="310867465"/>
+      </p:ext>
+    </p:extLst>
+  </p:cSld>
+  <p:clrMapOvr>
+    <a:masterClrMapping/>
+  </p:clrMapOvr>
+  <p:timing>
+    <p:tnLst>
+      <p:par>
+        <p:cTn id="1" dur="indefinite" restart="never" nodeType="tmRoot"/>
+      </p:par>
+    </p:tnLst>
+  </p:timing>
+</p:sld>
+</file>
+
+<file path=ppt/slides/slide15.xml><?xml version="1.0" encoding="utf-8"?>
+<p:sld xmlns:a="http://schemas.openxmlformats.org/drawingml/2006/main" xmlns:r="http://schemas.openxmlformats.org/officeDocument/2006/relationships" xmlns:p="http://schemas.openxmlformats.org/presentationml/2006/main">
+  <p:cSld>
+    <p:spTree>
+      <p:nvGrpSpPr>
+        <p:cNvPr id="1" name=""/>
+        <p:cNvGrpSpPr/>
+        <p:nvPr/>
+      </p:nvGrpSpPr>
+      <p:grpSpPr>
+        <a:xfrm>
+          <a:off x="0" y="0"/>
+          <a:ext cx="0" cy="0"/>
+          <a:chOff x="0" y="0"/>
+          <a:chExt cx="0" cy="0"/>
+        </a:xfrm>
+      </p:grpSpPr>
+      <p:sp>
+        <p:nvSpPr>
+          <p:cNvPr id="2" name="Title 1"/>
+          <p:cNvSpPr>
+            <a:spLocks noGrp="1"/>
+          </p:cNvSpPr>
+          <p:nvPr>
+            <p:ph type="title"/>
+          </p:nvPr>
+        </p:nvSpPr>
+        <p:spPr/>
+        <p:txBody>
+          <a:bodyPr/>
+          <a:lstStyle/>
+          <a:p>
+            <a:r>
+              <a:rPr lang="en-US" dirty="0" smtClean="0"/>
+              <a:t>Upload the </a:t>
+            </a:r>
+            <a:r>
+              <a:rPr lang="en-US" dirty="0" err="1" smtClean="0"/>
+              <a:t>sql</a:t>
+            </a:r>
+            <a:r>
+              <a:rPr lang="en-US" dirty="0" smtClean="0"/>
+              <a:t> dump file</a:t>
+            </a:r>
+            <a:endParaRPr lang="en-US" dirty="0"/>
+          </a:p>
+        </p:txBody>
+      </p:sp>
+      <p:sp>
+        <p:nvSpPr>
+          <p:cNvPr id="4" name="Date Placeholder 3"/>
+          <p:cNvSpPr>
+            <a:spLocks noGrp="1"/>
+          </p:cNvSpPr>
+          <p:nvPr>
+            <p:ph type="dt" sz="half" idx="10"/>
+          </p:nvPr>
+        </p:nvSpPr>
+        <p:spPr/>
+        <p:txBody>
+          <a:bodyPr/>
+          <a:lstStyle/>
+          <a:p>
+            <a:fld id="{7053BEFA-1175-F644-B249-7D41D72BD3FF}" type="datetime1">
+              <a:rPr lang="en-US" smtClean="0"/>
+              <a:t>1/23/17</a:t>
+            </a:fld>
+            <a:endParaRPr lang="en-US"/>
+          </a:p>
+        </p:txBody>
+      </p:sp>
+      <p:sp>
+        <p:nvSpPr>
+          <p:cNvPr id="5" name="Footer Placeholder 4"/>
+          <p:cNvSpPr>
+            <a:spLocks noGrp="1"/>
+          </p:cNvSpPr>
+          <p:nvPr>
+            <p:ph type="ftr" sz="quarter" idx="11"/>
+          </p:nvPr>
+        </p:nvSpPr>
+        <p:spPr/>
+        <p:txBody>
+          <a:bodyPr/>
+          <a:lstStyle/>
+          <a:p>
+            <a:endParaRPr lang="en-US" dirty="0"/>
+          </a:p>
+        </p:txBody>
+      </p:sp>
+      <p:sp>
+        <p:nvSpPr>
+          <p:cNvPr id="6" name="Slide Number Placeholder 5"/>
+          <p:cNvSpPr>
+            <a:spLocks noGrp="1"/>
+          </p:cNvSpPr>
+          <p:nvPr>
+            <p:ph type="sldNum" sz="quarter" idx="12"/>
+          </p:nvPr>
+        </p:nvSpPr>
+        <p:spPr/>
+        <p:txBody>
+          <a:bodyPr/>
+          <a:lstStyle/>
+          <a:p>
+            <a:fld id="{17E276FA-8F89-B34D-A726-BE3FA1F8DD97}" type="slidenum">
+              <a:rPr lang="en-US" smtClean="0"/>
+              <a:t>15</a:t>
+            </a:fld>
+            <a:endParaRPr lang="en-US" dirty="0"/>
+          </a:p>
+        </p:txBody>
+      </p:sp>
+      <p:pic>
+        <p:nvPicPr>
+          <p:cNvPr id="7" name="Content Placeholder 6"/>
+          <p:cNvPicPr>
+            <a:picLocks noGrp="1" noChangeAspect="1"/>
+          </p:cNvPicPr>
+          <p:nvPr>
+            <p:ph idx="1"/>
+          </p:nvPr>
+        </p:nvPicPr>
+        <p:blipFill>
+          <a:blip r:embed="rId2"/>
+          <a:srcRect t="-46903" b="-46903"/>
+          <a:stretch>
+            <a:fillRect/>
+          </a:stretch>
+        </p:blipFill>
+        <p:spPr/>
+      </p:pic>
+    </p:spTree>
+    <p:extLst>
+      <p:ext uri="{BB962C8B-B14F-4D97-AF65-F5344CB8AC3E}">
+        <p14:creationId xmlns:p14="http://schemas.microsoft.com/office/powerpoint/2010/main" val="1395449403"/>
+      </p:ext>
+    </p:extLst>
+  </p:cSld>
+  <p:clrMapOvr>
+    <a:masterClrMapping/>
+  </p:clrMapOvr>
+  <p:timing>
+    <p:tnLst>
+      <p:par>
+        <p:cTn id="1" dur="indefinite" restart="never" nodeType="tmRoot"/>
+      </p:par>
+    </p:tnLst>
+  </p:timing>
+</p:sld>
+</file>
+
+<file path=ppt/slides/slide16.xml><?xml version="1.0" encoding="utf-8"?>
+<p:sld xmlns:a="http://schemas.openxmlformats.org/drawingml/2006/main" xmlns:r="http://schemas.openxmlformats.org/officeDocument/2006/relationships" xmlns:p="http://schemas.openxmlformats.org/presentationml/2006/main">
+  <p:cSld>
+    <p:spTree>
+      <p:nvGrpSpPr>
+        <p:cNvPr id="1" name=""/>
+        <p:cNvGrpSpPr/>
+        <p:nvPr/>
+      </p:nvGrpSpPr>
+      <p:grpSpPr>
+        <a:xfrm>
+          <a:off x="0" y="0"/>
+          <a:ext cx="0" cy="0"/>
+          <a:chOff x="0" y="0"/>
+          <a:chExt cx="0" cy="0"/>
+        </a:xfrm>
+      </p:grpSpPr>
+      <p:sp>
+        <p:nvSpPr>
+          <p:cNvPr id="2" name="Title 1"/>
+          <p:cNvSpPr>
+            <a:spLocks noGrp="1"/>
+          </p:cNvSpPr>
+          <p:nvPr>
+            <p:ph type="title"/>
+          </p:nvPr>
+        </p:nvSpPr>
+        <p:spPr/>
+        <p:txBody>
+          <a:bodyPr/>
+          <a:lstStyle/>
+          <a:p>
+            <a:r>
+              <a:rPr lang="en-US" dirty="0" smtClean="0"/>
+              <a:t>Now click on byte3</a:t>
+            </a:r>
+            <a:endParaRPr lang="en-US" dirty="0"/>
+          </a:p>
+        </p:txBody>
+      </p:sp>
+      <p:sp>
+        <p:nvSpPr>
+          <p:cNvPr id="4" name="Date Placeholder 3"/>
+          <p:cNvSpPr>
+            <a:spLocks noGrp="1"/>
+          </p:cNvSpPr>
+          <p:nvPr>
+            <p:ph type="dt" sz="half" idx="10"/>
+          </p:nvPr>
+        </p:nvSpPr>
+        <p:spPr/>
+        <p:txBody>
+          <a:bodyPr/>
+          <a:lstStyle/>
+          <a:p>
+            <a:fld id="{7053BEFA-1175-F644-B249-7D41D72BD3FF}" type="datetime1">
+              <a:rPr lang="en-US" smtClean="0"/>
+              <a:t>1/23/17</a:t>
+            </a:fld>
+            <a:endParaRPr lang="en-US"/>
+          </a:p>
+        </p:txBody>
+      </p:sp>
+      <p:sp>
+        <p:nvSpPr>
+          <p:cNvPr id="5" name="Footer Placeholder 4"/>
+          <p:cNvSpPr>
+            <a:spLocks noGrp="1"/>
+          </p:cNvSpPr>
+          <p:nvPr>
+            <p:ph type="ftr" sz="quarter" idx="11"/>
+          </p:nvPr>
+        </p:nvSpPr>
+        <p:spPr/>
+        <p:txBody>
+          <a:bodyPr/>
+          <a:lstStyle/>
+          <a:p>
+            <a:endParaRPr lang="en-US" dirty="0"/>
+          </a:p>
+        </p:txBody>
+      </p:sp>
+      <p:sp>
+        <p:nvSpPr>
+          <p:cNvPr id="6" name="Slide Number Placeholder 5"/>
+          <p:cNvSpPr>
+            <a:spLocks noGrp="1"/>
+          </p:cNvSpPr>
+          <p:nvPr>
+            <p:ph type="sldNum" sz="quarter" idx="12"/>
+          </p:nvPr>
+        </p:nvSpPr>
+        <p:spPr/>
+        <p:txBody>
+          <a:bodyPr/>
+          <a:lstStyle/>
+          <a:p>
+            <a:fld id="{17E276FA-8F89-B34D-A726-BE3FA1F8DD97}" type="slidenum">
+              <a:rPr lang="en-US" smtClean="0"/>
+              <a:t>16</a:t>
+            </a:fld>
+            <a:endParaRPr lang="en-US" dirty="0"/>
+          </a:p>
+        </p:txBody>
+      </p:sp>
+      <p:pic>
+        <p:nvPicPr>
+          <p:cNvPr id="8" name="Content Placeholder 7"/>
+          <p:cNvPicPr>
+            <a:picLocks noGrp="1" noChangeAspect="1"/>
+          </p:cNvPicPr>
+          <p:nvPr>
+            <p:ph idx="1"/>
+          </p:nvPr>
+        </p:nvPicPr>
+        <p:blipFill>
+          <a:blip r:embed="rId2"/>
+          <a:srcRect t="-23419" b="-23419"/>
+          <a:stretch>
+            <a:fillRect/>
+          </a:stretch>
+        </p:blipFill>
+        <p:spPr>
+          <a:xfrm>
+            <a:off x="1128713" y="1847850"/>
+            <a:ext cx="7048500" cy="4379913"/>
+          </a:xfrm>
+        </p:spPr>
+      </p:pic>
+    </p:spTree>
+    <p:extLst>
+      <p:ext uri="{BB962C8B-B14F-4D97-AF65-F5344CB8AC3E}">
+        <p14:creationId xmlns:p14="http://schemas.microsoft.com/office/powerpoint/2010/main" val="564561214"/>
+      </p:ext>
+    </p:extLst>
+  </p:cSld>
+  <p:clrMapOvr>
+    <a:masterClrMapping/>
+  </p:clrMapOvr>
+  <p:timing>
+    <p:tnLst>
+      <p:par>
+        <p:cTn id="1" dur="indefinite" restart="never" nodeType="tmRoot"/>
+      </p:par>
+    </p:tnLst>
+  </p:timing>
+</p:sld>
+</file>
+
+<file path=ppt/slides/slide17.xml><?xml version="1.0" encoding="utf-8"?>
+<p:sld xmlns:a="http://schemas.openxmlformats.org/drawingml/2006/main" xmlns:r="http://schemas.openxmlformats.org/officeDocument/2006/relationships" xmlns:p="http://schemas.openxmlformats.org/presentationml/2006/main">
+  <p:cSld>
+    <p:spTree>
+      <p:nvGrpSpPr>
+        <p:cNvPr id="1" name=""/>
+        <p:cNvGrpSpPr/>
+        <p:nvPr/>
+      </p:nvGrpSpPr>
+      <p:grpSpPr>
+        <a:xfrm>
+          <a:off x="0" y="0"/>
+          <a:ext cx="0" cy="0"/>
+          <a:chOff x="0" y="0"/>
+          <a:chExt cx="0" cy="0"/>
+        </a:xfrm>
+      </p:grpSpPr>
+      <p:sp>
+        <p:nvSpPr>
+          <p:cNvPr id="2" name="Title 1"/>
+          <p:cNvSpPr>
+            <a:spLocks noGrp="1"/>
+          </p:cNvSpPr>
+          <p:nvPr>
+            <p:ph type="title"/>
+          </p:nvPr>
+        </p:nvSpPr>
+        <p:spPr/>
+        <p:txBody>
+          <a:bodyPr/>
+          <a:lstStyle/>
+          <a:p>
+            <a:r>
+              <a:rPr lang="en-US" dirty="0" smtClean="0"/>
+              <a:t>Create a database in it</a:t>
+            </a:r>
+            <a:endParaRPr lang="en-US" dirty="0"/>
+          </a:p>
+        </p:txBody>
+      </p:sp>
+      <p:sp>
+        <p:nvSpPr>
+          <p:cNvPr id="4" name="Date Placeholder 3"/>
+          <p:cNvSpPr>
+            <a:spLocks noGrp="1"/>
+          </p:cNvSpPr>
+          <p:nvPr>
+            <p:ph type="dt" sz="half" idx="10"/>
+          </p:nvPr>
+        </p:nvSpPr>
+        <p:spPr/>
+        <p:txBody>
+          <a:bodyPr/>
+          <a:lstStyle/>
+          <a:p>
+            <a:fld id="{7053BEFA-1175-F644-B249-7D41D72BD3FF}" type="datetime1">
+              <a:rPr lang="en-US" smtClean="0"/>
+              <a:t>1/23/17</a:t>
+            </a:fld>
+            <a:endParaRPr lang="en-US"/>
+          </a:p>
+        </p:txBody>
+      </p:sp>
+      <p:sp>
+        <p:nvSpPr>
+          <p:cNvPr id="5" name="Footer Placeholder 4"/>
+          <p:cNvSpPr>
+            <a:spLocks noGrp="1"/>
+          </p:cNvSpPr>
+          <p:nvPr>
+            <p:ph type="ftr" sz="quarter" idx="11"/>
+          </p:nvPr>
+        </p:nvSpPr>
+        <p:spPr/>
+        <p:txBody>
+          <a:bodyPr/>
+          <a:lstStyle/>
+          <a:p>
+            <a:endParaRPr lang="en-US" dirty="0"/>
+          </a:p>
+        </p:txBody>
+      </p:sp>
+      <p:sp>
+        <p:nvSpPr>
+          <p:cNvPr id="6" name="Slide Number Placeholder 5"/>
+          <p:cNvSpPr>
+            <a:spLocks noGrp="1"/>
+          </p:cNvSpPr>
+          <p:nvPr>
+            <p:ph type="sldNum" sz="quarter" idx="12"/>
+          </p:nvPr>
+        </p:nvSpPr>
+        <p:spPr/>
+        <p:txBody>
+          <a:bodyPr/>
+          <a:lstStyle/>
+          <a:p>
+            <a:fld id="{17E276FA-8F89-B34D-A726-BE3FA1F8DD97}" type="slidenum">
+              <a:rPr lang="en-US" smtClean="0"/>
+              <a:t>17</a:t>
+            </a:fld>
+            <a:endParaRPr lang="en-US" dirty="0"/>
+          </a:p>
+        </p:txBody>
+      </p:sp>
+      <p:pic>
+        <p:nvPicPr>
+          <p:cNvPr id="7" name="Content Placeholder 6"/>
+          <p:cNvPicPr>
+            <a:picLocks noGrp="1" noChangeAspect="1"/>
+          </p:cNvPicPr>
+          <p:nvPr>
+            <p:ph idx="1"/>
+          </p:nvPr>
+        </p:nvPicPr>
+        <p:blipFill>
+          <a:blip r:embed="rId2"/>
+          <a:srcRect l="57" r="57"/>
+          <a:stretch>
+            <a:fillRect/>
+          </a:stretch>
+        </p:blipFill>
+        <p:spPr/>
+      </p:pic>
+    </p:spTree>
+    <p:extLst>
+      <p:ext uri="{BB962C8B-B14F-4D97-AF65-F5344CB8AC3E}">
+        <p14:creationId xmlns:p14="http://schemas.microsoft.com/office/powerpoint/2010/main" val="666558361"/>
+      </p:ext>
+    </p:extLst>
+  </p:cSld>
+  <p:clrMapOvr>
+    <a:masterClrMapping/>
+  </p:clrMapOvr>
+  <p:timing>
+    <p:tnLst>
+      <p:par>
+        <p:cTn id="1" dur="indefinite" restart="never" nodeType="tmRoot"/>
+      </p:par>
+    </p:tnLst>
+  </p:timing>
+</p:sld>
+</file>
+
+<file path=ppt/slides/slide18.xml><?xml version="1.0" encoding="utf-8"?>
+<p:sld xmlns:a="http://schemas.openxmlformats.org/drawingml/2006/main" xmlns:r="http://schemas.openxmlformats.org/officeDocument/2006/relationships" xmlns:p="http://schemas.openxmlformats.org/presentationml/2006/main">
+  <p:cSld>
+    <p:spTree>
+      <p:nvGrpSpPr>
+        <p:cNvPr id="1" name=""/>
+        <p:cNvGrpSpPr/>
+        <p:nvPr/>
+      </p:nvGrpSpPr>
+      <p:grpSpPr>
+        <a:xfrm>
+          <a:off x="0" y="0"/>
+          <a:ext cx="0" cy="0"/>
+          <a:chOff x="0" y="0"/>
+          <a:chExt cx="0" cy="0"/>
+        </a:xfrm>
+      </p:grpSpPr>
+      <p:sp>
+        <p:nvSpPr>
+          <p:cNvPr id="2" name="Title 1"/>
+          <p:cNvSpPr>
+            <a:spLocks noGrp="1"/>
+          </p:cNvSpPr>
+          <p:nvPr>
+            <p:ph type="title"/>
+          </p:nvPr>
+        </p:nvSpPr>
+        <p:spPr/>
+        <p:txBody>
+          <a:bodyPr/>
+          <a:lstStyle/>
+          <a:p>
+            <a:r>
+              <a:rPr lang="en-US" dirty="0" smtClean="0"/>
+              <a:t>Create a database in it</a:t>
+            </a:r>
+            <a:endParaRPr lang="en-US" dirty="0"/>
+          </a:p>
+        </p:txBody>
+      </p:sp>
+      <p:sp>
+        <p:nvSpPr>
+          <p:cNvPr id="4" name="Date Placeholder 3"/>
+          <p:cNvSpPr>
+            <a:spLocks noGrp="1"/>
+          </p:cNvSpPr>
+          <p:nvPr>
+            <p:ph type="dt" sz="half" idx="10"/>
+          </p:nvPr>
+        </p:nvSpPr>
+        <p:spPr/>
+        <p:txBody>
+          <a:bodyPr/>
+          <a:lstStyle/>
+          <a:p>
+            <a:fld id="{7053BEFA-1175-F644-B249-7D41D72BD3FF}" type="datetime1">
+              <a:rPr lang="en-US" smtClean="0"/>
+              <a:t>1/23/17</a:t>
+            </a:fld>
+            <a:endParaRPr lang="en-US"/>
+          </a:p>
+        </p:txBody>
+      </p:sp>
+      <p:sp>
+        <p:nvSpPr>
+          <p:cNvPr id="5" name="Footer Placeholder 4"/>
+          <p:cNvSpPr>
+            <a:spLocks noGrp="1"/>
+          </p:cNvSpPr>
+          <p:nvPr>
+            <p:ph type="ftr" sz="quarter" idx="11"/>
+          </p:nvPr>
+        </p:nvSpPr>
+        <p:spPr/>
+        <p:txBody>
+          <a:bodyPr/>
+          <a:lstStyle/>
+          <a:p>
+            <a:endParaRPr lang="en-US" dirty="0"/>
+          </a:p>
+        </p:txBody>
+      </p:sp>
+      <p:sp>
+        <p:nvSpPr>
+          <p:cNvPr id="6" name="Slide Number Placeholder 5"/>
+          <p:cNvSpPr>
+            <a:spLocks noGrp="1"/>
+          </p:cNvSpPr>
+          <p:nvPr>
+            <p:ph type="sldNum" sz="quarter" idx="12"/>
+          </p:nvPr>
+        </p:nvSpPr>
+        <p:spPr/>
+        <p:txBody>
+          <a:bodyPr/>
+          <a:lstStyle/>
+          <a:p>
+            <a:fld id="{17E276FA-8F89-B34D-A726-BE3FA1F8DD97}" type="slidenum">
+              <a:rPr lang="en-US" smtClean="0"/>
+              <a:t>18</a:t>
+            </a:fld>
+            <a:endParaRPr lang="en-US" dirty="0"/>
+          </a:p>
+        </p:txBody>
+      </p:sp>
+      <p:pic>
+        <p:nvPicPr>
+          <p:cNvPr id="8" name="Content Placeholder 7"/>
+          <p:cNvPicPr>
+            <a:picLocks noGrp="1" noChangeAspect="1"/>
+          </p:cNvPicPr>
+          <p:nvPr>
+            <p:ph idx="1"/>
+          </p:nvPr>
+        </p:nvPicPr>
+        <p:blipFill>
+          <a:blip r:embed="rId2"/>
+          <a:srcRect l="13265" r="13265"/>
+          <a:stretch>
+            <a:fillRect/>
+          </a:stretch>
+        </p:blipFill>
+        <p:spPr/>
+      </p:pic>
+    </p:spTree>
+    <p:extLst>
+      <p:ext uri="{BB962C8B-B14F-4D97-AF65-F5344CB8AC3E}">
+        <p14:creationId xmlns:p14="http://schemas.microsoft.com/office/powerpoint/2010/main" val="1687310214"/>
+      </p:ext>
+    </p:extLst>
+  </p:cSld>
+  <p:clrMapOvr>
+    <a:masterClrMapping/>
+  </p:clrMapOvr>
+  <p:timing>
+    <p:tnLst>
+      <p:par>
+        <p:cTn id="1" dur="indefinite" restart="never" nodeType="tmRoot"/>
+      </p:par>
+    </p:tnLst>
+  </p:timing>
+</p:sld>
+</file>
+
+<file path=ppt/slides/slide19.xml><?xml version="1.0" encoding="utf-8"?>
+<p:sld xmlns:a="http://schemas.openxmlformats.org/drawingml/2006/main" xmlns:r="http://schemas.openxmlformats.org/officeDocument/2006/relationships" xmlns:p="http://schemas.openxmlformats.org/presentationml/2006/main">
+  <p:cSld>
+    <p:spTree>
+      <p:nvGrpSpPr>
+        <p:cNvPr id="1" name=""/>
+        <p:cNvGrpSpPr/>
+        <p:nvPr/>
+      </p:nvGrpSpPr>
+      <p:grpSpPr>
+        <a:xfrm>
+          <a:off x="0" y="0"/>
+          <a:ext cx="0" cy="0"/>
+          <a:chOff x="0" y="0"/>
+          <a:chExt cx="0" cy="0"/>
+        </a:xfrm>
+      </p:grpSpPr>
+      <p:sp>
+        <p:nvSpPr>
+          <p:cNvPr id="2" name="Title 1"/>
+          <p:cNvSpPr>
+            <a:spLocks noGrp="1"/>
+          </p:cNvSpPr>
+          <p:nvPr>
+            <p:ph type="title"/>
+          </p:nvPr>
+        </p:nvSpPr>
+        <p:spPr/>
+        <p:txBody>
+          <a:bodyPr/>
+          <a:lstStyle/>
+          <a:p>
+            <a:r>
+              <a:rPr lang="en-US" dirty="0" smtClean="0"/>
+              <a:t>Import your data</a:t>
+            </a:r>
+            <a:endParaRPr lang="en-US" dirty="0"/>
+          </a:p>
+        </p:txBody>
+      </p:sp>
+      <p:sp>
+        <p:nvSpPr>
+          <p:cNvPr id="4" name="Date Placeholder 3"/>
+          <p:cNvSpPr>
+            <a:spLocks noGrp="1"/>
+          </p:cNvSpPr>
+          <p:nvPr>
+            <p:ph type="dt" sz="half" idx="10"/>
+          </p:nvPr>
+        </p:nvSpPr>
+        <p:spPr/>
+        <p:txBody>
+          <a:bodyPr/>
+          <a:lstStyle/>
+          <a:p>
+            <a:fld id="{7053BEFA-1175-F644-B249-7D41D72BD3FF}" type="datetime1">
+              <a:rPr lang="en-US" smtClean="0"/>
+              <a:t>1/23/17</a:t>
+            </a:fld>
+            <a:endParaRPr lang="en-US"/>
+          </a:p>
+        </p:txBody>
+      </p:sp>
+      <p:sp>
+        <p:nvSpPr>
+          <p:cNvPr id="5" name="Footer Placeholder 4"/>
+          <p:cNvSpPr>
+            <a:spLocks noGrp="1"/>
+          </p:cNvSpPr>
+          <p:nvPr>
+            <p:ph type="ftr" sz="quarter" idx="11"/>
+          </p:nvPr>
+        </p:nvSpPr>
+        <p:spPr/>
+        <p:txBody>
+          <a:bodyPr/>
+          <a:lstStyle/>
+          <a:p>
+            <a:endParaRPr lang="en-US" dirty="0"/>
+          </a:p>
+        </p:txBody>
+      </p:sp>
+      <p:sp>
+        <p:nvSpPr>
+          <p:cNvPr id="6" name="Slide Number Placeholder 5"/>
+          <p:cNvSpPr>
+            <a:spLocks noGrp="1"/>
+          </p:cNvSpPr>
+          <p:nvPr>
+            <p:ph type="sldNum" sz="quarter" idx="12"/>
+          </p:nvPr>
+        </p:nvSpPr>
+        <p:spPr/>
+        <p:txBody>
+          <a:bodyPr/>
+          <a:lstStyle/>
+          <a:p>
+            <a:fld id="{17E276FA-8F89-B34D-A726-BE3FA1F8DD97}" type="slidenum">
+              <a:rPr lang="en-US" smtClean="0"/>
+              <a:t>19</a:t>
+            </a:fld>
+            <a:endParaRPr lang="en-US" dirty="0"/>
+          </a:p>
+        </p:txBody>
+      </p:sp>
+      <p:pic>
+        <p:nvPicPr>
+          <p:cNvPr id="7" name="Content Placeholder 6"/>
+          <p:cNvPicPr>
+            <a:picLocks noGrp="1" noChangeAspect="1"/>
+          </p:cNvPicPr>
+          <p:nvPr>
+            <p:ph idx="1"/>
+          </p:nvPr>
+        </p:nvPicPr>
+        <p:blipFill>
+          <a:blip r:embed="rId2"/>
+          <a:srcRect l="17738" r="17738"/>
+          <a:stretch>
+            <a:fillRect/>
+          </a:stretch>
+        </p:blipFill>
+        <p:spPr/>
+      </p:pic>
+    </p:spTree>
+    <p:extLst>
+      <p:ext uri="{BB962C8B-B14F-4D97-AF65-F5344CB8AC3E}">
+        <p14:creationId xmlns:p14="http://schemas.microsoft.com/office/powerpoint/2010/main" val="2116767914"/>
+      </p:ext>
+    </p:extLst>
+  </p:cSld>
+  <p:clrMapOvr>
+    <a:masterClrMapping/>
+  </p:clrMapOvr>
+  <p:timing>
+    <p:tnLst>
+      <p:par>
+        <p:cTn id="1" dur="indefinite" restart="never" nodeType="tmRoot"/>
+      </p:par>
+    </p:tnLst>
+  </p:timing>
+</p:sld>
+</file>
+
+<file path=ppt/slides/slide2.xml><?xml version="1.0" encoding="utf-8"?>
+<p:sld xmlns:a="http://schemas.openxmlformats.org/drawingml/2006/main" xmlns:r="http://schemas.openxmlformats.org/officeDocument/2006/relationships" xmlns:p="http://schemas.openxmlformats.org/presentationml/2006/main">
+  <p:cSld>
+    <p:spTree>
+      <p:nvGrpSpPr>
+        <p:cNvPr id="1" name=""/>
+        <p:cNvGrpSpPr/>
+        <p:nvPr/>
+      </p:nvGrpSpPr>
+      <p:grpSpPr>
+        <a:xfrm>
+          <a:off x="0" y="0"/>
+          <a:ext cx="0" cy="0"/>
+          <a:chOff x="0" y="0"/>
+          <a:chExt cx="0" cy="0"/>
+        </a:xfrm>
+      </p:grpSpPr>
+      <p:sp>
+        <p:nvSpPr>
+          <p:cNvPr id="2" name="Title 1"/>
+          <p:cNvSpPr>
+            <a:spLocks noGrp="1"/>
+          </p:cNvSpPr>
+          <p:nvPr>
+            <p:ph type="title"/>
+          </p:nvPr>
+        </p:nvSpPr>
+        <p:spPr/>
+        <p:txBody>
+          <a:bodyPr/>
+          <a:lstStyle/>
+          <a:p>
+            <a:r>
+              <a:rPr lang="en-US" dirty="0" smtClean="0"/>
+              <a:t>Byte 3	</a:t>
+            </a:r>
+            <a:endParaRPr lang="en-US" dirty="0"/>
+          </a:p>
+        </p:txBody>
+      </p:sp>
+      <p:sp>
+        <p:nvSpPr>
+          <p:cNvPr id="3" name="Content Placeholder 2"/>
+          <p:cNvSpPr>
+            <a:spLocks noGrp="1"/>
+          </p:cNvSpPr>
+          <p:nvPr>
+            <p:ph idx="1"/>
+          </p:nvPr>
+        </p:nvSpPr>
+        <p:spPr/>
+        <p:txBody>
+          <a:bodyPr/>
+          <a:lstStyle/>
+          <a:p>
+            <a:pPr marL="0" indent="0">
+              <a:buNone/>
+            </a:pPr>
+            <a:r>
+              <a:rPr lang="en-US" dirty="0" smtClean="0"/>
+              <a:t>Learning Goals:</a:t>
+            </a:r>
+          </a:p>
+          <a:p>
+            <a:pPr lvl="1"/>
+            <a:r>
+              <a:rPr lang="en-US" dirty="0" smtClean="0"/>
+              <a:t>Explore the value of mobile data</a:t>
+            </a:r>
+          </a:p>
+          <a:p>
+            <a:pPr lvl="1"/>
+            <a:r>
+              <a:rPr lang="en-US" dirty="0" smtClean="0"/>
+              <a:t>Address data quality issues</a:t>
+            </a:r>
+          </a:p>
+          <a:p>
+            <a:pPr lvl="1"/>
+            <a:r>
+              <a:rPr lang="en-US" dirty="0" smtClean="0"/>
+              <a:t>Work with location based data</a:t>
+            </a:r>
+          </a:p>
+          <a:p>
+            <a:pPr lvl="1"/>
+            <a:r>
+              <a:rPr lang="en-US" dirty="0" smtClean="0"/>
+              <a:t>Learn about how to set up a data store in </a:t>
+            </a:r>
+            <a:r>
+              <a:rPr lang="en-US" dirty="0" err="1" smtClean="0"/>
+              <a:t>Appspot</a:t>
+            </a:r>
+            <a:endParaRPr lang="en-US" dirty="0" smtClean="0"/>
+          </a:p>
+        </p:txBody>
+      </p:sp>
+      <p:sp>
+        <p:nvSpPr>
+          <p:cNvPr id="4" name="Date Placeholder 3"/>
+          <p:cNvSpPr>
+            <a:spLocks noGrp="1"/>
+          </p:cNvSpPr>
+          <p:nvPr>
+            <p:ph type="dt" sz="half" idx="10"/>
+          </p:nvPr>
+        </p:nvSpPr>
+        <p:spPr/>
+        <p:txBody>
+          <a:bodyPr/>
+          <a:lstStyle/>
+          <a:p>
+            <a:fld id="{7053BEFA-1175-F644-B249-7D41D72BD3FF}" type="datetime1">
+              <a:rPr lang="en-US" smtClean="0"/>
+              <a:t>1/23/17</a:t>
+            </a:fld>
+            <a:endParaRPr lang="en-US" dirty="0"/>
+          </a:p>
+        </p:txBody>
+      </p:sp>
+      <p:sp>
+        <p:nvSpPr>
+          <p:cNvPr id="5" name="Footer Placeholder 4"/>
+          <p:cNvSpPr>
+            <a:spLocks noGrp="1"/>
+          </p:cNvSpPr>
+          <p:nvPr>
+            <p:ph type="ftr" sz="quarter" idx="11"/>
+          </p:nvPr>
+        </p:nvSpPr>
+        <p:spPr/>
+        <p:txBody>
+          <a:bodyPr/>
+          <a:lstStyle/>
+          <a:p>
+            <a:endParaRPr lang="en-US" dirty="0"/>
+          </a:p>
+        </p:txBody>
+      </p:sp>
+      <p:sp>
+        <p:nvSpPr>
+          <p:cNvPr id="6" name="Slide Number Placeholder 5"/>
+          <p:cNvSpPr>
+            <a:spLocks noGrp="1"/>
+          </p:cNvSpPr>
+          <p:nvPr>
+            <p:ph type="sldNum" sz="quarter" idx="12"/>
+          </p:nvPr>
+        </p:nvSpPr>
+        <p:spPr/>
+        <p:txBody>
+          <a:bodyPr/>
+          <a:lstStyle/>
+          <a:p>
+            <a:fld id="{17E276FA-8F89-B34D-A726-BE3FA1F8DD97}" type="slidenum">
+              <a:rPr lang="en-US" smtClean="0"/>
+              <a:t>2</a:t>
+            </a:fld>
+            <a:endParaRPr lang="en-US" dirty="0"/>
+          </a:p>
+        </p:txBody>
+      </p:sp>
+    </p:spTree>
+    <p:extLst>
+      <p:ext uri="{BB962C8B-B14F-4D97-AF65-F5344CB8AC3E}">
+        <p14:creationId xmlns:p14="http://schemas.microsoft.com/office/powerpoint/2010/main" val="1156379376"/>
+      </p:ext>
+    </p:extLst>
+  </p:cSld>
+  <p:clrMapOvr>
+    <a:masterClrMapping/>
+  </p:clrMapOvr>
+  <p:timing>
+    <p:tnLst>
+      <p:par>
+        <p:cTn id="1" dur="indefinite" restart="never" nodeType="tmRoot"/>
+      </p:par>
+    </p:tnLst>
+  </p:timing>
+</p:sld>
+</file>
+
+<file path=ppt/slides/slide20.xml><?xml version="1.0" encoding="utf-8"?>
+<p:sld xmlns:a="http://schemas.openxmlformats.org/drawingml/2006/main" xmlns:r="http://schemas.openxmlformats.org/officeDocument/2006/relationships" xmlns:p="http://schemas.openxmlformats.org/presentationml/2006/main">
+  <p:cSld>
+    <p:spTree>
+      <p:nvGrpSpPr>
+        <p:cNvPr id="1" name=""/>
+        <p:cNvGrpSpPr/>
+        <p:nvPr/>
+      </p:nvGrpSpPr>
+      <p:grpSpPr>
+        <a:xfrm>
+          <a:off x="0" y="0"/>
+          <a:ext cx="0" cy="0"/>
+          <a:chOff x="0" y="0"/>
+          <a:chExt cx="0" cy="0"/>
+        </a:xfrm>
+      </p:grpSpPr>
+      <p:sp>
+        <p:nvSpPr>
+          <p:cNvPr id="2" name="Title 1"/>
+          <p:cNvSpPr>
+            <a:spLocks noGrp="1"/>
+          </p:cNvSpPr>
+          <p:nvPr>
+            <p:ph type="title"/>
+          </p:nvPr>
+        </p:nvSpPr>
+        <p:spPr/>
+        <p:txBody>
+          <a:bodyPr/>
+          <a:lstStyle/>
+          <a:p>
+            <a:r>
+              <a:rPr lang="en-US" dirty="0" smtClean="0"/>
+              <a:t>Accessing MySQL from python</a:t>
+            </a:r>
+            <a:endParaRPr lang="en-US" dirty="0"/>
+          </a:p>
+        </p:txBody>
+      </p:sp>
+      <p:sp>
+        <p:nvSpPr>
+          <p:cNvPr id="3" name="Content Placeholder 2"/>
+          <p:cNvSpPr>
+            <a:spLocks noGrp="1"/>
+          </p:cNvSpPr>
+          <p:nvPr>
+            <p:ph idx="1"/>
+          </p:nvPr>
+        </p:nvSpPr>
+        <p:spPr/>
+        <p:txBody>
+          <a:bodyPr/>
+          <a:lstStyle/>
+          <a:p>
+            <a:pPr marL="0" indent="0">
+              <a:buNone/>
+            </a:pPr>
+            <a:r>
+              <a:rPr lang="en-US" dirty="0" err="1" smtClean="0"/>
+              <a:t>db</a:t>
+            </a:r>
+            <a:r>
+              <a:rPr lang="en-US" dirty="0" smtClean="0"/>
+              <a:t> </a:t>
+            </a:r>
+            <a:r>
+              <a:rPr lang="en-US" dirty="0"/>
+              <a:t>= </a:t>
+            </a:r>
+            <a:r>
+              <a:rPr lang="en-US" dirty="0" err="1"/>
+              <a:t>MySQLdb.connect</a:t>
+            </a:r>
+            <a:r>
+              <a:rPr lang="en-US" dirty="0"/>
+              <a:t>(</a:t>
+            </a:r>
+            <a:r>
+              <a:rPr lang="en-US" dirty="0" err="1"/>
+              <a:t>unix_socket</a:t>
+            </a:r>
+            <a:r>
+              <a:rPr lang="en-US" dirty="0"/>
+              <a:t>='/</a:t>
+            </a:r>
+            <a:r>
+              <a:rPr lang="en-US" dirty="0" err="1"/>
+              <a:t>cloudsql</a:t>
+            </a:r>
+            <a:r>
+              <a:rPr lang="en-US" dirty="0"/>
+              <a:t>/' + _INSTANCE_NAME, </a:t>
+            </a:r>
+            <a:r>
+              <a:rPr lang="en-US" dirty="0" err="1"/>
+              <a:t>db</a:t>
+            </a:r>
+            <a:r>
+              <a:rPr lang="en-US" dirty="0"/>
+              <a:t>=_DB, user='root')</a:t>
+            </a:r>
+          </a:p>
+          <a:p>
+            <a:pPr marL="0" indent="0">
+              <a:buNone/>
+            </a:pPr>
+            <a:r>
+              <a:rPr lang="en-US" dirty="0" smtClean="0"/>
+              <a:t>cursor </a:t>
+            </a:r>
+            <a:r>
+              <a:rPr lang="en-US" dirty="0"/>
+              <a:t>= </a:t>
+            </a:r>
+            <a:r>
+              <a:rPr lang="en-US" dirty="0" err="1"/>
+              <a:t>db.cursor</a:t>
+            </a:r>
+            <a:r>
+              <a:rPr lang="en-US" dirty="0"/>
+              <a:t>(</a:t>
+            </a:r>
+            <a:r>
+              <a:rPr lang="en-US" dirty="0" smtClean="0"/>
+              <a:t>)</a:t>
+            </a:r>
+            <a:endParaRPr lang="en-US" dirty="0"/>
+          </a:p>
+          <a:p>
+            <a:r>
+              <a:rPr lang="en-US" dirty="0" smtClean="0"/>
+              <a:t>Helper function – prints result to log</a:t>
+            </a:r>
+          </a:p>
+          <a:p>
+            <a:pPr marL="0" indent="0">
+              <a:buNone/>
+            </a:pPr>
+            <a:r>
+              <a:rPr lang="en-US" dirty="0" err="1" smtClean="0"/>
+              <a:t>self.make_and_print_query</a:t>
+            </a:r>
+            <a:r>
+              <a:rPr lang="en-US" dirty="0"/>
+              <a:t>(cursor, 'SHOW TABLES', 'Show the names of all tables'</a:t>
+            </a:r>
+            <a:r>
+              <a:rPr lang="en-US" dirty="0" smtClean="0"/>
+              <a:t>)</a:t>
+            </a:r>
+          </a:p>
+          <a:p>
+            <a:r>
+              <a:rPr lang="en-US" dirty="0" smtClean="0"/>
+              <a:t>Helper function – returns result as list</a:t>
+            </a:r>
+          </a:p>
+          <a:p>
+            <a:pPr marL="0" indent="0">
+              <a:buNone/>
+            </a:pPr>
+            <a:r>
+              <a:rPr lang="en-US" dirty="0"/>
+              <a:t> rows = </a:t>
+            </a:r>
+            <a:r>
+              <a:rPr lang="en-US" dirty="0" err="1"/>
+              <a:t>self.make_query</a:t>
+            </a:r>
+            <a:r>
+              <a:rPr lang="en-US" dirty="0"/>
+              <a:t>(cursor, query</a:t>
+            </a:r>
+            <a:r>
+              <a:rPr lang="en-US" dirty="0" smtClean="0"/>
+              <a:t>)</a:t>
+            </a:r>
+          </a:p>
+          <a:p>
+            <a:pPr marL="0" indent="0">
+              <a:buNone/>
+            </a:pPr>
+            <a:endParaRPr lang="en-US" dirty="0"/>
+          </a:p>
+        </p:txBody>
+      </p:sp>
+      <p:sp>
+        <p:nvSpPr>
+          <p:cNvPr id="4" name="Date Placeholder 3"/>
+          <p:cNvSpPr>
+            <a:spLocks noGrp="1"/>
+          </p:cNvSpPr>
+          <p:nvPr>
+            <p:ph type="dt" sz="half" idx="10"/>
+          </p:nvPr>
+        </p:nvSpPr>
+        <p:spPr/>
+        <p:txBody>
+          <a:bodyPr/>
+          <a:lstStyle/>
+          <a:p>
+            <a:fld id="{7053BEFA-1175-F644-B249-7D41D72BD3FF}" type="datetime1">
+              <a:rPr lang="en-US" smtClean="0"/>
+              <a:t>1/23/17</a:t>
+            </a:fld>
+            <a:endParaRPr lang="en-US"/>
+          </a:p>
+        </p:txBody>
+      </p:sp>
+      <p:sp>
+        <p:nvSpPr>
+          <p:cNvPr id="5" name="Footer Placeholder 4"/>
+          <p:cNvSpPr>
+            <a:spLocks noGrp="1"/>
+          </p:cNvSpPr>
+          <p:nvPr>
+            <p:ph type="ftr" sz="quarter" idx="11"/>
+          </p:nvPr>
+        </p:nvSpPr>
+        <p:spPr/>
+        <p:txBody>
+          <a:bodyPr/>
+          <a:lstStyle/>
+          <a:p>
+            <a:endParaRPr lang="en-US" dirty="0"/>
+          </a:p>
+        </p:txBody>
+      </p:sp>
+      <p:sp>
+        <p:nvSpPr>
+          <p:cNvPr id="6" name="Slide Number Placeholder 5"/>
+          <p:cNvSpPr>
+            <a:spLocks noGrp="1"/>
+          </p:cNvSpPr>
+          <p:nvPr>
+            <p:ph type="sldNum" sz="quarter" idx="12"/>
+          </p:nvPr>
+        </p:nvSpPr>
+        <p:spPr/>
+        <p:txBody>
+          <a:bodyPr/>
+          <a:lstStyle/>
+          <a:p>
+            <a:fld id="{17E276FA-8F89-B34D-A726-BE3FA1F8DD97}" type="slidenum">
+              <a:rPr lang="en-US" smtClean="0"/>
+              <a:t>20</a:t>
+            </a:fld>
+            <a:endParaRPr lang="en-US" dirty="0"/>
+          </a:p>
+        </p:txBody>
+      </p:sp>
+    </p:spTree>
+    <p:extLst>
+      <p:ext uri="{BB962C8B-B14F-4D97-AF65-F5344CB8AC3E}">
+        <p14:creationId xmlns:p14="http://schemas.microsoft.com/office/powerpoint/2010/main" val="4093573450"/>
+      </p:ext>
+    </p:extLst>
+  </p:cSld>
+  <p:clrMapOvr>
+    <a:masterClrMapping/>
+  </p:clrMapOvr>
+  <p:timing>
+    <p:tnLst>
+      <p:par>
+        <p:cTn id="1" dur="indefinite" restart="never" nodeType="tmRoot"/>
+      </p:par>
+    </p:tnLst>
+  </p:timing>
+</p:sld>
+</file>
+
+<file path=ppt/slides/slide21.xml><?xml version="1.0" encoding="utf-8"?>
+<p:sld xmlns:a="http://schemas.openxmlformats.org/drawingml/2006/main" xmlns:r="http://schemas.openxmlformats.org/officeDocument/2006/relationships" xmlns:p="http://schemas.openxmlformats.org/presentationml/2006/main">
+  <p:cSld>
+    <p:spTree>
+      <p:nvGrpSpPr>
+        <p:cNvPr id="1" name=""/>
+        <p:cNvGrpSpPr/>
+        <p:nvPr/>
+      </p:nvGrpSpPr>
+      <p:grpSpPr>
+        <a:xfrm>
+          <a:off x="0" y="0"/>
+          <a:ext cx="0" cy="0"/>
+          <a:chOff x="0" y="0"/>
+          <a:chExt cx="0" cy="0"/>
+        </a:xfrm>
+      </p:grpSpPr>
+      <p:sp>
+        <p:nvSpPr>
+          <p:cNvPr id="2" name="Title 1"/>
+          <p:cNvSpPr>
+            <a:spLocks noGrp="1"/>
+          </p:cNvSpPr>
+          <p:nvPr>
+            <p:ph type="title"/>
+          </p:nvPr>
+        </p:nvSpPr>
+        <p:spPr/>
+        <p:txBody>
+          <a:bodyPr/>
+          <a:lstStyle/>
+          <a:p>
+            <a:r>
+              <a:rPr lang="en-US" dirty="0" smtClean="0"/>
+              <a:t>Debugging this assignment</a:t>
+            </a:r>
+            <a:endParaRPr lang="en-US" dirty="0"/>
+          </a:p>
+        </p:txBody>
+      </p:sp>
+      <p:sp>
+        <p:nvSpPr>
+          <p:cNvPr id="3" name="Content Placeholder 2"/>
+          <p:cNvSpPr>
+            <a:spLocks noGrp="1"/>
+          </p:cNvSpPr>
+          <p:nvPr>
+            <p:ph idx="1"/>
+          </p:nvPr>
+        </p:nvSpPr>
+        <p:spPr/>
+        <p:txBody>
+          <a:bodyPr/>
+          <a:lstStyle/>
+          <a:p>
+            <a:r>
+              <a:rPr lang="en-US" dirty="0" smtClean="0"/>
+              <a:t>Server side debugging is a bit of a pain</a:t>
+            </a:r>
+          </a:p>
+          <a:p>
+            <a:r>
+              <a:rPr lang="en-US" dirty="0" smtClean="0"/>
+              <a:t>Google helps though – provides access to logs</a:t>
+            </a:r>
+          </a:p>
+          <a:p>
+            <a:pPr lvl="1"/>
+            <a:endParaRPr lang="en-US" dirty="0"/>
+          </a:p>
+        </p:txBody>
+      </p:sp>
+      <p:sp>
+        <p:nvSpPr>
+          <p:cNvPr id="4" name="Date Placeholder 3"/>
+          <p:cNvSpPr>
+            <a:spLocks noGrp="1"/>
+          </p:cNvSpPr>
+          <p:nvPr>
+            <p:ph type="dt" sz="half" idx="10"/>
+          </p:nvPr>
+        </p:nvSpPr>
+        <p:spPr/>
+        <p:txBody>
+          <a:bodyPr/>
+          <a:lstStyle/>
+          <a:p>
+            <a:fld id="{7053BEFA-1175-F644-B249-7D41D72BD3FF}" type="datetime1">
+              <a:rPr lang="en-US" smtClean="0"/>
+              <a:t>1/23/17</a:t>
+            </a:fld>
+            <a:endParaRPr lang="en-US"/>
+          </a:p>
+        </p:txBody>
+      </p:sp>
+      <p:sp>
+        <p:nvSpPr>
+          <p:cNvPr id="5" name="Footer Placeholder 4"/>
+          <p:cNvSpPr>
+            <a:spLocks noGrp="1"/>
+          </p:cNvSpPr>
+          <p:nvPr>
+            <p:ph type="ftr" sz="quarter" idx="11"/>
+          </p:nvPr>
+        </p:nvSpPr>
+        <p:spPr/>
+        <p:txBody>
+          <a:bodyPr/>
+          <a:lstStyle/>
+          <a:p>
+            <a:endParaRPr lang="en-US" dirty="0"/>
+          </a:p>
+        </p:txBody>
+      </p:sp>
+      <p:sp>
+        <p:nvSpPr>
+          <p:cNvPr id="6" name="Slide Number Placeholder 5"/>
+          <p:cNvSpPr>
+            <a:spLocks noGrp="1"/>
+          </p:cNvSpPr>
+          <p:nvPr>
+            <p:ph type="sldNum" sz="quarter" idx="12"/>
+          </p:nvPr>
+        </p:nvSpPr>
+        <p:spPr/>
+        <p:txBody>
+          <a:bodyPr/>
+          <a:lstStyle/>
+          <a:p>
+            <a:fld id="{17E276FA-8F89-B34D-A726-BE3FA1F8DD97}" type="slidenum">
+              <a:rPr lang="en-US" smtClean="0"/>
+              <a:t>21</a:t>
+            </a:fld>
+            <a:endParaRPr lang="en-US" dirty="0"/>
+          </a:p>
+        </p:txBody>
+      </p:sp>
+      <p:pic>
+        <p:nvPicPr>
+          <p:cNvPr id="7" name="Picture 6"/>
+          <p:cNvPicPr>
+            <a:picLocks noChangeAspect="1"/>
+          </p:cNvPicPr>
+          <p:nvPr/>
+        </p:nvPicPr>
+        <p:blipFill>
+          <a:blip r:embed="rId2"/>
+          <a:stretch>
+            <a:fillRect/>
+          </a:stretch>
+        </p:blipFill>
+        <p:spPr>
+          <a:xfrm>
+            <a:off x="0" y="3460837"/>
+            <a:ext cx="9144000" cy="3127761"/>
+          </a:xfrm>
+          <a:prstGeom prst="rect">
+            <a:avLst/>
+          </a:prstGeom>
+        </p:spPr>
+      </p:pic>
+    </p:spTree>
+    <p:extLst>
+      <p:ext uri="{BB962C8B-B14F-4D97-AF65-F5344CB8AC3E}">
+        <p14:creationId xmlns:p14="http://schemas.microsoft.com/office/powerpoint/2010/main" val="2537570694"/>
+      </p:ext>
+    </p:extLst>
+  </p:cSld>
+  <p:clrMapOvr>
+    <a:masterClrMapping/>
+  </p:clrMapOvr>
+  <p:timing>
+    <p:tnLst>
+      <p:par>
+        <p:cTn id="1" dur="indefinite" restart="never" nodeType="tmRoot"/>
+      </p:par>
+    </p:tnLst>
+  </p:timing>
+</p:sld>
+</file>
+
+<file path=ppt/slides/slide22.xml><?xml version="1.0" encoding="utf-8"?>
+<p:sld xmlns:a="http://schemas.openxmlformats.org/drawingml/2006/main" xmlns:r="http://schemas.openxmlformats.org/officeDocument/2006/relationships" xmlns:p="http://schemas.openxmlformats.org/presentationml/2006/main">
+  <p:cSld>
+    <p:spTree>
+      <p:nvGrpSpPr>
+        <p:cNvPr id="1" name=""/>
+        <p:cNvGrpSpPr/>
+        <p:nvPr/>
+      </p:nvGrpSpPr>
+      <p:grpSpPr>
+        <a:xfrm>
+          <a:off x="0" y="0"/>
+          <a:ext cx="0" cy="0"/>
+          <a:chOff x="0" y="0"/>
+          <a:chExt cx="0" cy="0"/>
+        </a:xfrm>
+      </p:grpSpPr>
+      <p:sp>
+        <p:nvSpPr>
+          <p:cNvPr id="2" name="Title 1"/>
+          <p:cNvSpPr>
+            <a:spLocks noGrp="1"/>
+          </p:cNvSpPr>
+          <p:nvPr>
+            <p:ph type="title"/>
+          </p:nvPr>
+        </p:nvSpPr>
+        <p:spPr/>
+        <p:txBody>
+          <a:bodyPr/>
+          <a:lstStyle/>
+          <a:p>
+            <a:r>
+              <a:rPr lang="en-US" dirty="0" smtClean="0"/>
+              <a:t>More Debugging</a:t>
+            </a:r>
+            <a:endParaRPr lang="en-US" dirty="0"/>
+          </a:p>
+        </p:txBody>
+      </p:sp>
+      <p:sp>
+        <p:nvSpPr>
+          <p:cNvPr id="3" name="Content Placeholder 2"/>
+          <p:cNvSpPr>
+            <a:spLocks noGrp="1"/>
+          </p:cNvSpPr>
+          <p:nvPr>
+            <p:ph idx="1"/>
+          </p:nvPr>
+        </p:nvSpPr>
+        <p:spPr/>
+        <p:txBody>
+          <a:bodyPr/>
+          <a:lstStyle/>
+          <a:p>
+            <a:r>
+              <a:rPr lang="en-US" dirty="0" smtClean="0"/>
+              <a:t>My helper function prints recent SQL commands to log and catches SQL query errors</a:t>
+            </a:r>
+          </a:p>
+          <a:p>
+            <a:r>
+              <a:rPr lang="en-US" dirty="0" smtClean="0"/>
+              <a:t>You may also see errors show up in the [</a:t>
+            </a:r>
+            <a:r>
+              <a:rPr lang="en-US" dirty="0" err="1" smtClean="0"/>
+              <a:t>projectname</a:t>
+            </a:r>
+            <a:r>
+              <a:rPr lang="en-US" dirty="0" smtClean="0"/>
+              <a:t>]-byte4 browser window</a:t>
+            </a:r>
+            <a:endParaRPr lang="en-US" dirty="0"/>
+          </a:p>
+        </p:txBody>
+      </p:sp>
+      <p:sp>
+        <p:nvSpPr>
+          <p:cNvPr id="4" name="Date Placeholder 3"/>
+          <p:cNvSpPr>
+            <a:spLocks noGrp="1"/>
+          </p:cNvSpPr>
+          <p:nvPr>
+            <p:ph type="dt" sz="half" idx="10"/>
+          </p:nvPr>
+        </p:nvSpPr>
+        <p:spPr/>
+        <p:txBody>
+          <a:bodyPr/>
+          <a:lstStyle/>
+          <a:p>
+            <a:fld id="{7053BEFA-1175-F644-B249-7D41D72BD3FF}" type="datetime1">
+              <a:rPr lang="en-US" smtClean="0"/>
+              <a:t>1/23/17</a:t>
+            </a:fld>
+            <a:endParaRPr lang="en-US"/>
+          </a:p>
+        </p:txBody>
+      </p:sp>
+      <p:sp>
+        <p:nvSpPr>
+          <p:cNvPr id="5" name="Footer Placeholder 4"/>
+          <p:cNvSpPr>
+            <a:spLocks noGrp="1"/>
+          </p:cNvSpPr>
+          <p:nvPr>
+            <p:ph type="ftr" sz="quarter" idx="11"/>
+          </p:nvPr>
+        </p:nvSpPr>
+        <p:spPr/>
+        <p:txBody>
+          <a:bodyPr/>
+          <a:lstStyle/>
+          <a:p>
+            <a:endParaRPr lang="en-US" dirty="0"/>
+          </a:p>
+        </p:txBody>
+      </p:sp>
+      <p:sp>
+        <p:nvSpPr>
+          <p:cNvPr id="6" name="Slide Number Placeholder 5"/>
+          <p:cNvSpPr>
+            <a:spLocks noGrp="1"/>
+          </p:cNvSpPr>
+          <p:nvPr>
+            <p:ph type="sldNum" sz="quarter" idx="12"/>
+          </p:nvPr>
+        </p:nvSpPr>
+        <p:spPr/>
+        <p:txBody>
+          <a:bodyPr/>
+          <a:lstStyle/>
+          <a:p>
+            <a:fld id="{17E276FA-8F89-B34D-A726-BE3FA1F8DD97}" type="slidenum">
+              <a:rPr lang="en-US" smtClean="0"/>
+              <a:t>22</a:t>
+            </a:fld>
+            <a:endParaRPr lang="en-US" dirty="0"/>
+          </a:p>
+        </p:txBody>
+      </p:sp>
+    </p:spTree>
+    <p:extLst>
+      <p:ext uri="{BB962C8B-B14F-4D97-AF65-F5344CB8AC3E}">
+        <p14:creationId xmlns:p14="http://schemas.microsoft.com/office/powerpoint/2010/main" val="2250825258"/>
+      </p:ext>
+    </p:extLst>
+  </p:cSld>
+  <p:clrMapOvr>
+    <a:masterClrMapping/>
+  </p:clrMapOvr>
+  <p:timing>
+    <p:tnLst>
+      <p:par>
+        <p:cTn id="1" dur="indefinite" restart="never" nodeType="tmRoot"/>
+      </p:par>
+    </p:tnLst>
+  </p:timing>
+</p:sld>
+</file>
+
+<file path=ppt/slides/slide23.xml><?xml version="1.0" encoding="utf-8"?>
+<p:sld xmlns:a="http://schemas.openxmlformats.org/drawingml/2006/main" xmlns:r="http://schemas.openxmlformats.org/officeDocument/2006/relationships" xmlns:p="http://schemas.openxmlformats.org/presentationml/2006/main">
+  <p:cSld>
+    <p:spTree>
+      <p:nvGrpSpPr>
+        <p:cNvPr id="1" name=""/>
+        <p:cNvGrpSpPr/>
+        <p:nvPr/>
+      </p:nvGrpSpPr>
+      <p:grpSpPr>
+        <a:xfrm>
+          <a:off x="0" y="0"/>
+          <a:ext cx="0" cy="0"/>
+          <a:chOff x="0" y="0"/>
+          <a:chExt cx="0" cy="0"/>
+        </a:xfrm>
+      </p:grpSpPr>
+      <p:sp>
+        <p:nvSpPr>
+          <p:cNvPr id="2" name="Title 1"/>
+          <p:cNvSpPr>
+            <a:spLocks noGrp="1"/>
+          </p:cNvSpPr>
+          <p:nvPr>
+            <p:ph type="title"/>
+          </p:nvPr>
+        </p:nvSpPr>
+        <p:spPr/>
+        <p:txBody>
+          <a:bodyPr/>
+          <a:lstStyle/>
+          <a:p>
+            <a:r>
+              <a:rPr lang="en-US" dirty="0" smtClean="0"/>
+              <a:t>What do can need to do with mobile data?</a:t>
+            </a:r>
+            <a:endParaRPr lang="en-US" dirty="0"/>
+          </a:p>
+        </p:txBody>
+      </p:sp>
+      <p:sp>
+        <p:nvSpPr>
+          <p:cNvPr id="3" name="Content Placeholder 2"/>
+          <p:cNvSpPr>
+            <a:spLocks noGrp="1"/>
+          </p:cNvSpPr>
+          <p:nvPr>
+            <p:ph idx="1"/>
+          </p:nvPr>
+        </p:nvSpPr>
+        <p:spPr/>
+        <p:txBody>
+          <a:bodyPr/>
+          <a:lstStyle/>
+          <a:p>
+            <a:r>
+              <a:rPr lang="en-US" dirty="0" smtClean="0"/>
+              <a:t>Cleaning: can you tell when the phone is off? (not a focus of this byte)</a:t>
+            </a:r>
+          </a:p>
+          <a:p>
+            <a:r>
+              <a:rPr lang="en-US" dirty="0" smtClean="0"/>
+              <a:t>Organizing: identifying common locations (what the byte walks you through)</a:t>
+            </a:r>
+          </a:p>
+          <a:p>
+            <a:r>
+              <a:rPr lang="en-US" dirty="0" smtClean="0"/>
+              <a:t>Associating: connecting activities to other context (we explore location + activity, homework is to explore time + activity)</a:t>
+            </a:r>
+          </a:p>
+          <a:p>
+            <a:endParaRPr lang="en-US" dirty="0"/>
+          </a:p>
+        </p:txBody>
+      </p:sp>
+      <p:sp>
+        <p:nvSpPr>
+          <p:cNvPr id="4" name="Date Placeholder 3"/>
+          <p:cNvSpPr>
+            <a:spLocks noGrp="1"/>
+          </p:cNvSpPr>
+          <p:nvPr>
+            <p:ph type="dt" sz="half" idx="10"/>
+          </p:nvPr>
+        </p:nvSpPr>
+        <p:spPr/>
+        <p:txBody>
+          <a:bodyPr/>
+          <a:lstStyle/>
+          <a:p>
+            <a:fld id="{7053BEFA-1175-F644-B249-7D41D72BD3FF}" type="datetime1">
+              <a:rPr lang="en-US" smtClean="0"/>
+              <a:t>1/23/17</a:t>
+            </a:fld>
+            <a:endParaRPr lang="en-US"/>
+          </a:p>
+        </p:txBody>
+      </p:sp>
+      <p:sp>
+        <p:nvSpPr>
+          <p:cNvPr id="5" name="Footer Placeholder 4"/>
+          <p:cNvSpPr>
+            <a:spLocks noGrp="1"/>
+          </p:cNvSpPr>
+          <p:nvPr>
+            <p:ph type="ftr" sz="quarter" idx="11"/>
+          </p:nvPr>
+        </p:nvSpPr>
+        <p:spPr/>
+        <p:txBody>
+          <a:bodyPr/>
+          <a:lstStyle/>
+          <a:p>
+            <a:endParaRPr lang="en-US" dirty="0"/>
+          </a:p>
+        </p:txBody>
+      </p:sp>
+      <p:sp>
+        <p:nvSpPr>
+          <p:cNvPr id="6" name="Slide Number Placeholder 5"/>
+          <p:cNvSpPr>
+            <a:spLocks noGrp="1"/>
+          </p:cNvSpPr>
+          <p:nvPr>
+            <p:ph type="sldNum" sz="quarter" idx="12"/>
+          </p:nvPr>
+        </p:nvSpPr>
+        <p:spPr/>
+        <p:txBody>
+          <a:bodyPr/>
+          <a:lstStyle/>
+          <a:p>
+            <a:fld id="{17E276FA-8F89-B34D-A726-BE3FA1F8DD97}" type="slidenum">
+              <a:rPr lang="en-US" smtClean="0"/>
+              <a:t>23</a:t>
+            </a:fld>
+            <a:endParaRPr lang="en-US" dirty="0"/>
+          </a:p>
+        </p:txBody>
+      </p:sp>
+    </p:spTree>
+    <p:extLst>
+      <p:ext uri="{BB962C8B-B14F-4D97-AF65-F5344CB8AC3E}">
+        <p14:creationId xmlns:p14="http://schemas.microsoft.com/office/powerpoint/2010/main" val="4058846990"/>
+      </p:ext>
+    </p:extLst>
+  </p:cSld>
+  <p:clrMapOvr>
+    <a:masterClrMapping/>
+  </p:clrMapOvr>
+  <p:timing>
+    <p:tnLst>
+      <p:par>
+        <p:cTn id="1" dur="indefinite" restart="never" nodeType="tmRoot"/>
+      </p:par>
+    </p:tnLst>
+  </p:timing>
+</p:sld>
+</file>
+
+<file path=ppt/slides/slide24.xml><?xml version="1.0" encoding="utf-8"?>
+<p:sld xmlns:a="http://schemas.openxmlformats.org/drawingml/2006/main" xmlns:r="http://schemas.openxmlformats.org/officeDocument/2006/relationships" xmlns:p="http://schemas.openxmlformats.org/presentationml/2006/main">
+  <p:cSld>
+    <p:spTree>
+      <p:nvGrpSpPr>
+        <p:cNvPr id="1" name=""/>
+        <p:cNvGrpSpPr/>
+        <p:nvPr/>
+      </p:nvGrpSpPr>
+      <p:grpSpPr>
+        <a:xfrm>
+          <a:off x="0" y="0"/>
+          <a:ext cx="0" cy="0"/>
+          <a:chOff x="0" y="0"/>
+          <a:chExt cx="0" cy="0"/>
+        </a:xfrm>
+      </p:grpSpPr>
+      <p:sp>
+        <p:nvSpPr>
+          <p:cNvPr id="2" name="Title 1"/>
+          <p:cNvSpPr>
+            <a:spLocks noGrp="1"/>
+          </p:cNvSpPr>
+          <p:nvPr>
+            <p:ph type="title"/>
+          </p:nvPr>
+        </p:nvSpPr>
+        <p:spPr/>
+        <p:txBody>
+          <a:bodyPr/>
+          <a:lstStyle/>
+          <a:p>
+            <a:r>
+              <a:rPr lang="en-US" dirty="0" smtClean="0"/>
+              <a:t>Basic Hand In Expectations</a:t>
+            </a:r>
+            <a:endParaRPr lang="en-US" dirty="0"/>
+          </a:p>
+        </p:txBody>
+      </p:sp>
+      <p:sp>
+        <p:nvSpPr>
+          <p:cNvPr id="3" name="Content Placeholder 2"/>
+          <p:cNvSpPr>
+            <a:spLocks noGrp="1"/>
+          </p:cNvSpPr>
+          <p:nvPr>
+            <p:ph idx="1"/>
+          </p:nvPr>
+        </p:nvSpPr>
+        <p:spPr/>
+        <p:txBody>
+          <a:bodyPr/>
+          <a:lstStyle/>
+          <a:p>
+            <a:r>
+              <a:rPr lang="en-US" dirty="0" smtClean="0"/>
+              <a:t>Improve the location binning by picking a better epsilon</a:t>
+            </a:r>
+          </a:p>
+          <a:p>
+            <a:r>
+              <a:rPr lang="en-US" dirty="0" smtClean="0"/>
+              <a:t>Explore relationship </a:t>
+            </a:r>
+            <a:r>
+              <a:rPr lang="en-US" dirty="0"/>
+              <a:t>between time and </a:t>
+            </a:r>
+            <a:r>
+              <a:rPr lang="en-US" dirty="0" smtClean="0"/>
+              <a:t>activity (your main job on this assignment)</a:t>
+            </a:r>
+            <a:endParaRPr lang="en-US" dirty="0"/>
+          </a:p>
+          <a:p>
+            <a:r>
+              <a:rPr lang="en-US" dirty="0" smtClean="0"/>
+              <a:t>Display the results (more nicely than I do!)</a:t>
+            </a:r>
+            <a:endParaRPr lang="en-US" dirty="0"/>
+          </a:p>
+        </p:txBody>
+      </p:sp>
+      <p:sp>
+        <p:nvSpPr>
+          <p:cNvPr id="4" name="Date Placeholder 3"/>
+          <p:cNvSpPr>
+            <a:spLocks noGrp="1"/>
+          </p:cNvSpPr>
+          <p:nvPr>
+            <p:ph type="dt" sz="half" idx="10"/>
+          </p:nvPr>
+        </p:nvSpPr>
+        <p:spPr/>
+        <p:txBody>
+          <a:bodyPr/>
+          <a:lstStyle/>
+          <a:p>
+            <a:fld id="{7053BEFA-1175-F644-B249-7D41D72BD3FF}" type="datetime1">
+              <a:rPr lang="en-US" smtClean="0"/>
+              <a:t>1/23/17</a:t>
+            </a:fld>
+            <a:endParaRPr lang="en-US"/>
+          </a:p>
+        </p:txBody>
+      </p:sp>
+      <p:sp>
+        <p:nvSpPr>
+          <p:cNvPr id="5" name="Footer Placeholder 4"/>
+          <p:cNvSpPr>
+            <a:spLocks noGrp="1"/>
+          </p:cNvSpPr>
+          <p:nvPr>
+            <p:ph type="ftr" sz="quarter" idx="11"/>
+          </p:nvPr>
+        </p:nvSpPr>
+        <p:spPr/>
+        <p:txBody>
+          <a:bodyPr/>
+          <a:lstStyle/>
+          <a:p>
+            <a:endParaRPr lang="en-US" dirty="0"/>
+          </a:p>
+        </p:txBody>
+      </p:sp>
+      <p:sp>
+        <p:nvSpPr>
+          <p:cNvPr id="6" name="Slide Number Placeholder 5"/>
+          <p:cNvSpPr>
+            <a:spLocks noGrp="1"/>
+          </p:cNvSpPr>
+          <p:nvPr>
+            <p:ph type="sldNum" sz="quarter" idx="12"/>
+          </p:nvPr>
+        </p:nvSpPr>
+        <p:spPr/>
+        <p:txBody>
+          <a:bodyPr/>
+          <a:lstStyle/>
+          <a:p>
+            <a:fld id="{17E276FA-8F89-B34D-A726-BE3FA1F8DD97}" type="slidenum">
+              <a:rPr lang="en-US" smtClean="0"/>
+              <a:t>24</a:t>
+            </a:fld>
+            <a:endParaRPr lang="en-US" dirty="0"/>
+          </a:p>
+        </p:txBody>
+      </p:sp>
+    </p:spTree>
+    <p:extLst>
+      <p:ext uri="{BB962C8B-B14F-4D97-AF65-F5344CB8AC3E}">
+        <p14:creationId xmlns:p14="http://schemas.microsoft.com/office/powerpoint/2010/main" val="1848637858"/>
+      </p:ext>
+    </p:extLst>
+  </p:cSld>
+  <p:clrMapOvr>
+    <a:masterClrMapping/>
+  </p:clrMapOvr>
+  <p:timing>
+    <p:tnLst>
+      <p:par>
+        <p:cTn id="1" dur="indefinite" restart="never" nodeType="tmRoot"/>
+      </p:par>
+    </p:tnLst>
+  </p:timing>
+</p:sld>
+</file>
+
+<file path=ppt/slides/slide25.xml><?xml version="1.0" encoding="utf-8"?>
+<p:sld xmlns:a="http://schemas.openxmlformats.org/drawingml/2006/main" xmlns:r="http://schemas.openxmlformats.org/officeDocument/2006/relationships" xmlns:p="http://schemas.openxmlformats.org/presentationml/2006/main">
+  <p:cSld>
+    <p:spTree>
+      <p:nvGrpSpPr>
+        <p:cNvPr id="1" name=""/>
+        <p:cNvGrpSpPr/>
+        <p:nvPr/>
+      </p:nvGrpSpPr>
+      <p:grpSpPr>
+        <a:xfrm>
+          <a:off x="0" y="0"/>
+          <a:ext cx="0" cy="0"/>
+          <a:chOff x="0" y="0"/>
+          <a:chExt cx="0" cy="0"/>
+        </a:xfrm>
+      </p:grpSpPr>
+      <p:sp>
+        <p:nvSpPr>
+          <p:cNvPr id="2" name="Title 1"/>
+          <p:cNvSpPr>
+            <a:spLocks noGrp="1"/>
+          </p:cNvSpPr>
+          <p:nvPr>
+            <p:ph type="title"/>
+          </p:nvPr>
+        </p:nvSpPr>
+        <p:spPr/>
+        <p:txBody>
+          <a:bodyPr/>
+          <a:lstStyle/>
+          <a:p>
+            <a:r>
+              <a:rPr lang="en-US" dirty="0" smtClean="0"/>
+              <a:t>Advanced Hand In Expectations</a:t>
+            </a:r>
+            <a:endParaRPr lang="en-US" dirty="0"/>
+          </a:p>
+        </p:txBody>
+      </p:sp>
+      <p:sp>
+        <p:nvSpPr>
+          <p:cNvPr id="3" name="Content Placeholder 2"/>
+          <p:cNvSpPr>
+            <a:spLocks noGrp="1"/>
+          </p:cNvSpPr>
+          <p:nvPr>
+            <p:ph idx="1"/>
+          </p:nvPr>
+        </p:nvSpPr>
+        <p:spPr/>
+        <p:txBody>
+          <a:bodyPr/>
+          <a:lstStyle/>
+          <a:p>
+            <a:r>
+              <a:rPr lang="en-US" dirty="0" smtClean="0"/>
+              <a:t>You could design a study that looks at something besides activity</a:t>
+            </a:r>
+          </a:p>
+          <a:p>
+            <a:r>
+              <a:rPr lang="en-US" dirty="0" smtClean="0"/>
+              <a:t>Talk to me about goals &amp; outcomes that </a:t>
+            </a:r>
+            <a:r>
+              <a:rPr lang="en-US" smtClean="0"/>
+              <a:t>make sense</a:t>
+            </a:r>
+            <a:endParaRPr lang="en-US" dirty="0"/>
+          </a:p>
+        </p:txBody>
+      </p:sp>
+      <p:sp>
+        <p:nvSpPr>
+          <p:cNvPr id="4" name="Date Placeholder 3"/>
+          <p:cNvSpPr>
+            <a:spLocks noGrp="1"/>
+          </p:cNvSpPr>
+          <p:nvPr>
+            <p:ph type="dt" sz="half" idx="10"/>
+          </p:nvPr>
+        </p:nvSpPr>
+        <p:spPr/>
+        <p:txBody>
+          <a:bodyPr/>
+          <a:lstStyle/>
+          <a:p>
+            <a:fld id="{7053BEFA-1175-F644-B249-7D41D72BD3FF}" type="datetime1">
+              <a:rPr lang="en-US" smtClean="0"/>
+              <a:t>1/23/17</a:t>
+            </a:fld>
+            <a:endParaRPr lang="en-US"/>
+          </a:p>
+        </p:txBody>
+      </p:sp>
+      <p:sp>
+        <p:nvSpPr>
+          <p:cNvPr id="5" name="Footer Placeholder 4"/>
+          <p:cNvSpPr>
+            <a:spLocks noGrp="1"/>
+          </p:cNvSpPr>
+          <p:nvPr>
+            <p:ph type="ftr" sz="quarter" idx="11"/>
+          </p:nvPr>
+        </p:nvSpPr>
+        <p:spPr/>
+        <p:txBody>
+          <a:bodyPr/>
+          <a:lstStyle/>
+          <a:p>
+            <a:endParaRPr lang="en-US" dirty="0"/>
+          </a:p>
+        </p:txBody>
+      </p:sp>
+      <p:sp>
+        <p:nvSpPr>
+          <p:cNvPr id="6" name="Slide Number Placeholder 5"/>
+          <p:cNvSpPr>
+            <a:spLocks noGrp="1"/>
+          </p:cNvSpPr>
+          <p:nvPr>
+            <p:ph type="sldNum" sz="quarter" idx="12"/>
+          </p:nvPr>
+        </p:nvSpPr>
+        <p:spPr/>
+        <p:txBody>
+          <a:bodyPr/>
+          <a:lstStyle/>
+          <a:p>
+            <a:fld id="{17E276FA-8F89-B34D-A726-BE3FA1F8DD97}" type="slidenum">
+              <a:rPr lang="en-US" smtClean="0"/>
+              <a:t>25</a:t>
+            </a:fld>
+            <a:endParaRPr lang="en-US" dirty="0"/>
+          </a:p>
+        </p:txBody>
+      </p:sp>
+    </p:spTree>
+    <p:extLst>
+      <p:ext uri="{BB962C8B-B14F-4D97-AF65-F5344CB8AC3E}">
+        <p14:creationId xmlns:p14="http://schemas.microsoft.com/office/powerpoint/2010/main" val="2148729972"/>
+      </p:ext>
+    </p:extLst>
+  </p:cSld>
+  <p:clrMapOvr>
+    <a:masterClrMapping/>
+  </p:clrMapOvr>
+  <p:timing>
+    <p:tnLst>
+      <p:par>
+        <p:cTn id="1" dur="indefinite" restart="never" nodeType="tmRoot"/>
+      </p:par>
+    </p:tnLst>
+  </p:timing>
+</p:sld>
+</file>
+
+<file path=ppt/slides/slide3.xml><?xml version="1.0" encoding="utf-8"?>
+<p:sld xmlns:a="http://schemas.openxmlformats.org/drawingml/2006/main" xmlns:r="http://schemas.openxmlformats.org/officeDocument/2006/relationships" xmlns:p="http://schemas.openxmlformats.org/presentationml/2006/main">
+  <p:cSld>
+    <p:spTree>
+      <p:nvGrpSpPr>
+        <p:cNvPr id="1" name=""/>
+        <p:cNvGrpSpPr/>
+        <p:nvPr/>
+      </p:nvGrpSpPr>
+      <p:grpSpPr>
+        <a:xfrm>
+          <a:off x="0" y="0"/>
+          <a:ext cx="0" cy="0"/>
+          <a:chOff x="0" y="0"/>
+          <a:chExt cx="0" cy="0"/>
+        </a:xfrm>
+      </p:grpSpPr>
+      <p:sp>
+        <p:nvSpPr>
+          <p:cNvPr id="2" name="Title 1"/>
+          <p:cNvSpPr>
+            <a:spLocks noGrp="1"/>
+          </p:cNvSpPr>
+          <p:nvPr>
+            <p:ph type="title"/>
+          </p:nvPr>
+        </p:nvSpPr>
+        <p:spPr>
+          <a:xfrm>
+            <a:off x="954132" y="310162"/>
+            <a:ext cx="7223615" cy="990107"/>
+          </a:xfrm>
+        </p:spPr>
+        <p:txBody>
+          <a:bodyPr/>
+          <a:lstStyle/>
+          <a:p>
+            <a:r>
+              <a:rPr lang="en-US" dirty="0" smtClean="0"/>
+              <a:t>Activities by Time</a:t>
+            </a:r>
+            <a:endParaRPr lang="en-US" dirty="0"/>
+          </a:p>
+        </p:txBody>
+      </p:sp>
+      <p:sp>
+        <p:nvSpPr>
+          <p:cNvPr id="4" name="Date Placeholder 3"/>
+          <p:cNvSpPr>
+            <a:spLocks noGrp="1"/>
+          </p:cNvSpPr>
+          <p:nvPr>
+            <p:ph type="dt" sz="half" idx="10"/>
+          </p:nvPr>
+        </p:nvSpPr>
+        <p:spPr/>
+        <p:txBody>
+          <a:bodyPr/>
+          <a:lstStyle/>
+          <a:p>
+            <a:fld id="{7053BEFA-1175-F644-B249-7D41D72BD3FF}" type="datetime1">
+              <a:rPr lang="en-US" smtClean="0"/>
+              <a:t>1/23/17</a:t>
+            </a:fld>
+            <a:endParaRPr lang="en-US"/>
+          </a:p>
+        </p:txBody>
+      </p:sp>
+      <p:sp>
+        <p:nvSpPr>
+          <p:cNvPr id="5" name="Footer Placeholder 4"/>
+          <p:cNvSpPr>
+            <a:spLocks noGrp="1"/>
+          </p:cNvSpPr>
+          <p:nvPr>
+            <p:ph type="ftr" sz="quarter" idx="11"/>
+          </p:nvPr>
+        </p:nvSpPr>
+        <p:spPr/>
+        <p:txBody>
+          <a:bodyPr/>
+          <a:lstStyle/>
+          <a:p>
+            <a:endParaRPr lang="en-US" dirty="0"/>
+          </a:p>
+        </p:txBody>
+      </p:sp>
+      <p:sp>
+        <p:nvSpPr>
+          <p:cNvPr id="6" name="Slide Number Placeholder 5"/>
+          <p:cNvSpPr>
+            <a:spLocks noGrp="1"/>
+          </p:cNvSpPr>
+          <p:nvPr>
+            <p:ph type="sldNum" sz="quarter" idx="12"/>
+          </p:nvPr>
+        </p:nvSpPr>
+        <p:spPr/>
+        <p:txBody>
+          <a:bodyPr/>
+          <a:lstStyle/>
+          <a:p>
+            <a:fld id="{17E276FA-8F89-B34D-A726-BE3FA1F8DD97}" type="slidenum">
+              <a:rPr lang="en-US" smtClean="0"/>
+              <a:t>3</a:t>
+            </a:fld>
+            <a:endParaRPr lang="en-US" dirty="0"/>
+          </a:p>
+        </p:txBody>
+      </p:sp>
+      <p:pic>
+        <p:nvPicPr>
+          <p:cNvPr id="7" name="Content Placeholder 6" descr="Screen Shot 2014-12-21 at 8.36.01 PM.png"/>
+          <p:cNvPicPr>
+            <a:picLocks noGrp="1" noChangeAspect="1"/>
+          </p:cNvPicPr>
+          <p:nvPr>
+            <p:ph idx="1"/>
+          </p:nvPr>
+        </p:nvPicPr>
+        <p:blipFill>
+          <a:blip r:embed="rId2">
+            <a:extLst>
+              <a:ext uri="{28A0092B-C50C-407E-A947-70E740481C1C}">
+                <a14:useLocalDpi xmlns:a14="http://schemas.microsoft.com/office/drawing/2010/main" val="0"/>
+              </a:ext>
+            </a:extLst>
+          </a:blip>
+          <a:srcRect l="13630" r="13630"/>
+          <a:stretch>
+            <a:fillRect/>
+          </a:stretch>
+        </p:blipFill>
+        <p:spPr/>
+      </p:pic>
+    </p:spTree>
+    <p:extLst>
+      <p:ext uri="{BB962C8B-B14F-4D97-AF65-F5344CB8AC3E}">
+        <p14:creationId xmlns:p14="http://schemas.microsoft.com/office/powerpoint/2010/main" val="1671563299"/>
+      </p:ext>
+    </p:extLst>
+  </p:cSld>
+  <p:clrMapOvr>
+    <a:masterClrMapping/>
+  </p:clrMapOvr>
+  <p:timing>
+    <p:tnLst>
+      <p:par>
+        <p:cTn id="1" dur="indefinite" restart="never" nodeType="tmRoot"/>
+      </p:par>
+    </p:tnLst>
+  </p:timing>
+</p:sld>
+</file>
+
+<file path=ppt/slides/slide4.xml><?xml version="1.0" encoding="utf-8"?>
+<p:sld xmlns:a="http://schemas.openxmlformats.org/drawingml/2006/main" xmlns:r="http://schemas.openxmlformats.org/officeDocument/2006/relationships" xmlns:p="http://schemas.openxmlformats.org/presentationml/2006/main">
+  <p:cSld>
+    <p:spTree>
+      <p:nvGrpSpPr>
+        <p:cNvPr id="1" name=""/>
+        <p:cNvGrpSpPr/>
+        <p:nvPr/>
+      </p:nvGrpSpPr>
+      <p:grpSpPr>
+        <a:xfrm>
+          <a:off x="0" y="0"/>
+          <a:ext cx="0" cy="0"/>
+          <a:chOff x="0" y="0"/>
+          <a:chExt cx="0" cy="0"/>
+        </a:xfrm>
+      </p:grpSpPr>
+      <p:sp>
+        <p:nvSpPr>
+          <p:cNvPr id="2" name="Title 1"/>
+          <p:cNvSpPr>
+            <a:spLocks noGrp="1"/>
+          </p:cNvSpPr>
+          <p:nvPr>
+            <p:ph type="title"/>
+          </p:nvPr>
+        </p:nvSpPr>
+        <p:spPr/>
+        <p:txBody>
+          <a:bodyPr/>
+          <a:lstStyle/>
+          <a:p>
+            <a:r>
+              <a:rPr lang="en-US" dirty="0" smtClean="0"/>
+              <a:t>Custom Interactive </a:t>
+            </a:r>
+            <a:r>
+              <a:rPr lang="en-US" dirty="0" err="1" smtClean="0"/>
+              <a:t>Viz</a:t>
+            </a:r>
+            <a:r>
+              <a:rPr lang="en-US" dirty="0" smtClean="0"/>
+              <a:t>: </a:t>
+            </a:r>
+            <a:br>
+              <a:rPr lang="en-US" dirty="0" smtClean="0"/>
+            </a:br>
+            <a:r>
+              <a:rPr lang="en-US" dirty="0" smtClean="0"/>
+              <a:t>Mobility by Time and Day</a:t>
+            </a:r>
+            <a:endParaRPr lang="en-US" dirty="0"/>
+          </a:p>
+        </p:txBody>
+      </p:sp>
+      <p:sp>
+        <p:nvSpPr>
+          <p:cNvPr id="3" name="Content Placeholder 2"/>
+          <p:cNvSpPr>
+            <a:spLocks noGrp="1"/>
+          </p:cNvSpPr>
+          <p:nvPr>
+            <p:ph idx="1"/>
+          </p:nvPr>
+        </p:nvSpPr>
+        <p:spPr>
+          <a:xfrm>
+            <a:off x="1128943" y="1847153"/>
+            <a:ext cx="7048804" cy="726714"/>
+          </a:xfrm>
+        </p:spPr>
+        <p:txBody>
+          <a:bodyPr/>
+          <a:lstStyle/>
+          <a:p>
+            <a:r>
+              <a:rPr lang="en-US"/>
+              <a:t>http://</a:t>
+            </a:r>
+            <a:r>
+              <a:rPr lang="en-US" dirty="0" err="1"/>
+              <a:t>yimmy-mobile.appspot.com</a:t>
+            </a:r>
+            <a:r>
+              <a:rPr lang="en-US" dirty="0"/>
+              <a:t>/</a:t>
+            </a:r>
+          </a:p>
+        </p:txBody>
+      </p:sp>
+      <p:sp>
+        <p:nvSpPr>
+          <p:cNvPr id="4" name="Date Placeholder 3"/>
+          <p:cNvSpPr>
+            <a:spLocks noGrp="1"/>
+          </p:cNvSpPr>
+          <p:nvPr>
+            <p:ph type="dt" sz="half" idx="10"/>
+          </p:nvPr>
+        </p:nvSpPr>
+        <p:spPr/>
+        <p:txBody>
+          <a:bodyPr/>
+          <a:lstStyle/>
+          <a:p>
+            <a:fld id="{7053BEFA-1175-F644-B249-7D41D72BD3FF}" type="datetime1">
+              <a:rPr lang="en-US" smtClean="0"/>
+              <a:t>1/23/17</a:t>
+            </a:fld>
+            <a:endParaRPr lang="en-US"/>
+          </a:p>
+        </p:txBody>
+      </p:sp>
+      <p:sp>
+        <p:nvSpPr>
+          <p:cNvPr id="5" name="Footer Placeholder 4"/>
+          <p:cNvSpPr>
+            <a:spLocks noGrp="1"/>
+          </p:cNvSpPr>
+          <p:nvPr>
+            <p:ph type="ftr" sz="quarter" idx="11"/>
+          </p:nvPr>
+        </p:nvSpPr>
+        <p:spPr/>
+        <p:txBody>
+          <a:bodyPr/>
+          <a:lstStyle/>
+          <a:p>
+            <a:endParaRPr lang="en-US" dirty="0"/>
+          </a:p>
+        </p:txBody>
+      </p:sp>
+      <p:sp>
+        <p:nvSpPr>
+          <p:cNvPr id="6" name="Slide Number Placeholder 5"/>
+          <p:cNvSpPr>
+            <a:spLocks noGrp="1"/>
+          </p:cNvSpPr>
+          <p:nvPr>
+            <p:ph type="sldNum" sz="quarter" idx="12"/>
+          </p:nvPr>
+        </p:nvSpPr>
+        <p:spPr/>
+        <p:txBody>
+          <a:bodyPr/>
+          <a:lstStyle/>
+          <a:p>
+            <a:fld id="{17E276FA-8F89-B34D-A726-BE3FA1F8DD97}" type="slidenum">
+              <a:rPr lang="en-US" smtClean="0"/>
+              <a:t>4</a:t>
+            </a:fld>
+            <a:endParaRPr lang="en-US" dirty="0"/>
+          </a:p>
+        </p:txBody>
+      </p:sp>
+      <p:pic>
+        <p:nvPicPr>
+          <p:cNvPr id="7" name="Picture 6"/>
+          <p:cNvPicPr>
+            <a:picLocks noChangeAspect="1"/>
+          </p:cNvPicPr>
+          <p:nvPr/>
+        </p:nvPicPr>
+        <p:blipFill>
+          <a:blip r:embed="rId2">
+            <a:extLst>
+              <a:ext uri="{28A0092B-C50C-407E-A947-70E740481C1C}">
+                <a14:useLocalDpi xmlns:a14="http://schemas.microsoft.com/office/drawing/2010/main" val="0"/>
+              </a:ext>
+            </a:extLst>
+          </a:blip>
+          <a:stretch>
+            <a:fillRect/>
+          </a:stretch>
+        </p:blipFill>
+        <p:spPr>
+          <a:xfrm>
+            <a:off x="0" y="2721643"/>
+            <a:ext cx="9144000" cy="3291244"/>
+          </a:xfrm>
+          <a:prstGeom prst="rect">
+            <a:avLst/>
+          </a:prstGeom>
+        </p:spPr>
+      </p:pic>
+    </p:spTree>
+    <p:extLst>
+      <p:ext uri="{BB962C8B-B14F-4D97-AF65-F5344CB8AC3E}">
+        <p14:creationId xmlns:p14="http://schemas.microsoft.com/office/powerpoint/2010/main" val="583296239"/>
+      </p:ext>
+    </p:extLst>
+  </p:cSld>
+  <p:clrMapOvr>
+    <a:masterClrMapping/>
+  </p:clrMapOvr>
+  <p:timing>
+    <p:tnLst>
+      <p:par>
+        <p:cTn id="1" dur="indefinite" restart="never" nodeType="tmRoot"/>
+      </p:par>
+    </p:tnLst>
+  </p:timing>
+</p:sld>
+</file>
+
+<file path=ppt/slides/slide5.xml><?xml version="1.0" encoding="utf-8"?>
+<p:sld xmlns:a="http://schemas.openxmlformats.org/drawingml/2006/main" xmlns:r="http://schemas.openxmlformats.org/officeDocument/2006/relationships" xmlns:p="http://schemas.openxmlformats.org/presentationml/2006/main">
+  <p:cSld>
+    <p:spTree>
+      <p:nvGrpSpPr>
+        <p:cNvPr id="1" name=""/>
+        <p:cNvGrpSpPr/>
+        <p:nvPr/>
+      </p:nvGrpSpPr>
+      <p:grpSpPr>
+        <a:xfrm>
+          <a:off x="0" y="0"/>
+          <a:ext cx="0" cy="0"/>
+          <a:chOff x="0" y="0"/>
+          <a:chExt cx="0" cy="0"/>
+        </a:xfrm>
+      </p:grpSpPr>
+      <p:sp>
+        <p:nvSpPr>
+          <p:cNvPr id="2" name="Title 1"/>
+          <p:cNvSpPr>
+            <a:spLocks noGrp="1"/>
+          </p:cNvSpPr>
+          <p:nvPr>
+            <p:ph type="title"/>
+          </p:nvPr>
+        </p:nvSpPr>
+        <p:spPr/>
+        <p:txBody>
+          <a:bodyPr/>
+          <a:lstStyle/>
+          <a:p>
+            <a:r>
+              <a:rPr lang="en-US" dirty="0" smtClean="0"/>
+              <a:t>Location Binning</a:t>
+            </a:r>
+            <a:endParaRPr lang="en-US" dirty="0"/>
+          </a:p>
+        </p:txBody>
+      </p:sp>
+      <p:pic>
+        <p:nvPicPr>
+          <p:cNvPr id="7" name="Content Placeholder 6"/>
+          <p:cNvPicPr>
+            <a:picLocks noGrp="1" noChangeAspect="1"/>
+          </p:cNvPicPr>
+          <p:nvPr>
+            <p:ph idx="1"/>
+          </p:nvPr>
+        </p:nvPicPr>
+        <p:blipFill>
+          <a:blip r:embed="rId2">
+            <a:extLst>
+              <a:ext uri="{28A0092B-C50C-407E-A947-70E740481C1C}">
+                <a14:useLocalDpi xmlns:a14="http://schemas.microsoft.com/office/drawing/2010/main" val="0"/>
+              </a:ext>
+            </a:extLst>
+          </a:blip>
+          <a:stretch>
+            <a:fillRect/>
+          </a:stretch>
+        </p:blipFill>
+        <p:spPr>
+          <a:xfrm>
+            <a:off x="1128713" y="2429713"/>
+            <a:ext cx="7048500" cy="3216186"/>
+          </a:xfrm>
+        </p:spPr>
+      </p:pic>
+      <p:sp>
+        <p:nvSpPr>
+          <p:cNvPr id="4" name="Date Placeholder 3"/>
+          <p:cNvSpPr>
+            <a:spLocks noGrp="1"/>
+          </p:cNvSpPr>
+          <p:nvPr>
+            <p:ph type="dt" sz="half" idx="10"/>
+          </p:nvPr>
+        </p:nvSpPr>
+        <p:spPr/>
+        <p:txBody>
+          <a:bodyPr/>
+          <a:lstStyle/>
+          <a:p>
+            <a:fld id="{7053BEFA-1175-F644-B249-7D41D72BD3FF}" type="datetime1">
+              <a:rPr lang="en-US" smtClean="0"/>
+              <a:t>1/23/17</a:t>
+            </a:fld>
+            <a:endParaRPr lang="en-US" dirty="0"/>
+          </a:p>
+        </p:txBody>
+      </p:sp>
+      <p:sp>
+        <p:nvSpPr>
+          <p:cNvPr id="5" name="Footer Placeholder 4"/>
+          <p:cNvSpPr>
+            <a:spLocks noGrp="1"/>
+          </p:cNvSpPr>
+          <p:nvPr>
+            <p:ph type="ftr" sz="quarter" idx="11"/>
+          </p:nvPr>
+        </p:nvSpPr>
+        <p:spPr/>
+        <p:txBody>
+          <a:bodyPr/>
+          <a:lstStyle/>
+          <a:p>
+            <a:endParaRPr lang="en-US" dirty="0"/>
+          </a:p>
+        </p:txBody>
+      </p:sp>
+      <p:sp>
+        <p:nvSpPr>
+          <p:cNvPr id="6" name="Slide Number Placeholder 5"/>
+          <p:cNvSpPr>
+            <a:spLocks noGrp="1"/>
+          </p:cNvSpPr>
+          <p:nvPr>
+            <p:ph type="sldNum" sz="quarter" idx="12"/>
+          </p:nvPr>
+        </p:nvSpPr>
+        <p:spPr/>
+        <p:txBody>
+          <a:bodyPr/>
+          <a:lstStyle/>
+          <a:p>
+            <a:fld id="{17E276FA-8F89-B34D-A726-BE3FA1F8DD97}" type="slidenum">
+              <a:rPr lang="en-US" smtClean="0"/>
+              <a:t>5</a:t>
+            </a:fld>
+            <a:endParaRPr lang="en-US" dirty="0"/>
+          </a:p>
+        </p:txBody>
+      </p:sp>
+      <p:sp>
+        <p:nvSpPr>
+          <p:cNvPr id="8" name="Rectangle 7"/>
+          <p:cNvSpPr/>
+          <p:nvPr/>
+        </p:nvSpPr>
+        <p:spPr>
+          <a:xfrm>
+            <a:off x="1128713" y="1680325"/>
+            <a:ext cx="4293996" cy="369332"/>
+          </a:xfrm>
+          <a:prstGeom prst="rect">
+            <a:avLst/>
+          </a:prstGeom>
+        </p:spPr>
+        <p:txBody>
+          <a:bodyPr wrap="none">
+            <a:spAutoFit/>
+          </a:bodyPr>
+          <a:lstStyle/>
+          <a:p>
+            <a:r>
+              <a:rPr lang="en-US" dirty="0"/>
+              <a:t>http://mark-where-and-</a:t>
+            </a:r>
+            <a:r>
+              <a:rPr lang="en-US" dirty="0" err="1"/>
+              <a:t>what.appspot.com</a:t>
+            </a:r>
+            <a:r>
+              <a:rPr lang="en-US" dirty="0"/>
+              <a:t>/</a:t>
+            </a:r>
+          </a:p>
+        </p:txBody>
+      </p:sp>
+    </p:spTree>
+    <p:extLst>
+      <p:ext uri="{BB962C8B-B14F-4D97-AF65-F5344CB8AC3E}">
+        <p14:creationId xmlns:p14="http://schemas.microsoft.com/office/powerpoint/2010/main" val="197040318"/>
+      </p:ext>
+    </p:extLst>
+  </p:cSld>
+  <p:clrMapOvr>
+    <a:masterClrMapping/>
+  </p:clrMapOvr>
+  <p:timing>
+    <p:tnLst>
+      <p:par>
+        <p:cTn id="1" dur="indefinite" restart="never" nodeType="tmRoot"/>
+      </p:par>
+    </p:tnLst>
+  </p:timing>
+</p:sld>
+</file>
+
+<file path=ppt/slides/slide6.xml><?xml version="1.0" encoding="utf-8"?>
+<p:sld xmlns:a="http://schemas.openxmlformats.org/drawingml/2006/main" xmlns:r="http://schemas.openxmlformats.org/officeDocument/2006/relationships" xmlns:p="http://schemas.openxmlformats.org/presentationml/2006/main">
+  <p:cSld>
+    <p:spTree>
+      <p:nvGrpSpPr>
+        <p:cNvPr id="1" name=""/>
+        <p:cNvGrpSpPr/>
+        <p:nvPr/>
+      </p:nvGrpSpPr>
+      <p:grpSpPr>
+        <a:xfrm>
+          <a:off x="0" y="0"/>
+          <a:ext cx="0" cy="0"/>
+          <a:chOff x="0" y="0"/>
+          <a:chExt cx="0" cy="0"/>
+        </a:xfrm>
+      </p:grpSpPr>
+      <p:sp>
+        <p:nvSpPr>
+          <p:cNvPr id="2" name="Title 1"/>
+          <p:cNvSpPr>
+            <a:spLocks noGrp="1"/>
+          </p:cNvSpPr>
+          <p:nvPr>
+            <p:ph type="title"/>
+          </p:nvPr>
+        </p:nvSpPr>
+        <p:spPr/>
+        <p:txBody>
+          <a:bodyPr/>
+          <a:lstStyle/>
+          <a:p>
+            <a:r>
+              <a:rPr lang="en-US" dirty="0" smtClean="0"/>
+              <a:t>Byte </a:t>
+            </a:r>
+            <a:r>
+              <a:rPr lang="en-US" dirty="0" smtClean="0"/>
+              <a:t>3 Part 1 </a:t>
+            </a:r>
+            <a:r>
+              <a:rPr lang="en-US" dirty="0" smtClean="0"/>
+              <a:t>(2 weeks)</a:t>
+            </a:r>
+            <a:endParaRPr lang="en-US" dirty="0"/>
+          </a:p>
+        </p:txBody>
+      </p:sp>
+      <p:sp>
+        <p:nvSpPr>
+          <p:cNvPr id="3" name="Content Placeholder 2"/>
+          <p:cNvSpPr>
+            <a:spLocks noGrp="1"/>
+          </p:cNvSpPr>
+          <p:nvPr>
+            <p:ph idx="1"/>
+          </p:nvPr>
+        </p:nvSpPr>
+        <p:spPr/>
+        <p:txBody>
+          <a:bodyPr/>
+          <a:lstStyle/>
+          <a:p>
+            <a:pPr marL="0" indent="0">
+              <a:buNone/>
+            </a:pPr>
+            <a:r>
+              <a:rPr lang="en-US" dirty="0" smtClean="0"/>
+              <a:t>Your own data; custom visualization</a:t>
+            </a:r>
+          </a:p>
+          <a:p>
+            <a:pPr marL="0" indent="0">
+              <a:buNone/>
+            </a:pPr>
+            <a:r>
+              <a:rPr lang="en-US" b="1" dirty="0" smtClean="0"/>
+              <a:t>REQUIRED </a:t>
+            </a:r>
+            <a:r>
+              <a:rPr lang="en-US" b="1" dirty="0" smtClean="0"/>
+              <a:t>HARDWARE: </a:t>
+            </a:r>
+            <a:r>
+              <a:rPr lang="en-US" b="1" i="1" dirty="0" smtClean="0"/>
+              <a:t>Android or iPhone</a:t>
+            </a:r>
+            <a:endParaRPr lang="en-US" b="1" dirty="0"/>
+          </a:p>
+          <a:p>
+            <a:pPr marL="0" indent="0">
+              <a:buNone/>
+            </a:pPr>
+            <a:endParaRPr lang="en-US" dirty="0"/>
+          </a:p>
+        </p:txBody>
+      </p:sp>
+      <p:sp>
+        <p:nvSpPr>
+          <p:cNvPr id="4" name="Date Placeholder 3"/>
+          <p:cNvSpPr>
+            <a:spLocks noGrp="1"/>
+          </p:cNvSpPr>
+          <p:nvPr>
+            <p:ph type="dt" sz="half" idx="10"/>
+          </p:nvPr>
+        </p:nvSpPr>
+        <p:spPr/>
+        <p:txBody>
+          <a:bodyPr/>
+          <a:lstStyle/>
+          <a:p>
+            <a:fld id="{7053BEFA-1175-F644-B249-7D41D72BD3FF}" type="datetime1">
+              <a:rPr lang="en-US" smtClean="0"/>
+              <a:t>1/23/17</a:t>
+            </a:fld>
+            <a:endParaRPr lang="en-US"/>
+          </a:p>
+        </p:txBody>
+      </p:sp>
+      <p:sp>
+        <p:nvSpPr>
+          <p:cNvPr id="5" name="Footer Placeholder 4"/>
+          <p:cNvSpPr>
+            <a:spLocks noGrp="1"/>
+          </p:cNvSpPr>
+          <p:nvPr>
+            <p:ph type="ftr" sz="quarter" idx="11"/>
+          </p:nvPr>
+        </p:nvSpPr>
+        <p:spPr/>
+        <p:txBody>
+          <a:bodyPr/>
+          <a:lstStyle/>
+          <a:p>
+            <a:endParaRPr lang="en-US" dirty="0"/>
+          </a:p>
+        </p:txBody>
+      </p:sp>
+      <p:sp>
+        <p:nvSpPr>
+          <p:cNvPr id="6" name="Slide Number Placeholder 5"/>
+          <p:cNvSpPr>
+            <a:spLocks noGrp="1"/>
+          </p:cNvSpPr>
+          <p:nvPr>
+            <p:ph type="sldNum" sz="quarter" idx="12"/>
+          </p:nvPr>
+        </p:nvSpPr>
+        <p:spPr/>
+        <p:txBody>
+          <a:bodyPr/>
+          <a:lstStyle/>
+          <a:p>
+            <a:fld id="{17E276FA-8F89-B34D-A726-BE3FA1F8DD97}" type="slidenum">
+              <a:rPr lang="en-US" smtClean="0"/>
+              <a:t>6</a:t>
+            </a:fld>
+            <a:endParaRPr lang="en-US" dirty="0"/>
+          </a:p>
+        </p:txBody>
+      </p:sp>
+      <p:pic>
+        <p:nvPicPr>
+          <p:cNvPr id="7" name="Picture 6" descr="Screen Shot 2016-01-09 at 7.25.35 AM.png"/>
+          <p:cNvPicPr>
+            <a:picLocks noChangeAspect="1"/>
+          </p:cNvPicPr>
+          <p:nvPr/>
+        </p:nvPicPr>
+        <p:blipFill>
+          <a:blip r:embed="rId2">
+            <a:extLst>
+              <a:ext uri="{28A0092B-C50C-407E-A947-70E740481C1C}">
+                <a14:useLocalDpi xmlns:a14="http://schemas.microsoft.com/office/drawing/2010/main" val="0"/>
+              </a:ext>
+            </a:extLst>
+          </a:blip>
+          <a:stretch>
+            <a:fillRect/>
+          </a:stretch>
+        </p:blipFill>
+        <p:spPr>
+          <a:xfrm>
+            <a:off x="0" y="3869796"/>
+            <a:ext cx="9144000" cy="2538068"/>
+          </a:xfrm>
+          <a:prstGeom prst="rect">
+            <a:avLst/>
+          </a:prstGeom>
+        </p:spPr>
+      </p:pic>
+      <p:sp>
+        <p:nvSpPr>
+          <p:cNvPr id="8" name="Rectangle 7"/>
+          <p:cNvSpPr/>
+          <p:nvPr/>
+        </p:nvSpPr>
+        <p:spPr>
+          <a:xfrm>
+            <a:off x="3079531" y="5234152"/>
+            <a:ext cx="1282262" cy="778735"/>
+          </a:xfrm>
+          <a:prstGeom prst="rect">
+            <a:avLst/>
+          </a:prstGeom>
+          <a:noFill/>
+          <a:ln w="57150">
+            <a:solidFill>
+              <a:schemeClr val="accent1"/>
+            </a:solidFill>
+          </a:ln>
+        </p:spPr>
+        <p:style>
+          <a:lnRef idx="1">
+            <a:schemeClr val="accent1"/>
+          </a:lnRef>
+          <a:fillRef idx="3">
+            <a:schemeClr val="accent1"/>
+          </a:fillRef>
+          <a:effectRef idx="2">
+            <a:schemeClr val="accent1"/>
+          </a:effectRef>
+          <a:fontRef idx="minor">
+            <a:schemeClr val="lt1"/>
+          </a:fontRef>
+        </p:style>
+        <p:txBody>
+          <a:bodyPr rtlCol="0" anchor="ctr"/>
+          <a:lstStyle/>
+          <a:p>
+            <a:pPr algn="ctr"/>
+            <a:endParaRPr lang="en-US"/>
+          </a:p>
+        </p:txBody>
+      </p:sp>
+    </p:spTree>
+    <p:extLst>
+      <p:ext uri="{BB962C8B-B14F-4D97-AF65-F5344CB8AC3E}">
+        <p14:creationId xmlns:p14="http://schemas.microsoft.com/office/powerpoint/2010/main" val="521541758"/>
+      </p:ext>
+    </p:extLst>
+  </p:cSld>
+  <p:clrMapOvr>
+    <a:masterClrMapping/>
+  </p:clrMapOvr>
+  <p:timing>
+    <p:tnLst>
+      <p:par>
+        <p:cTn id="1" dur="indefinite" restart="never" nodeType="tmRoot">
+          <p:childTnLst>
+            <p:seq concurrent="1" nextAc="seek">
+              <p:cTn id="2" dur="indefinite" nodeType="mainSeq">
+                <p:childTnLst>
+                  <p:par>
+                    <p:cTn id="3" fill="hold">
+                      <p:stCondLst>
+                        <p:cond delay="indefinite"/>
+                      </p:stCondLst>
+                      <p:childTnLst>
+                        <p:par>
+                          <p:cTn id="4" fill="hold">
+                            <p:stCondLst>
+                              <p:cond delay="0"/>
+                            </p:stCondLst>
+                            <p:childTnLst>
+                              <p:par>
+                                <p:cTn id="5" presetID="1" presetClass="entr" presetSubtype="0" fill="hold" grpId="0" nodeType="clickEffect">
+                                  <p:stCondLst>
+                                    <p:cond delay="0"/>
+                                  </p:stCondLst>
+                                  <p:childTnLst>
+                                    <p:set>
+                                      <p:cBhvr>
+                                        <p:cTn id="6" dur="1" fill="hold">
+                                          <p:stCondLst>
+                                            <p:cond delay="0"/>
+                                          </p:stCondLst>
+                                        </p:cTn>
+                                        <p:tgtEl>
+                                          <p:spTgt spid="8"/>
+                                        </p:tgtEl>
+                                        <p:attrNameLst>
+                                          <p:attrName>style.visibility</p:attrName>
+                                        </p:attrNameLst>
+                                      </p:cBhvr>
+                                      <p:to>
+                                        <p:strVal val="visible"/>
+                                      </p:to>
+                                    </p:set>
+                                  </p:childTnLst>
+                                </p:cTn>
+                              </p:par>
+                            </p:childTnLst>
+                          </p:cTn>
+                        </p:par>
+                      </p:childTnLst>
+                    </p:cTn>
+                  </p:par>
+                </p:childTnLst>
+              </p:cTn>
+              <p:prevCondLst>
+                <p:cond evt="onPrev" delay="0">
+                  <p:tgtEl>
+                    <p:sldTgt/>
+                  </p:tgtEl>
+                </p:cond>
+              </p:prevCondLst>
+              <p:nextCondLst>
+                <p:cond evt="onNext" delay="0">
+                  <p:tgtEl>
+                    <p:sldTgt/>
+                  </p:tgtEl>
+                </p:cond>
+              </p:nextCondLst>
+            </p:seq>
+          </p:childTnLst>
+        </p:cTn>
+      </p:par>
+    </p:tnLst>
+    <p:bldLst>
+      <p:bldP spid="8" grpId="0" animBg="1"/>
+    </p:bldLst>
+  </p:timing>
+</p:sld>
+</file>
+
+<file path=ppt/slides/slide7.xml><?xml version="1.0" encoding="utf-8"?>
+<p:sld xmlns:a="http://schemas.openxmlformats.org/drawingml/2006/main" xmlns:r="http://schemas.openxmlformats.org/officeDocument/2006/relationships" xmlns:p="http://schemas.openxmlformats.org/presentationml/2006/main">
+  <p:cSld>
+    <p:spTree>
+      <p:nvGrpSpPr>
+        <p:cNvPr id="1" name=""/>
+        <p:cNvGrpSpPr/>
+        <p:nvPr/>
+      </p:nvGrpSpPr>
+      <p:grpSpPr>
+        <a:xfrm>
+          <a:off x="0" y="0"/>
+          <a:ext cx="0" cy="0"/>
+          <a:chOff x="0" y="0"/>
+          <a:chExt cx="0" cy="0"/>
+        </a:xfrm>
+      </p:grpSpPr>
+      <p:sp>
+        <p:nvSpPr>
+          <p:cNvPr id="2" name="Title 1"/>
+          <p:cNvSpPr>
+            <a:spLocks noGrp="1"/>
+          </p:cNvSpPr>
+          <p:nvPr>
+            <p:ph type="title"/>
+          </p:nvPr>
+        </p:nvSpPr>
+        <p:spPr/>
+        <p:txBody>
+          <a:bodyPr/>
+          <a:lstStyle/>
+          <a:p>
+            <a:endParaRPr lang="en-US" dirty="0"/>
+          </a:p>
+        </p:txBody>
+      </p:sp>
+      <p:sp>
+        <p:nvSpPr>
+          <p:cNvPr id="3" name="Date Placeholder 2"/>
+          <p:cNvSpPr>
+            <a:spLocks noGrp="1"/>
+          </p:cNvSpPr>
+          <p:nvPr>
+            <p:ph type="dt" sz="half" idx="10"/>
+          </p:nvPr>
+        </p:nvSpPr>
+        <p:spPr/>
+        <p:txBody>
+          <a:bodyPr/>
+          <a:lstStyle/>
+          <a:p>
+            <a:fld id="{7053BEFA-1175-F644-B249-7D41D72BD3FF}" type="datetime1">
+              <a:rPr lang="en-US"/>
+              <a:pPr/>
+              <a:t>1/23/17</a:t>
+            </a:fld>
+            <a:endParaRPr lang="en-US" dirty="0"/>
+          </a:p>
+        </p:txBody>
+      </p:sp>
+      <p:sp>
+        <p:nvSpPr>
+          <p:cNvPr id="5" name="Footer Placeholder 4"/>
+          <p:cNvSpPr>
+            <a:spLocks noGrp="1"/>
+          </p:cNvSpPr>
+          <p:nvPr>
+            <p:ph type="ftr" sz="quarter" idx="11"/>
+          </p:nvPr>
+        </p:nvSpPr>
+        <p:spPr/>
+        <p:txBody>
+          <a:bodyPr/>
+          <a:lstStyle/>
+          <a:p>
+            <a:r>
+              <a:rPr lang="en-US" smtClean="0"/>
+              <a:t>(c) Jennifer Mankoff, HCII, CMU</a:t>
+            </a:r>
+            <a:endParaRPr lang="en-US" dirty="0"/>
+          </a:p>
+        </p:txBody>
+      </p:sp>
+      <p:sp>
+        <p:nvSpPr>
+          <p:cNvPr id="6" name="Slide Number Placeholder 5"/>
+          <p:cNvSpPr>
+            <a:spLocks noGrp="1"/>
+          </p:cNvSpPr>
+          <p:nvPr>
+            <p:ph type="sldNum" sz="quarter" idx="12"/>
+          </p:nvPr>
+        </p:nvSpPr>
+        <p:spPr/>
+        <p:txBody>
+          <a:bodyPr/>
+          <a:lstStyle/>
+          <a:p>
+            <a:fld id="{17E276FA-8F89-B34D-A726-BE3FA1F8DD97}" type="slidenum">
+              <a:rPr lang="en-US" smtClean="0"/>
+              <a:t>7</a:t>
+            </a:fld>
+            <a:endParaRPr lang="en-US" dirty="0"/>
+          </a:p>
+        </p:txBody>
+      </p:sp>
+      <p:sp>
+        <p:nvSpPr>
+          <p:cNvPr id="7" name="Content Placeholder 6"/>
+          <p:cNvSpPr>
+            <a:spLocks noGrp="1"/>
+          </p:cNvSpPr>
+          <p:nvPr>
+            <p:ph idx="1"/>
+          </p:nvPr>
+        </p:nvSpPr>
+        <p:spPr/>
+        <p:txBody>
+          <a:bodyPr/>
+          <a:lstStyle/>
+          <a:p>
+            <a:endParaRPr lang="en-US"/>
+          </a:p>
+        </p:txBody>
+      </p:sp>
+      <p:sp>
+        <p:nvSpPr>
+          <p:cNvPr id="9" name="Rectangle 8"/>
+          <p:cNvSpPr/>
+          <p:nvPr/>
+        </p:nvSpPr>
+        <p:spPr>
+          <a:xfrm>
+            <a:off x="0" y="0"/>
+            <a:ext cx="9144000" cy="6858000"/>
+          </a:xfrm>
+          <a:prstGeom prst="rect">
+            <a:avLst/>
+          </a:prstGeom>
+          <a:noFill/>
+          <a:ln>
+            <a:noFill/>
+          </a:ln>
+          <a:effectLst/>
+        </p:spPr>
+        <p:style>
+          <a:lnRef idx="1">
+            <a:schemeClr val="accent1"/>
+          </a:lnRef>
+          <a:fillRef idx="3">
+            <a:schemeClr val="accent1"/>
+          </a:fillRef>
+          <a:effectRef idx="2">
+            <a:schemeClr val="accent1"/>
+          </a:effectRef>
+          <a:fontRef idx="minor">
+            <a:schemeClr val="lt1"/>
+          </a:fontRef>
+        </p:style>
+        <p:txBody>
+          <a:bodyPr lIns="731520" rIns="731520" rtlCol="0" anchor="ctr"/>
+          <a:lstStyle/>
+          <a:p>
+            <a:pPr algn="ctr"/>
+            <a:endParaRPr lang="en-US" sz="6000" dirty="0" smtClean="0">
+              <a:latin typeface="Helvetica Light"/>
+              <a:cs typeface="Helvetica Light"/>
+            </a:endParaRPr>
+          </a:p>
+          <a:p>
+            <a:pPr algn="ctr"/>
+            <a:endParaRPr lang="en-US" sz="6000" dirty="0">
+              <a:latin typeface="Helvetica Light"/>
+              <a:cs typeface="Helvetica Light"/>
+            </a:endParaRPr>
+          </a:p>
+          <a:p>
+            <a:pPr algn="ctr"/>
+            <a:endParaRPr lang="en-US" sz="6000" dirty="0" smtClean="0">
+              <a:latin typeface="Helvetica Light"/>
+              <a:cs typeface="Helvetica Light"/>
+            </a:endParaRPr>
+          </a:p>
+          <a:p>
+            <a:pPr algn="ctr"/>
+            <a:endParaRPr lang="en-US" sz="6000" dirty="0">
+              <a:latin typeface="Helvetica Light"/>
+              <a:cs typeface="Helvetica Light"/>
+            </a:endParaRPr>
+          </a:p>
+          <a:p>
+            <a:pPr algn="ctr"/>
+            <a:endParaRPr lang="en-US" sz="6000" dirty="0">
+              <a:latin typeface="Helvetica Light"/>
+              <a:cs typeface="Helvetica Light"/>
+            </a:endParaRPr>
+          </a:p>
+          <a:p>
+            <a:pPr algn="ctr"/>
+            <a:r>
+              <a:rPr lang="en-US" sz="6000" dirty="0" smtClean="0">
+                <a:solidFill>
+                  <a:schemeClr val="tx1"/>
+                </a:solidFill>
+                <a:latin typeface="Helvetica Light"/>
+                <a:cs typeface="Helvetica Light"/>
+              </a:rPr>
+              <a:t>AWARE framework</a:t>
+            </a:r>
+          </a:p>
+          <a:p>
+            <a:pPr algn="ctr"/>
+            <a:r>
+              <a:rPr lang="en-US" sz="3200" dirty="0">
+                <a:solidFill>
+                  <a:schemeClr val="bg1">
+                    <a:lumMod val="65000"/>
+                  </a:schemeClr>
+                </a:solidFill>
+              </a:rPr>
+              <a:t> </a:t>
+            </a:r>
+            <a:r>
+              <a:rPr lang="en-US" sz="3200" dirty="0" err="1" smtClean="0">
+                <a:solidFill>
+                  <a:schemeClr val="bg1">
+                    <a:lumMod val="65000"/>
+                  </a:schemeClr>
+                </a:solidFill>
+              </a:rPr>
+              <a:t>Dey</a:t>
+            </a:r>
+            <a:r>
+              <a:rPr lang="en-US" sz="3200" dirty="0" smtClean="0">
+                <a:solidFill>
+                  <a:schemeClr val="bg1">
+                    <a:lumMod val="65000"/>
+                  </a:schemeClr>
+                </a:solidFill>
+              </a:rPr>
+              <a:t>, </a:t>
+            </a:r>
+            <a:r>
+              <a:rPr lang="en-US" sz="3200" dirty="0">
+                <a:solidFill>
+                  <a:schemeClr val="bg1">
+                    <a:lumMod val="65000"/>
+                  </a:schemeClr>
+                </a:solidFill>
+              </a:rPr>
+              <a:t>Ferreira &amp; </a:t>
+            </a:r>
+            <a:r>
+              <a:rPr lang="en-US" sz="3200" dirty="0" err="1">
+                <a:solidFill>
+                  <a:schemeClr val="bg1">
+                    <a:lumMod val="65000"/>
+                  </a:schemeClr>
+                </a:solidFill>
+              </a:rPr>
+              <a:t>Kostakos</a:t>
+            </a:r>
+            <a:r>
+              <a:rPr lang="en-US" sz="3200" dirty="0">
+                <a:solidFill>
+                  <a:schemeClr val="bg1">
+                    <a:lumMod val="65000"/>
+                  </a:schemeClr>
+                </a:solidFill>
+              </a:rPr>
+              <a:t> (Oulu)</a:t>
+            </a:r>
+            <a:endParaRPr lang="en-US" sz="3200" dirty="0">
+              <a:solidFill>
+                <a:schemeClr val="bg1">
+                  <a:lumMod val="65000"/>
+                </a:schemeClr>
+              </a:solidFill>
+              <a:latin typeface="Helvetica Light"/>
+              <a:cs typeface="Helvetica Light"/>
+            </a:endParaRPr>
+          </a:p>
+        </p:txBody>
+      </p:sp>
+      <p:pic>
+        <p:nvPicPr>
+          <p:cNvPr id="10" name="Picture 9" descr="aware-logo.png"/>
+          <p:cNvPicPr>
+            <a:picLocks noChangeAspect="1"/>
+          </p:cNvPicPr>
+          <p:nvPr/>
+        </p:nvPicPr>
+        <p:blipFill>
+          <a:blip r:embed="rId3">
+            <a:extLst>
+              <a:ext uri="{28A0092B-C50C-407E-A947-70E740481C1C}">
+                <a14:useLocalDpi xmlns:a14="http://schemas.microsoft.com/office/drawing/2010/main" val="0"/>
+              </a:ext>
+            </a:extLst>
+          </a:blip>
+          <a:stretch>
+            <a:fillRect/>
+          </a:stretch>
+        </p:blipFill>
+        <p:spPr>
+          <a:xfrm>
+            <a:off x="2286000" y="712080"/>
+            <a:ext cx="4572000" cy="4572000"/>
+          </a:xfrm>
+          <a:prstGeom prst="rect">
+            <a:avLst/>
+          </a:prstGeom>
+        </p:spPr>
+      </p:pic>
+    </p:spTree>
+    <p:extLst>
+      <p:ext uri="{BB962C8B-B14F-4D97-AF65-F5344CB8AC3E}">
+        <p14:creationId xmlns:p14="http://schemas.microsoft.com/office/powerpoint/2010/main" val="360146211"/>
+      </p:ext>
+    </p:extLst>
+  </p:cSld>
+  <p:clrMapOvr>
+    <a:masterClrMapping/>
+  </p:clrMapOvr>
+  <mc:AlternateContent xmlns:mc="http://schemas.openxmlformats.org/markup-compatibility/2006" xmlns:p14="http://schemas.microsoft.com/office/powerpoint/2010/main">
+    <mc:Choice Requires="p14">
+      <p:transition spd="slow" p14:dur="2000"/>
+    </mc:Choice>
+    <mc:Fallback xmlns="">
+      <p:transition xmlns:p14="http://schemas.microsoft.com/office/powerpoint/2010/main" spd="slow"/>
+    </mc:Fallback>
+  </mc:AlternateContent>
+  <p:timing>
+    <p:tnLst>
+      <p:par>
+        <p:cTn id="1" dur="indefinite" restart="never" nodeType="tmRoot"/>
       </p:par>
     </p:tnLst>
   </p:timing>
@@ -12326,7 +13016,15 @@
           <a:p>
             <a:r>
               <a:rPr lang="en-US" dirty="0" smtClean="0"/>
-              <a:t>Loading the data</a:t>
+              <a:t>Setting up a </a:t>
+            </a:r>
+            <a:r>
+              <a:rPr lang="en-US" dirty="0" err="1" smtClean="0"/>
+              <a:t>Datastore</a:t>
+            </a:r>
+            <a:r>
+              <a:rPr lang="en-US" dirty="0" smtClean="0"/>
+              <a:t> (optional)</a:t>
             </a:r>
             <a:endParaRPr lang="en-US" dirty="0"/>
           </a:p>
@@ -12344,8 +13042,8 @@
         </p:nvSpPr>
         <p:spPr>
           <a:xfrm>
-            <a:off x="1128943" y="1450278"/>
-            <a:ext cx="7048804" cy="4379976"/>
+            <a:off x="1128942" y="1847153"/>
+            <a:ext cx="7673287" cy="4379976"/>
           </a:xfrm>
         </p:spPr>
         <p:txBody>
@@ -12356,44 +13054,39 @@
               <a:buNone/>
             </a:pPr>
             <a:r>
-              <a:rPr lang="en-US" dirty="0" err="1" smtClean="0"/>
-              <a:t>Mysql</a:t>
-            </a:r>
-            <a:r>
-              <a:rPr lang="en-US" dirty="0" smtClean="0"/>
-              <a:t> </a:t>
-            </a:r>
-            <a:r>
-              <a:rPr lang="en-US" dirty="0" smtClean="0"/>
-              <a:t>--</a:t>
-            </a:r>
-            <a:r>
-              <a:rPr lang="en-US" dirty="0" smtClean="0"/>
-              <a:t>host [</a:t>
-            </a:r>
-            <a:r>
-              <a:rPr lang="en-US" dirty="0" err="1" smtClean="0"/>
-              <a:t>ip</a:t>
-            </a:r>
-            <a:r>
-              <a:rPr lang="en-US" dirty="0" smtClean="0"/>
-              <a:t>] -</a:t>
+              <a:rPr lang="en-US" dirty="0" smtClean="0"/>
+              <a:t>Google has </a:t>
             </a:r>
             <a:r>
               <a:rPr lang="en-US" dirty="0"/>
-              <a:t>-user=[user] --password=[password] [database] &lt; </a:t>
-            </a:r>
-            <a:r>
-              <a:rPr lang="en-US" dirty="0" smtClean="0"/>
-              <a:t>[</a:t>
-            </a:r>
-            <a:r>
-              <a:rPr lang="en-US" dirty="0" err="1" smtClean="0"/>
-              <a:t>file.sql</a:t>
-            </a:r>
-            <a:r>
-              <a:rPr lang="en-US" dirty="0" smtClean="0"/>
-              <a:t>]</a:t>
+              <a:t>great documentation </a:t>
+            </a:r>
+            <a:r>
+              <a:rPr lang="en-US" dirty="0" smtClean="0"/>
+              <a:t/>
+            </a:r>
+            <a:br>
+              <a:rPr lang="en-US" dirty="0" smtClean="0"/>
+            </a:br>
+            <a:r>
+              <a:rPr lang="en-US" dirty="0" smtClean="0"/>
+              <a:t>(</a:t>
+            </a:r>
+            <a:r>
+              <a:rPr lang="en-US" sz="1800" dirty="0">
+                <a:hlinkClick r:id="rId2"/>
+              </a:rPr>
+              <a:t>https://cloud.google.com/appengine/docs/python/cloud-sql</a:t>
+            </a:r>
+            <a:r>
+              <a:rPr lang="en-US" sz="1800" dirty="0" smtClean="0">
+                <a:hlinkClick r:id="rId2"/>
+              </a:rPr>
+              <a:t>/</a:t>
+            </a:r>
+            <a:r>
+              <a:rPr lang="en-US" dirty="0" smtClean="0"/>
+              <a:t>)</a:t>
             </a:r>
           </a:p>
           <a:p>
@@ -12402,95 +13095,13 @@
             </a:pPr>
             <a:r>
               <a:rPr lang="en-US" dirty="0" smtClean="0"/>
-              <a:t>[</a:t>
-            </a:r>
-            <a:r>
-              <a:rPr lang="en-US" dirty="0" err="1" smtClean="0"/>
-              <a:t>ip</a:t>
-            </a:r>
-            <a:r>
-              <a:rPr lang="en-US" dirty="0" smtClean="0"/>
-              <a:t>]: </a:t>
-            </a:r>
-            <a:r>
-              <a:rPr lang="en-US" dirty="0"/>
-              <a:t>The IP of your cloud </a:t>
-            </a:r>
-            <a:r>
-              <a:rPr lang="en-US" dirty="0" smtClean="0"/>
-              <a:t>database</a:t>
-            </a:r>
-            <a:endParaRPr lang="en-US" dirty="0"/>
+              <a:t>You need to customize the access permissions</a:t>
+            </a:r>
           </a:p>
           <a:p>
             <a:pPr marL="0" indent="0">
               <a:buNone/>
             </a:pPr>
-            <a:r>
-              <a:rPr lang="en-US" dirty="0" smtClean="0"/>
-              <a:t>[user]: </a:t>
-            </a:r>
-            <a:r>
-              <a:rPr lang="en-US" dirty="0"/>
-              <a:t>The username you created for your cloud database </a:t>
-            </a:r>
-          </a:p>
-          <a:p>
-            <a:pPr marL="0" indent="0">
-              <a:buNone/>
-            </a:pPr>
-            <a:r>
-              <a:rPr lang="en-US" dirty="0" smtClean="0"/>
-              <a:t>[password]: </a:t>
-            </a:r>
-            <a:r>
-              <a:rPr lang="en-US" dirty="0"/>
-              <a:t>The password you created for your username</a:t>
-            </a:r>
-          </a:p>
-          <a:p>
-            <a:pPr marL="0" indent="0">
-              <a:buNone/>
-            </a:pPr>
-            <a:r>
-              <a:rPr lang="en-US" dirty="0" smtClean="0"/>
-              <a:t>[database]: </a:t>
-            </a:r>
-            <a:r>
-              <a:rPr lang="en-US" dirty="0"/>
-              <a:t>The database the data should be imported </a:t>
-            </a:r>
-            <a:r>
-              <a:rPr lang="en-US" dirty="0" smtClean="0"/>
-              <a:t>to</a:t>
-            </a:r>
-            <a:br>
-              <a:rPr lang="en-US" dirty="0" smtClean="0"/>
-            </a:br>
-            <a:r>
-              <a:rPr lang="en-US" dirty="0" smtClean="0"/>
-              <a:t>[</a:t>
-            </a:r>
-            <a:r>
-              <a:rPr lang="en-US" dirty="0" err="1" smtClean="0"/>
-              <a:t>file.sql</a:t>
-            </a:r>
-            <a:r>
-              <a:rPr lang="en-US" dirty="0" smtClean="0"/>
-              <a:t>]: </a:t>
-            </a:r>
-            <a:r>
-              <a:rPr lang="en-US" dirty="0"/>
-              <a:t>The name of the </a:t>
-            </a:r>
-            <a:r>
-              <a:rPr lang="en-US" dirty="0" err="1"/>
-              <a:t>sql</a:t>
-            </a:r>
-            <a:r>
-              <a:rPr lang="en-US" dirty="0"/>
-              <a:t> file to import</a:t>
-            </a:r>
             <a:endParaRPr lang="en-US" dirty="0"/>
           </a:p>
         </p:txBody>
@@ -12512,7 +13123,7 @@
           <a:p>
             <a:fld id="{7053BEFA-1175-F644-B249-7D41D72BD3FF}" type="datetime1">
               <a:rPr lang="en-US" smtClean="0"/>
-              <a:t>2/8/16</a:t>
+              <a:t>1/23/17</a:t>
             </a:fld>
             <a:endParaRPr lang="en-US"/>
           </a:p>
@@ -12560,16 +13171,143 @@
           </a:p>
         </p:txBody>
       </p:sp>
+      <p:sp>
+        <p:nvSpPr>
+          <p:cNvPr id="10" name="Cloud 9"/>
+          <p:cNvSpPr/>
+          <p:nvPr/>
+        </p:nvSpPr>
+        <p:spPr>
+          <a:xfrm>
+            <a:off x="465996" y="3386417"/>
+            <a:ext cx="1834533" cy="1428934"/>
+          </a:xfrm>
+          <a:prstGeom prst="cloud">
+            <a:avLst/>
+          </a:prstGeom>
+        </p:spPr>
+        <p:style>
+          <a:lnRef idx="2">
+            <a:schemeClr val="accent1">
+              <a:shade val="50000"/>
+            </a:schemeClr>
+          </a:lnRef>
+          <a:fillRef idx="1">
+            <a:schemeClr val="accent1"/>
+          </a:fillRef>
+          <a:effectRef idx="0">
+            <a:schemeClr val="accent1"/>
+          </a:effectRef>
+          <a:fontRef idx="minor">
+            <a:schemeClr val="lt1"/>
+          </a:fontRef>
+        </p:style>
+        <p:txBody>
+          <a:bodyPr rtlCol="0" anchor="ctr"/>
+          <a:lstStyle/>
+          <a:p>
+            <a:pPr algn="ctr"/>
+            <a:r>
+              <a:rPr lang="en-US" dirty="0" smtClean="0"/>
+              <a:t>Cloud Storage</a:t>
+            </a:r>
+            <a:endParaRPr lang="en-US" dirty="0"/>
+          </a:p>
+        </p:txBody>
+      </p:sp>
+      <p:sp>
+        <p:nvSpPr>
+          <p:cNvPr id="11" name="TextBox 10"/>
+          <p:cNvSpPr txBox="1"/>
+          <p:nvPr/>
+        </p:nvSpPr>
+        <p:spPr>
+          <a:xfrm>
+            <a:off x="555781" y="5024616"/>
+            <a:ext cx="1936535" cy="923330"/>
+          </a:xfrm>
+          <a:prstGeom prst="rect">
+            <a:avLst/>
+          </a:prstGeom>
+          <a:noFill/>
+        </p:spPr>
+        <p:txBody>
+          <a:bodyPr wrap="none" rtlCol="0">
+            <a:spAutoFit/>
+          </a:bodyPr>
+          <a:lstStyle/>
+          <a:p>
+            <a:r>
+              <a:rPr lang="en-US" dirty="0" smtClean="0"/>
+              <a:t>Step 1: Request</a:t>
+            </a:r>
+            <a:br>
+              <a:rPr lang="en-US" dirty="0" smtClean="0"/>
+            </a:br>
+            <a:r>
+              <a:rPr lang="en-US" dirty="0" smtClean="0"/>
+              <a:t>an IP address from</a:t>
+            </a:r>
+            <a:br>
+              <a:rPr lang="en-US" dirty="0" smtClean="0"/>
+            </a:br>
+            <a:r>
+              <a:rPr lang="en-US" dirty="0" smtClean="0"/>
+              <a:t>Cloud (‘</a:t>
+            </a:r>
+            <a:r>
+              <a:rPr lang="en-US" dirty="0" err="1" smtClean="0"/>
+              <a:t>CloudIP</a:t>
+            </a:r>
+            <a:r>
+              <a:rPr lang="en-US" dirty="0" smtClean="0"/>
+              <a:t>’)</a:t>
+            </a:r>
+            <a:endParaRPr lang="en-US" dirty="0"/>
+          </a:p>
+        </p:txBody>
+      </p:sp>
+      <p:pic>
+        <p:nvPicPr>
+          <p:cNvPr id="9" name="Picture 8"/>
+          <p:cNvPicPr>
+            <a:picLocks noChangeAspect="1"/>
+          </p:cNvPicPr>
+          <p:nvPr/>
+        </p:nvPicPr>
+        <p:blipFill>
+          <a:blip r:embed="rId3"/>
+          <a:stretch>
+            <a:fillRect/>
+          </a:stretch>
+        </p:blipFill>
+        <p:spPr>
+          <a:xfrm>
+            <a:off x="3159124" y="3386417"/>
+            <a:ext cx="4416425" cy="3115795"/>
+          </a:xfrm>
+          <a:prstGeom prst="rect">
+            <a:avLst/>
+          </a:prstGeom>
+        </p:spPr>
+      </p:pic>
     </p:spTree>
     <p:extLst>
       <p:ext uri="{BB962C8B-B14F-4D97-AF65-F5344CB8AC3E}">
-        <p14:creationId xmlns:p14="http://schemas.microsoft.com/office/powerpoint/2010/main" val="4215904515"/>
+        <p14:creationId xmlns:p14="http://schemas.microsoft.com/office/powerpoint/2010/main" val="4129721706"/>
       </p:ext>
     </p:extLst>
   </p:cSld>
   <p:clrMapOvr>
     <a:masterClrMapping/>
   </p:clrMapOvr>
+  <p:timing>
+    <p:tnLst>
+      <p:par>
+        <p:cTn id="1" dur="indefinite" restart="never" nodeType="tmRoot"/>
+      </p:par>
+    </p:tnLst>
+  </p:timing>
 </p:sld>
 </file>
 
@@ -12606,8 +13344,257 @@
           <a:lstStyle/>
           <a:p>
             <a:r>
-              <a:rPr lang="en-US" dirty="0" smtClean="0"/>
-              <a:t>Or use a GUI</a:t>
+              <a:rPr lang="en-US" dirty="0"/>
+              <a:t>Setting up a </a:t>
+            </a:r>
+            <a:r>
+              <a:rPr lang="en-US" dirty="0" err="1"/>
+              <a:t>Datastore</a:t>
+            </a:r>
+            <a:r>
+              <a:rPr lang="en-US" dirty="0"/>
+              <a:t> (optional)</a:t>
+            </a:r>
+            <a:endParaRPr lang="en-US" dirty="0"/>
+          </a:p>
+        </p:txBody>
+      </p:sp>
+      <p:sp>
+        <p:nvSpPr>
+          <p:cNvPr id="3" name="Content Placeholder 2"/>
+          <p:cNvSpPr>
+            <a:spLocks noGrp="1"/>
+          </p:cNvSpPr>
+          <p:nvPr>
+            <p:ph idx="1"/>
+          </p:nvPr>
+        </p:nvSpPr>
+        <p:spPr>
+          <a:xfrm>
+            <a:off x="1128942" y="1847153"/>
+            <a:ext cx="7673287" cy="4379976"/>
+          </a:xfrm>
+        </p:spPr>
+        <p:txBody>
+          <a:bodyPr/>
+          <a:lstStyle/>
+          <a:p>
+            <a:pPr marL="0" indent="0">
+              <a:buNone/>
+            </a:pPr>
+            <a:r>
+              <a:rPr lang="en-US" dirty="0" smtClean="0"/>
+              <a:t>Google has </a:t>
+            </a:r>
+            <a:r>
+              <a:rPr lang="en-US" dirty="0"/>
+              <a:t>great documentation </a:t>
+            </a:r>
+            <a:r>
+              <a:rPr lang="en-US" dirty="0" smtClean="0"/>
+              <a:t/>
+            </a:r>
+            <a:br>
+              <a:rPr lang="en-US" dirty="0" smtClean="0"/>
+            </a:br>
+            <a:r>
+              <a:rPr lang="en-US" dirty="0" smtClean="0"/>
+              <a:t>(</a:t>
+            </a:r>
+            <a:r>
+              <a:rPr lang="en-US" sz="1800" dirty="0">
+                <a:hlinkClick r:id="rId2"/>
+              </a:rPr>
+              <a:t>https://cloud.google.com/appengine/docs/python/cloud-sql</a:t>
+            </a:r>
+            <a:r>
+              <a:rPr lang="en-US" sz="1800" dirty="0" smtClean="0">
+                <a:hlinkClick r:id="rId2"/>
+              </a:rPr>
+              <a:t>/</a:t>
+            </a:r>
+            <a:r>
+              <a:rPr lang="en-US" dirty="0" smtClean="0"/>
+              <a:t>)</a:t>
+            </a:r>
+          </a:p>
+          <a:p>
+            <a:pPr marL="0" indent="0">
+              <a:buNone/>
+            </a:pPr>
+            <a:r>
+              <a:rPr lang="en-US" dirty="0" smtClean="0"/>
+              <a:t>You need to customize the access permissions</a:t>
+            </a:r>
+          </a:p>
+          <a:p>
+            <a:pPr marL="0" indent="0">
+              <a:buNone/>
+            </a:pPr>
+            <a:endParaRPr lang="en-US" dirty="0"/>
+          </a:p>
+        </p:txBody>
+      </p:sp>
+      <p:sp>
+        <p:nvSpPr>
+          <p:cNvPr id="4" name="Date Placeholder 3"/>
+          <p:cNvSpPr>
+            <a:spLocks noGrp="1"/>
+          </p:cNvSpPr>
+          <p:nvPr>
+            <p:ph type="dt" sz="half" idx="10"/>
+          </p:nvPr>
+        </p:nvSpPr>
+        <p:spPr/>
+        <p:txBody>
+          <a:bodyPr/>
+          <a:lstStyle/>
+          <a:p>
+            <a:fld id="{7053BEFA-1175-F644-B249-7D41D72BD3FF}" type="datetime1">
+              <a:rPr lang="en-US" smtClean="0"/>
+              <a:t>1/23/17</a:t>
+            </a:fld>
+            <a:endParaRPr lang="en-US"/>
+          </a:p>
+        </p:txBody>
+      </p:sp>
+      <p:sp>
+        <p:nvSpPr>
+          <p:cNvPr id="5" name="Footer Placeholder 4"/>
+          <p:cNvSpPr>
+            <a:spLocks noGrp="1"/>
+          </p:cNvSpPr>
+          <p:nvPr>
+            <p:ph type="ftr" sz="quarter" idx="11"/>
+          </p:nvPr>
+        </p:nvSpPr>
+        <p:spPr/>
+        <p:txBody>
+          <a:bodyPr/>
+          <a:lstStyle/>
+          <a:p>
+            <a:endParaRPr lang="en-US" dirty="0"/>
+          </a:p>
+        </p:txBody>
+      </p:sp>
+      <p:sp>
+        <p:nvSpPr>
+          <p:cNvPr id="6" name="Slide Number Placeholder 5"/>
+          <p:cNvSpPr>
+            <a:spLocks noGrp="1"/>
+          </p:cNvSpPr>
+          <p:nvPr>
+            <p:ph type="sldNum" sz="quarter" idx="12"/>
+          </p:nvPr>
+        </p:nvSpPr>
+        <p:spPr/>
+        <p:txBody>
+          <a:bodyPr/>
+          <a:lstStyle/>
+          <a:p>
+            <a:fld id="{17E276FA-8F89-B34D-A726-BE3FA1F8DD97}" type="slidenum">
+              <a:rPr lang="en-US" smtClean="0"/>
+              <a:t>9</a:t>
+            </a:fld>
+            <a:endParaRPr lang="en-US" dirty="0"/>
+          </a:p>
+        </p:txBody>
+      </p:sp>
+      <p:sp>
+        <p:nvSpPr>
+          <p:cNvPr id="10" name="Cloud 9"/>
+          <p:cNvSpPr/>
+          <p:nvPr/>
+        </p:nvSpPr>
+        <p:spPr>
+          <a:xfrm>
+            <a:off x="465996" y="3386417"/>
+            <a:ext cx="1834533" cy="1428934"/>
+          </a:xfrm>
+          <a:prstGeom prst="cloud">
+            <a:avLst/>
+          </a:prstGeom>
+        </p:spPr>
+        <p:style>
+          <a:lnRef idx="2">
+            <a:schemeClr val="accent1">
+              <a:shade val="50000"/>
+            </a:schemeClr>
+          </a:lnRef>
+          <a:fillRef idx="1">
+            <a:schemeClr val="accent1"/>
+          </a:fillRef>
+          <a:effectRef idx="0">
+            <a:schemeClr val="accent1"/>
+          </a:effectRef>
+          <a:fontRef idx="minor">
+            <a:schemeClr val="lt1"/>
+          </a:fontRef>
+        </p:style>
+        <p:txBody>
+          <a:bodyPr rtlCol="0" anchor="ctr"/>
+          <a:lstStyle/>
+          <a:p>
+            <a:pPr algn="ctr"/>
+            <a:r>
+              <a:rPr lang="en-US" dirty="0" smtClean="0"/>
+              <a:t>Cloud Storage:</a:t>
+            </a:r>
+            <a:br>
+              <a:rPr lang="en-US" dirty="0" smtClean="0"/>
+            </a:br>
+            <a:r>
+              <a:rPr lang="en-US" dirty="0" smtClean="0"/>
+              <a:t>‘</a:t>
+            </a:r>
+            <a:r>
+              <a:rPr lang="en-US" dirty="0" err="1" smtClean="0"/>
+              <a:t>CloudIP</a:t>
+            </a:r>
+            <a:r>
+              <a:rPr lang="en-US" dirty="0" smtClean="0"/>
+              <a:t>’</a:t>
+            </a:r>
+            <a:endParaRPr lang="en-US" dirty="0"/>
+          </a:p>
+        </p:txBody>
+      </p:sp>
+      <p:sp>
+        <p:nvSpPr>
+          <p:cNvPr id="11" name="TextBox 10"/>
+          <p:cNvSpPr txBox="1"/>
+          <p:nvPr/>
+        </p:nvSpPr>
+        <p:spPr>
+          <a:xfrm>
+            <a:off x="555781" y="5024616"/>
+            <a:ext cx="2010935" cy="646331"/>
+          </a:xfrm>
+          <a:prstGeom prst="rect">
+            <a:avLst/>
+          </a:prstGeom>
+          <a:noFill/>
+        </p:spPr>
+        <p:txBody>
+          <a:bodyPr wrap="none" rtlCol="0">
+            <a:spAutoFit/>
+          </a:bodyPr>
+          <a:lstStyle/>
+          <a:p>
+            <a:r>
+              <a:rPr lang="en-US" dirty="0" smtClean="0"/>
+              <a:t>Step 2: Give </a:t>
+            </a:r>
+            <a:r>
+              <a:rPr lang="en-US" dirty="0" smtClean="0"/>
+              <a:t>access </a:t>
+            </a:r>
+            <a:br>
+              <a:rPr lang="en-US" dirty="0" smtClean="0"/>
+            </a:br>
+            <a:r>
+              <a:rPr lang="en-US" dirty="0" smtClean="0"/>
+              <a:t>to yourself…</a:t>
             </a:r>
             <a:endParaRPr lang="en-US" dirty="0"/>
           </a:p>
@@ -12615,92 +13602,32 @@
       </p:sp>
       <p:pic>
         <p:nvPicPr>
-          <p:cNvPr id="7" name="Content Placeholder 6"/>
+          <p:cNvPr id="14" name="Picture 13"/>
           <p:cNvPicPr>
-            <a:picLocks noGrp="1" noChangeAspect="1"/>
+            <a:picLocks noChangeAspect="1"/>
           </p:cNvPicPr>
-          <p:nvPr>
-            <p:ph idx="1"/>
-          </p:nvPr>
+          <p:nvPr/>
         </p:nvPicPr>
         <p:blipFill>
-          <a:blip r:embed="rId2"/>
-          <a:srcRect l="11405" r="11405"/>
+          <a:blip r:embed="rId3"/>
           <a:stretch>
             <a:fillRect/>
           </a:stretch>
         </p:blipFill>
-        <p:spPr/>
+        <p:spPr>
+          <a:xfrm>
+            <a:off x="3159124" y="3386417"/>
+            <a:ext cx="4416425" cy="3115795"/>
+          </a:xfrm>
+          <a:prstGeom prst="rect">
+            <a:avLst/>
+          </a:prstGeom>
+        </p:spPr>
       </p:pic>
-      <p:sp>
-        <p:nvSpPr>
-          <p:cNvPr id="4" name="Date Placeholder 3"/>
-          <p:cNvSpPr>
-            <a:spLocks noGrp="1"/>
-          </p:cNvSpPr>
-          <p:nvPr>
-            <p:ph type="dt" sz="half" idx="10"/>
-          </p:nvPr>
-        </p:nvSpPr>
-        <p:spPr/>
-        <p:txBody>
-          <a:bodyPr/>
-          <a:lstStyle/>
-          <a:p>
-            <a:fld id="{7053BEFA-1175-F644-B249-7D41D72BD3FF}" type="datetime1">
-              <a:rPr lang="en-US" smtClean="0"/>
-              <a:t>2/8/16</a:t>
-            </a:fld>
-            <a:endParaRPr lang="en-US"/>
-          </a:p>
-        </p:txBody>
-      </p:sp>
-      <p:sp>
-        <p:nvSpPr>
-          <p:cNvPr id="5" name="Footer Placeholder 4"/>
-          <p:cNvSpPr>
-            <a:spLocks noGrp="1"/>
-          </p:cNvSpPr>
-          <p:nvPr>
-            <p:ph type="ftr" sz="quarter" idx="11"/>
-          </p:nvPr>
-        </p:nvSpPr>
-        <p:spPr/>
-        <p:txBody>
-          <a:bodyPr/>
-          <a:lstStyle/>
-          <a:p>
-            <a:endParaRPr lang="en-US" dirty="0"/>
-          </a:p>
-        </p:txBody>
-      </p:sp>
-      <p:sp>
-        <p:nvSpPr>
-          <p:cNvPr id="6" name="Slide Number Placeholder 5"/>
-          <p:cNvSpPr>
-            <a:spLocks noGrp="1"/>
-          </p:cNvSpPr>
-          <p:nvPr>
-            <p:ph type="sldNum" sz="quarter" idx="12"/>
-          </p:nvPr>
-        </p:nvSpPr>
-        <p:spPr/>
-        <p:txBody>
-          <a:bodyPr/>
-          <a:lstStyle/>
-          <a:p>
-            <a:fld id="{17E276FA-8F89-B34D-A726-BE3FA1F8DD97}" type="slidenum">
-              <a:rPr lang="en-US" smtClean="0"/>
-              <a:t>9</a:t>
-            </a:fld>
-            <a:endParaRPr lang="en-US" dirty="0"/>
-          </a:p>
-        </p:txBody>
-      </p:sp>
     </p:spTree>
     <p:extLst>
       <p:ext uri="{BB962C8B-B14F-4D97-AF65-F5344CB8AC3E}">
-        <p14:creationId xmlns:p14="http://schemas.microsoft.com/office/powerpoint/2010/main" val="2828713714"/>
+        <p14:creationId xmlns:p14="http://schemas.microsoft.com/office/powerpoint/2010/main" val="3962118092"/>
       </p:ext>
     </p:extLst>
   </p:cSld>
@@ -12710,7 +13637,7 @@
   <p:timing>
     <p:tnLst>
       <p:par>
-        <p:cTn xmlns:p14="http://schemas.microsoft.com/office/powerpoint/2010/main" id="1" dur="indefinite" restart="never" nodeType="tmRoot"/>
+        <p:cTn id="1" dur="indefinite" restart="never" nodeType="tmRoot"/>
       </p:par>
     </p:tnLst>
   </p:timing>

--- a/Lectures/Byte 3 Mobile.pptx
+++ b/Lectures/Byte 3 Mobile.pptx
@@ -235,7 +235,7 @@
           <a:p>
             <a:fld id="{D3AAB66F-B1B7-D045-B4E8-4F60236F228D}" type="datetimeFigureOut">
               <a:rPr lang="en-US" smtClean="0"/>
-              <a:t>1/23/17</a:t>
+              <a:t>2/8/17</a:t>
             </a:fld>
             <a:endParaRPr lang="en-US"/>
           </a:p>
@@ -401,7 +401,7 @@
           <a:p>
             <a:fld id="{BCCF8E76-06A6-164E-A6FA-EC32C13EB232}" type="datetimeFigureOut">
               <a:rPr lang="en-US" smtClean="0"/>
-              <a:t>1/23/17</a:t>
+              <a:t>2/8/17</a:t>
             </a:fld>
             <a:endParaRPr lang="en-US"/>
           </a:p>
@@ -720,7 +720,6 @@
               <a:rPr lang="en-US" dirty="0" smtClean="0"/>
               <a:t>Install appropriate version using links provided in the assignment.</a:t>
             </a:r>
-            <a:endParaRPr lang="en-US" dirty="0" smtClean="0"/>
           </a:p>
         </p:txBody>
       </p:sp>
@@ -1278,7 +1277,7 @@
             <a:fld id="{FA3C144B-2939-9A49-B014-915EC3E81866}" type="datetime1">
               <a:rPr lang="en-US" smtClean="0"/>
               <a:pPr/>
-              <a:t>1/23/17</a:t>
+              <a:t>2/8/17</a:t>
             </a:fld>
             <a:endParaRPr lang="en-US" dirty="0"/>
           </a:p>
@@ -1707,7 +1706,7 @@
           <a:p>
             <a:fld id="{76838339-A875-5E45-AB3F-AAABD270346A}" type="datetime1">
               <a:rPr lang="en-US" smtClean="0"/>
-              <a:t>1/23/17</a:t>
+              <a:t>2/8/17</a:t>
             </a:fld>
             <a:endParaRPr lang="en-US"/>
           </a:p>
@@ -1993,7 +1992,7 @@
             <a:fld id="{FA3C144B-2939-9A49-B014-915EC3E81866}" type="datetime1">
               <a:rPr lang="en-US" smtClean="0"/>
               <a:pPr/>
-              <a:t>1/23/17</a:t>
+              <a:t>2/8/17</a:t>
             </a:fld>
             <a:endParaRPr lang="en-US" dirty="0"/>
           </a:p>
@@ -2475,7 +2474,7 @@
           <a:p>
             <a:fld id="{A73F672F-A5FB-5745-934A-1BF51CA5539C}" type="datetime1">
               <a:rPr lang="en-US" smtClean="0"/>
-              <a:t>1/23/17</a:t>
+              <a:t>2/8/17</a:t>
             </a:fld>
             <a:endParaRPr lang="en-US"/>
           </a:p>
@@ -2817,7 +2816,7 @@
             <a:fld id="{FA3C144B-2939-9A49-B014-915EC3E81866}" type="datetime1">
               <a:rPr lang="en-US" smtClean="0"/>
               <a:pPr/>
-              <a:t>1/23/17</a:t>
+              <a:t>2/8/17</a:t>
             </a:fld>
             <a:endParaRPr lang="en-US" dirty="0"/>
           </a:p>
@@ -3281,7 +3280,7 @@
           <a:p>
             <a:fld id="{6AFE6A63-5EBE-3E48-B0AE-DF655A1ECE76}" type="datetime1">
               <a:rPr lang="en-US" smtClean="0"/>
-              <a:t>1/23/17</a:t>
+              <a:t>2/8/17</a:t>
             </a:fld>
             <a:endParaRPr lang="en-US"/>
           </a:p>
@@ -3600,7 +3599,7 @@
           <a:p>
             <a:fld id="{4A019F0C-9D18-B54A-9AC9-18AA74EDB034}" type="datetime1">
               <a:rPr lang="en-US" smtClean="0"/>
-              <a:t>1/23/17</a:t>
+              <a:t>2/8/17</a:t>
             </a:fld>
             <a:endParaRPr lang="en-US"/>
           </a:p>
@@ -3910,7 +3909,7 @@
             <a:fld id="{FA3C144B-2939-9A49-B014-915EC3E81866}" type="datetime1">
               <a:rPr lang="en-US" smtClean="0"/>
               <a:pPr/>
-              <a:t>1/23/17</a:t>
+              <a:t>2/8/17</a:t>
             </a:fld>
             <a:endParaRPr lang="en-US" dirty="0"/>
           </a:p>
@@ -4173,7 +4172,7 @@
           <a:p>
             <a:fld id="{FA3C144B-2939-9A49-B014-915EC3E81866}" type="datetime1">
               <a:rPr lang="en-US" smtClean="0"/>
-              <a:t>1/23/17</a:t>
+              <a:t>2/8/17</a:t>
             </a:fld>
             <a:endParaRPr lang="en-US" dirty="0"/>
           </a:p>
@@ -4820,7 +4819,7 @@
           <a:p>
             <a:fld id="{7053BEFA-1175-F644-B249-7D41D72BD3FF}" type="datetime1">
               <a:rPr lang="en-US" smtClean="0"/>
-              <a:t>1/23/17</a:t>
+              <a:t>2/8/17</a:t>
             </a:fld>
             <a:endParaRPr lang="en-US"/>
           </a:p>
@@ -4939,7 +4938,7 @@
             <a:fld id="{FA3C144B-2939-9A49-B014-915EC3E81866}" type="datetime1">
               <a:rPr lang="en-US" smtClean="0"/>
               <a:pPr/>
-              <a:t>1/23/17</a:t>
+              <a:t>2/8/17</a:t>
             </a:fld>
             <a:endParaRPr lang="en-US" dirty="0"/>
           </a:p>
@@ -5156,7 +5155,7 @@
             <a:fld id="{FA3C144B-2939-9A49-B014-915EC3E81866}" type="datetime1">
               <a:rPr lang="en-US" smtClean="0"/>
               <a:pPr/>
-              <a:t>1/23/17</a:t>
+              <a:t>2/8/17</a:t>
             </a:fld>
             <a:endParaRPr lang="en-US" dirty="0"/>
           </a:p>
@@ -5401,7 +5400,7 @@
             <a:fld id="{FA3C144B-2939-9A49-B014-915EC3E81866}" type="datetime1">
               <a:rPr lang="en-US" smtClean="0"/>
               <a:pPr/>
-              <a:t>1/23/17</a:t>
+              <a:t>2/8/17</a:t>
             </a:fld>
             <a:endParaRPr lang="en-US" dirty="0"/>
           </a:p>
@@ -5779,7 +5778,7 @@
           <a:p>
             <a:fld id="{111EEF3B-ABF2-AA4E-9E24-0C6256942674}" type="datetime1">
               <a:rPr lang="en-US" smtClean="0"/>
-              <a:t>1/23/17</a:t>
+              <a:t>2/8/17</a:t>
             </a:fld>
             <a:endParaRPr lang="en-US"/>
           </a:p>
@@ -5943,7 +5942,7 @@
             <a:fld id="{FA3C144B-2939-9A49-B014-915EC3E81866}" type="datetime1">
               <a:rPr lang="en-US" smtClean="0"/>
               <a:pPr/>
-              <a:t>1/23/17</a:t>
+              <a:t>2/8/17</a:t>
             </a:fld>
             <a:endParaRPr lang="en-US" dirty="0"/>
           </a:p>
@@ -6360,7 +6359,7 @@
             <a:fld id="{FA3C144B-2939-9A49-B014-915EC3E81866}" type="datetime1">
               <a:rPr lang="en-US" smtClean="0"/>
               <a:pPr/>
-              <a:t>1/23/17</a:t>
+              <a:t>2/8/17</a:t>
             </a:fld>
             <a:endParaRPr lang="en-US" dirty="0"/>
           </a:p>
@@ -6676,7 +6675,7 @@
             <a:fld id="{FA3C144B-2939-9A49-B014-915EC3E81866}" type="datetime1">
               <a:rPr lang="en-US" smtClean="0"/>
               <a:pPr/>
-              <a:t>1/23/17</a:t>
+              <a:t>2/8/17</a:t>
             </a:fld>
             <a:endParaRPr lang="en-US" dirty="0"/>
           </a:p>
@@ -7342,7 +7341,7 @@
             <a:fld id="{FA3C144B-2939-9A49-B014-915EC3E81866}" type="datetime1">
               <a:rPr lang="en-US" smtClean="0"/>
               <a:pPr/>
-              <a:t>1/23/17</a:t>
+              <a:t>2/8/17</a:t>
             </a:fld>
             <a:endParaRPr lang="en-US" dirty="0"/>
           </a:p>
@@ -7627,7 +7626,7 @@
           <a:effectLst/>
           <a:extLst>
             <a:ext uri="{91240B29-F687-4f45-9708-019B960494DF}">
-              <a14:hiddenLine xmlns:a14="http://schemas.microsoft.com/office/drawing/2010/main" xmlns="" w="9525">
+              <a14:hiddenLine xmlns="" xmlns:a14="http://schemas.microsoft.com/office/drawing/2010/main" w="9525">
                 <a:solidFill>
                   <a:srgbClr val="000000"/>
                 </a:solidFill>
@@ -7637,7 +7636,7 @@
               </a14:hiddenLine>
             </a:ext>
             <a:ext uri="{AF507438-7753-43e0-B8FC-AC1667EBCBE1}">
-              <a14:hiddenEffects xmlns:a14="http://schemas.microsoft.com/office/drawing/2010/main" xmlns="">
+              <a14:hiddenEffects xmlns="" xmlns:a14="http://schemas.microsoft.com/office/drawing/2010/main">
                 <a:effectLst>
                   <a:outerShdw blurRad="40000" dist="23000" dir="5400000" rotWithShape="0">
                     <a:srgbClr val="000000">
@@ -8136,11 +8135,7 @@
           <a:p>
             <a:r>
               <a:rPr lang="en-US" dirty="0" smtClean="0"/>
-              <a:t>The Data Pipeline; HCII; Spring </a:t>
-            </a:r>
-            <a:r>
-              <a:rPr lang="en-US" dirty="0" smtClean="0"/>
-              <a:t>2017</a:t>
+              <a:t>The Data Pipeline; HCII; Spring 2017</a:t>
             </a:r>
             <a:endParaRPr lang="en-US" dirty="0"/>
           </a:p>
@@ -8352,7 +8347,7 @@
           <a:effectLst/>
           <a:extLst>
             <a:ext uri="{91240B29-F687-4f45-9708-019B960494DF}">
-              <a14:hiddenLine xmlns:a14="http://schemas.microsoft.com/office/drawing/2010/main" xmlns="" w="9525">
+              <a14:hiddenLine xmlns="" xmlns:a14="http://schemas.microsoft.com/office/drawing/2010/main" w="9525">
                 <a:solidFill>
                   <a:srgbClr val="000000"/>
                 </a:solidFill>
@@ -8362,7 +8357,7 @@
               </a14:hiddenLine>
             </a:ext>
             <a:ext uri="{AF507438-7753-43e0-B8FC-AC1667EBCBE1}">
-              <a14:hiddenEffects xmlns:a14="http://schemas.microsoft.com/office/drawing/2010/main" xmlns="">
+              <a14:hiddenEffects xmlns="" xmlns:a14="http://schemas.microsoft.com/office/drawing/2010/main">
                 <a:effectLst>
                   <a:outerShdw blurRad="40000" dist="23000" dir="5400000" rotWithShape="0">
                     <a:srgbClr val="000000">
@@ -8450,7 +8445,6 @@
               <a:rPr lang="en-US" dirty="0"/>
               <a:t> (optional)</a:t>
             </a:r>
-            <a:endParaRPr lang="en-US" dirty="0"/>
           </a:p>
         </p:txBody>
       </p:sp>
@@ -8547,7 +8541,7 @@
           <a:p>
             <a:fld id="{7053BEFA-1175-F644-B249-7D41D72BD3FF}" type="datetime1">
               <a:rPr lang="en-US" smtClean="0"/>
-              <a:t>1/23/17</a:t>
+              <a:t>2/8/17</a:t>
             </a:fld>
             <a:endParaRPr lang="en-US"/>
           </a:p>
@@ -8783,7 +8777,6 @@
               <a:rPr lang="en-US" dirty="0"/>
               <a:t> (optional)</a:t>
             </a:r>
-            <a:endParaRPr lang="en-US" dirty="0"/>
           </a:p>
         </p:txBody>
       </p:sp>
@@ -8880,7 +8873,7 @@
           <a:p>
             <a:fld id="{7053BEFA-1175-F644-B249-7D41D72BD3FF}" type="datetime1">
               <a:rPr lang="en-US" smtClean="0"/>
-              <a:t>1/23/17</a:t>
+              <a:t>2/8/17</a:t>
             </a:fld>
             <a:endParaRPr lang="en-US"/>
           </a:p>
@@ -9387,7 +9380,7 @@
           <a:p>
             <a:fld id="{7053BEFA-1175-F644-B249-7D41D72BD3FF}" type="datetime1">
               <a:rPr lang="en-US" smtClean="0"/>
-              <a:t>1/23/17</a:t>
+              <a:t>2/8/17</a:t>
             </a:fld>
             <a:endParaRPr lang="en-US"/>
           </a:p>
@@ -9531,7 +9524,7 @@
           <a:p>
             <a:fld id="{7053BEFA-1175-F644-B249-7D41D72BD3FF}" type="datetime1">
               <a:rPr lang="en-US" smtClean="0"/>
-              <a:t>1/23/17</a:t>
+              <a:t>2/8/17</a:t>
             </a:fld>
             <a:endParaRPr lang="en-US"/>
           </a:p>
@@ -9656,7 +9649,7 @@
           <a:p>
             <a:fld id="{7053BEFA-1175-F644-B249-7D41D72BD3FF}" type="datetime1">
               <a:rPr lang="en-US" smtClean="0"/>
-              <a:t>1/23/17</a:t>
+              <a:t>2/8/17</a:t>
             </a:fld>
             <a:endParaRPr lang="en-US"/>
           </a:p>
@@ -9808,7 +9801,7 @@
           <a:p>
             <a:fld id="{7053BEFA-1175-F644-B249-7D41D72BD3FF}" type="datetime1">
               <a:rPr lang="en-US" smtClean="0"/>
-              <a:t>1/23/17</a:t>
+              <a:t>2/8/17</a:t>
             </a:fld>
             <a:endParaRPr lang="en-US"/>
           </a:p>
@@ -9952,7 +9945,7 @@
           <a:p>
             <a:fld id="{7053BEFA-1175-F644-B249-7D41D72BD3FF}" type="datetime1">
               <a:rPr lang="en-US" smtClean="0"/>
-              <a:t>1/23/17</a:t>
+              <a:t>2/8/17</a:t>
             </a:fld>
             <a:endParaRPr lang="en-US"/>
           </a:p>
@@ -10101,7 +10094,7 @@
           <a:p>
             <a:fld id="{7053BEFA-1175-F644-B249-7D41D72BD3FF}" type="datetime1">
               <a:rPr lang="en-US" smtClean="0"/>
-              <a:t>1/23/17</a:t>
+              <a:t>2/8/17</a:t>
             </a:fld>
             <a:endParaRPr lang="en-US"/>
           </a:p>
@@ -10245,7 +10238,7 @@
           <a:p>
             <a:fld id="{7053BEFA-1175-F644-B249-7D41D72BD3FF}" type="datetime1">
               <a:rPr lang="en-US" smtClean="0"/>
-              <a:t>1/23/17</a:t>
+              <a:t>2/8/17</a:t>
             </a:fld>
             <a:endParaRPr lang="en-US"/>
           </a:p>
@@ -10389,7 +10382,7 @@
           <a:p>
             <a:fld id="{7053BEFA-1175-F644-B249-7D41D72BD3FF}" type="datetime1">
               <a:rPr lang="en-US" smtClean="0"/>
-              <a:t>1/23/17</a:t>
+              <a:t>2/8/17</a:t>
             </a:fld>
             <a:endParaRPr lang="en-US"/>
           </a:p>
@@ -10591,7 +10584,7 @@
           <a:p>
             <a:fld id="{7053BEFA-1175-F644-B249-7D41D72BD3FF}" type="datetime1">
               <a:rPr lang="en-US" smtClean="0"/>
-              <a:t>1/23/17</a:t>
+              <a:t>2/8/17</a:t>
             </a:fld>
             <a:endParaRPr lang="en-US" dirty="0"/>
           </a:p>
@@ -10759,8 +10752,21 @@
             </a:r>
             <a:r>
               <a:rPr lang="en-US" dirty="0"/>
-              <a:t>=_DB, user='root')</a:t>
-            </a:r>
+              <a:t>=_DB, user=</a:t>
+            </a:r>
+            <a:r>
+              <a:rPr lang="en-US" dirty="0" smtClean="0"/>
+              <a:t>'root’, </a:t>
+            </a:r>
+            <a:r>
+              <a:rPr lang="en-US" dirty="0" err="1" smtClean="0"/>
+              <a:t>passwd</a:t>
+            </a:r>
+            <a:r>
+              <a:rPr lang="en-US" dirty="0" smtClean="0"/>
+              <a:t>=‘password’)</a:t>
+            </a:r>
+            <a:endParaRPr lang="en-US" dirty="0"/>
           </a:p>
           <a:p>
             <a:pPr marL="0" indent="0">
@@ -10863,7 +10869,7 @@
           <a:p>
             <a:fld id="{7053BEFA-1175-F644-B249-7D41D72BD3FF}" type="datetime1">
               <a:rPr lang="en-US" smtClean="0"/>
-              <a:t>1/23/17</a:t>
+              <a:t>2/8/17</a:t>
             </a:fld>
             <a:endParaRPr lang="en-US"/>
           </a:p>
@@ -11020,7 +11026,7 @@
           <a:p>
             <a:fld id="{7053BEFA-1175-F644-B249-7D41D72BD3FF}" type="datetime1">
               <a:rPr lang="en-US" smtClean="0"/>
-              <a:t>1/23/17</a:t>
+              <a:t>2/8/17</a:t>
             </a:fld>
             <a:endParaRPr lang="en-US"/>
           </a:p>
@@ -11068,30 +11074,6 @@
           </a:p>
         </p:txBody>
       </p:sp>
-      <p:pic>
-        <p:nvPicPr>
-          <p:cNvPr id="7" name="Picture 6"/>
-          <p:cNvPicPr>
-            <a:picLocks noChangeAspect="1"/>
-          </p:cNvPicPr>
-          <p:nvPr/>
-        </p:nvPicPr>
-        <p:blipFill>
-          <a:blip r:embed="rId2"/>
-          <a:stretch>
-            <a:fillRect/>
-          </a:stretch>
-        </p:blipFill>
-        <p:spPr>
-          <a:xfrm>
-            <a:off x="0" y="3460837"/>
-            <a:ext cx="9144000" cy="3127761"/>
-          </a:xfrm>
-          <a:prstGeom prst="rect">
-            <a:avLst/>
-          </a:prstGeom>
-        </p:spPr>
-      </p:pic>
     </p:spTree>
     <p:extLst>
       <p:ext uri="{BB962C8B-B14F-4D97-AF65-F5344CB8AC3E}">
@@ -11183,7 +11165,15 @@
             </a:r>
             <a:r>
               <a:rPr lang="en-US" dirty="0" smtClean="0"/>
-              <a:t>]-byte4 browser window</a:t>
+              <a:t>]-</a:t>
+            </a:r>
+            <a:r>
+              <a:rPr lang="en-US" dirty="0" smtClean="0"/>
+              <a:t>byte3 </a:t>
+            </a:r>
+            <a:r>
+              <a:rPr lang="en-US" dirty="0" smtClean="0"/>
+              <a:t>browser window</a:t>
             </a:r>
             <a:endParaRPr lang="en-US" dirty="0"/>
           </a:p>
@@ -11206,7 +11196,7 @@
           <a:p>
             <a:fld id="{7053BEFA-1175-F644-B249-7D41D72BD3FF}" type="datetime1">
               <a:rPr lang="en-US" smtClean="0"/>
-              <a:t>1/23/17</a:t>
+              <a:t>2/8/17</a:t>
             </a:fld>
             <a:endParaRPr lang="en-US"/>
           </a:p>
@@ -11331,8 +11321,19 @@
           <a:p>
             <a:r>
               <a:rPr lang="en-US" dirty="0" smtClean="0"/>
-              <a:t>Cleaning: can you tell when the phone is off? (not a focus of this byte)</a:t>
-            </a:r>
+              <a:t>Cleaning: can you tell when the phone is off</a:t>
+            </a:r>
+            <a:r>
+              <a:rPr lang="en-US" dirty="0" smtClean="0"/>
+              <a:t>?</a:t>
+            </a:r>
+          </a:p>
+          <a:p>
+            <a:r>
+              <a:rPr lang="en-US" dirty="0" smtClean="0"/>
+              <a:t>Imputing: filling in missing location readings.</a:t>
+            </a:r>
+            <a:endParaRPr lang="en-US" dirty="0" smtClean="0"/>
           </a:p>
           <a:p>
             <a:r>
@@ -11368,7 +11369,7 @@
           <a:p>
             <a:fld id="{7053BEFA-1175-F644-B249-7D41D72BD3FF}" type="datetime1">
               <a:rPr lang="en-US" smtClean="0"/>
-              <a:t>1/23/17</a:t>
+              <a:t>2/8/17</a:t>
             </a:fld>
             <a:endParaRPr lang="en-US"/>
           </a:p>
@@ -11499,24 +11500,31 @@
           <a:p>
             <a:r>
               <a:rPr lang="en-US" dirty="0" smtClean="0"/>
-              <a:t>Explore relationship </a:t>
-            </a:r>
-            <a:r>
-              <a:rPr lang="en-US" dirty="0"/>
-              <a:t>between time and </a:t>
-            </a:r>
-            <a:r>
-              <a:rPr lang="en-US" dirty="0" smtClean="0"/>
-              <a:t>activity (your main job on this assignment)</a:t>
-            </a:r>
-            <a:endParaRPr lang="en-US" dirty="0"/>
-          </a:p>
-          <a:p>
-            <a:r>
-              <a:rPr lang="en-US" dirty="0" smtClean="0"/>
-              <a:t>Display the results (more nicely than I do!)</a:t>
-            </a:r>
-            <a:endParaRPr lang="en-US" dirty="0"/>
+              <a:t>Tell a story about your data.</a:t>
+            </a:r>
+            <a:endParaRPr lang="en-US" dirty="0"/>
+          </a:p>
+          <a:p>
+            <a:r>
+              <a:rPr lang="en-US" smtClean="0"/>
+              <a:t>Visualize </a:t>
+            </a:r>
+            <a:r>
+              <a:rPr lang="en-US" dirty="0" smtClean="0"/>
+              <a:t>the results (more nicely than </a:t>
+            </a:r>
+            <a:r>
+              <a:rPr lang="en-US" dirty="0" smtClean="0"/>
+              <a:t>we </a:t>
+            </a:r>
+            <a:r>
+              <a:rPr lang="en-US" smtClean="0"/>
+              <a:t>do</a:t>
+            </a:r>
+            <a:r>
+              <a:rPr lang="en-US" smtClean="0"/>
+              <a:t>!)</a:t>
+            </a:r>
           </a:p>
         </p:txBody>
       </p:sp>
@@ -11537,7 +11545,7 @@
           <a:p>
             <a:fld id="{7053BEFA-1175-F644-B249-7D41D72BD3FF}" type="datetime1">
               <a:rPr lang="en-US" smtClean="0"/>
-              <a:t>1/23/17</a:t>
+              <a:t>2/8/17</a:t>
             </a:fld>
             <a:endParaRPr lang="en-US"/>
           </a:p>
@@ -11661,18 +11669,18 @@
           <a:lstStyle/>
           <a:p>
             <a:r>
-              <a:rPr lang="en-US" dirty="0" smtClean="0"/>
-              <a:t>You could design a study that looks at something besides activity</a:t>
-            </a:r>
-          </a:p>
-          <a:p>
-            <a:r>
-              <a:rPr lang="en-US" dirty="0" smtClean="0"/>
-              <a:t>Talk to me about goals &amp; outcomes that </a:t>
-            </a:r>
-            <a:r>
-              <a:rPr lang="en-US" smtClean="0"/>
-              <a:t>make sense</a:t>
+              <a:rPr lang="en-US" dirty="0"/>
+              <a:t>Make it interactive!</a:t>
+            </a:r>
+          </a:p>
+          <a:p>
+            <a:r>
+              <a:rPr lang="en-US" dirty="0" smtClean="0"/>
+              <a:t>Talk </a:t>
+            </a:r>
+            <a:r>
+              <a:rPr lang="en-US" dirty="0" smtClean="0"/>
+              <a:t>to me about goals &amp; outcomes that make sense</a:t>
             </a:r>
             <a:endParaRPr lang="en-US" dirty="0"/>
           </a:p>
@@ -11695,7 +11703,7 @@
           <a:p>
             <a:fld id="{7053BEFA-1175-F644-B249-7D41D72BD3FF}" type="datetime1">
               <a:rPr lang="en-US" smtClean="0"/>
-              <a:t>1/23/17</a:t>
+              <a:t>2/9/17</a:t>
             </a:fld>
             <a:endParaRPr lang="en-US"/>
           </a:p>
@@ -11825,7 +11833,7 @@
           <a:p>
             <a:fld id="{7053BEFA-1175-F644-B249-7D41D72BD3FF}" type="datetime1">
               <a:rPr lang="en-US" smtClean="0"/>
-              <a:t>1/23/17</a:t>
+              <a:t>2/8/17</a:t>
             </a:fld>
             <a:endParaRPr lang="en-US"/>
           </a:p>
@@ -12025,7 +12033,7 @@
           <a:p>
             <a:fld id="{7053BEFA-1175-F644-B249-7D41D72BD3FF}" type="datetime1">
               <a:rPr lang="en-US" smtClean="0"/>
-              <a:t>1/23/17</a:t>
+              <a:t>2/8/17</a:t>
             </a:fld>
             <a:endParaRPr lang="en-US"/>
           </a:p>
@@ -12209,7 +12217,7 @@
           <a:p>
             <a:fld id="{7053BEFA-1175-F644-B249-7D41D72BD3FF}" type="datetime1">
               <a:rPr lang="en-US" smtClean="0"/>
-              <a:t>1/23/17</a:t>
+              <a:t>2/8/17</a:t>
             </a:fld>
             <a:endParaRPr lang="en-US" dirty="0"/>
           </a:p>
@@ -12347,15 +12355,7 @@
           <a:p>
             <a:r>
               <a:rPr lang="en-US" dirty="0" smtClean="0"/>
-              <a:t>Byte </a:t>
-            </a:r>
-            <a:r>
-              <a:rPr lang="en-US" dirty="0" smtClean="0"/>
-              <a:t>3 Part 1 </a:t>
-            </a:r>
-            <a:r>
-              <a:rPr lang="en-US" dirty="0" smtClean="0"/>
-              <a:t>(2 weeks)</a:t>
+              <a:t>Byte 3 Part 1 (2 weeks)</a:t>
             </a:r>
             <a:endParaRPr lang="en-US" dirty="0"/>
           </a:p>
@@ -12390,11 +12390,7 @@
             </a:pPr>
             <a:r>
               <a:rPr lang="en-US" b="1" dirty="0" smtClean="0"/>
-              <a:t>REQUIRED </a:t>
-            </a:r>
-            <a:r>
-              <a:rPr lang="en-US" b="1" dirty="0" smtClean="0"/>
-              <a:t>HARDWARE: </a:t>
+              <a:t>REQUIRED HARDWARE: </a:t>
             </a:r>
             <a:r>
               <a:rPr lang="en-US" b="1" i="1" dirty="0" smtClean="0"/>
@@ -12427,7 +12423,7 @@
           <a:p>
             <a:fld id="{7053BEFA-1175-F644-B249-7D41D72BD3FF}" type="datetime1">
               <a:rPr lang="en-US" smtClean="0"/>
-              <a:t>1/23/17</a:t>
+              <a:t>2/8/17</a:t>
             </a:fld>
             <a:endParaRPr lang="en-US"/>
           </a:p>
@@ -12694,7 +12690,7 @@
             <a:fld id="{7053BEFA-1175-F644-B249-7D41D72BD3FF}" type="datetime1">
               <a:rPr lang="en-US"/>
               <a:pPr/>
-              <a:t>1/23/17</a:t>
+              <a:t>2/8/17</a:t>
             </a:fld>
             <a:endParaRPr lang="en-US" dirty="0"/>
           </a:p>
@@ -13123,7 +13119,7 @@
           <a:p>
             <a:fld id="{7053BEFA-1175-F644-B249-7D41D72BD3FF}" type="datetime1">
               <a:rPr lang="en-US" smtClean="0"/>
-              <a:t>1/23/17</a:t>
+              <a:t>2/8/17</a:t>
             </a:fld>
             <a:endParaRPr lang="en-US"/>
           </a:p>
@@ -13355,7 +13351,6 @@
               <a:rPr lang="en-US" dirty="0"/>
               <a:t> (optional)</a:t>
             </a:r>
-            <a:endParaRPr lang="en-US" dirty="0"/>
           </a:p>
         </p:txBody>
       </p:sp>
@@ -13452,7 +13447,7 @@
           <a:p>
             <a:fld id="{7053BEFA-1175-F644-B249-7D41D72BD3FF}" type="datetime1">
               <a:rPr lang="en-US" smtClean="0"/>
-              <a:t>1/23/17</a:t>
+              <a:t>2/8/17</a:t>
             </a:fld>
             <a:endParaRPr lang="en-US"/>
           </a:p>
@@ -13583,11 +13578,7 @@
           <a:p>
             <a:r>
               <a:rPr lang="en-US" dirty="0" smtClean="0"/>
-              <a:t>Step 2: Give </a:t>
-            </a:r>
-            <a:r>
-              <a:rPr lang="en-US" dirty="0" smtClean="0"/>
-              <a:t>access </a:t>
+              <a:t>Step 2: Give access </a:t>
             </a:r>
             <a:br>
               <a:rPr lang="en-US" dirty="0" smtClean="0"/>

--- a/Lectures/Byte 3 Mobile.pptx
+++ b/Lectures/Byte 3 Mobile.pptx
@@ -235,7 +235,7 @@
           <a:p>
             <a:fld id="{D3AAB66F-B1B7-D045-B4E8-4F60236F228D}" type="datetimeFigureOut">
               <a:rPr lang="en-US" smtClean="0"/>
-              <a:t>2/8/17</a:t>
+              <a:t>2/16/17</a:t>
             </a:fld>
             <a:endParaRPr lang="en-US"/>
           </a:p>
@@ -401,7 +401,7 @@
           <a:p>
             <a:fld id="{BCCF8E76-06A6-164E-A6FA-EC32C13EB232}" type="datetimeFigureOut">
               <a:rPr lang="en-US" smtClean="0"/>
-              <a:t>2/8/17</a:t>
+              <a:t>2/16/17</a:t>
             </a:fld>
             <a:endParaRPr lang="en-US"/>
           </a:p>
@@ -1277,7 +1277,7 @@
             <a:fld id="{FA3C144B-2939-9A49-B014-915EC3E81866}" type="datetime1">
               <a:rPr lang="en-US" smtClean="0"/>
               <a:pPr/>
-              <a:t>2/8/17</a:t>
+              <a:t>2/16/17</a:t>
             </a:fld>
             <a:endParaRPr lang="en-US" dirty="0"/>
           </a:p>
@@ -1706,7 +1706,7 @@
           <a:p>
             <a:fld id="{76838339-A875-5E45-AB3F-AAABD270346A}" type="datetime1">
               <a:rPr lang="en-US" smtClean="0"/>
-              <a:t>2/8/17</a:t>
+              <a:t>2/16/17</a:t>
             </a:fld>
             <a:endParaRPr lang="en-US"/>
           </a:p>
@@ -1992,7 +1992,7 @@
             <a:fld id="{FA3C144B-2939-9A49-B014-915EC3E81866}" type="datetime1">
               <a:rPr lang="en-US" smtClean="0"/>
               <a:pPr/>
-              <a:t>2/8/17</a:t>
+              <a:t>2/16/17</a:t>
             </a:fld>
             <a:endParaRPr lang="en-US" dirty="0"/>
           </a:p>
@@ -2474,7 +2474,7 @@
           <a:p>
             <a:fld id="{A73F672F-A5FB-5745-934A-1BF51CA5539C}" type="datetime1">
               <a:rPr lang="en-US" smtClean="0"/>
-              <a:t>2/8/17</a:t>
+              <a:t>2/16/17</a:t>
             </a:fld>
             <a:endParaRPr lang="en-US"/>
           </a:p>
@@ -2816,7 +2816,7 @@
             <a:fld id="{FA3C144B-2939-9A49-B014-915EC3E81866}" type="datetime1">
               <a:rPr lang="en-US" smtClean="0"/>
               <a:pPr/>
-              <a:t>2/8/17</a:t>
+              <a:t>2/16/17</a:t>
             </a:fld>
             <a:endParaRPr lang="en-US" dirty="0"/>
           </a:p>
@@ -3280,7 +3280,7 @@
           <a:p>
             <a:fld id="{6AFE6A63-5EBE-3E48-B0AE-DF655A1ECE76}" type="datetime1">
               <a:rPr lang="en-US" smtClean="0"/>
-              <a:t>2/8/17</a:t>
+              <a:t>2/16/17</a:t>
             </a:fld>
             <a:endParaRPr lang="en-US"/>
           </a:p>
@@ -3599,7 +3599,7 @@
           <a:p>
             <a:fld id="{4A019F0C-9D18-B54A-9AC9-18AA74EDB034}" type="datetime1">
               <a:rPr lang="en-US" smtClean="0"/>
-              <a:t>2/8/17</a:t>
+              <a:t>2/16/17</a:t>
             </a:fld>
             <a:endParaRPr lang="en-US"/>
           </a:p>
@@ -3909,7 +3909,7 @@
             <a:fld id="{FA3C144B-2939-9A49-B014-915EC3E81866}" type="datetime1">
               <a:rPr lang="en-US" smtClean="0"/>
               <a:pPr/>
-              <a:t>2/8/17</a:t>
+              <a:t>2/16/17</a:t>
             </a:fld>
             <a:endParaRPr lang="en-US" dirty="0"/>
           </a:p>
@@ -4172,7 +4172,7 @@
           <a:p>
             <a:fld id="{FA3C144B-2939-9A49-B014-915EC3E81866}" type="datetime1">
               <a:rPr lang="en-US" smtClean="0"/>
-              <a:t>2/8/17</a:t>
+              <a:t>2/16/17</a:t>
             </a:fld>
             <a:endParaRPr lang="en-US" dirty="0"/>
           </a:p>
@@ -4819,7 +4819,7 @@
           <a:p>
             <a:fld id="{7053BEFA-1175-F644-B249-7D41D72BD3FF}" type="datetime1">
               <a:rPr lang="en-US" smtClean="0"/>
-              <a:t>2/8/17</a:t>
+              <a:t>2/16/17</a:t>
             </a:fld>
             <a:endParaRPr lang="en-US"/>
           </a:p>
@@ -4938,7 +4938,7 @@
             <a:fld id="{FA3C144B-2939-9A49-B014-915EC3E81866}" type="datetime1">
               <a:rPr lang="en-US" smtClean="0"/>
               <a:pPr/>
-              <a:t>2/8/17</a:t>
+              <a:t>2/16/17</a:t>
             </a:fld>
             <a:endParaRPr lang="en-US" dirty="0"/>
           </a:p>
@@ -5155,7 +5155,7 @@
             <a:fld id="{FA3C144B-2939-9A49-B014-915EC3E81866}" type="datetime1">
               <a:rPr lang="en-US" smtClean="0"/>
               <a:pPr/>
-              <a:t>2/8/17</a:t>
+              <a:t>2/16/17</a:t>
             </a:fld>
             <a:endParaRPr lang="en-US" dirty="0"/>
           </a:p>
@@ -5400,7 +5400,7 @@
             <a:fld id="{FA3C144B-2939-9A49-B014-915EC3E81866}" type="datetime1">
               <a:rPr lang="en-US" smtClean="0"/>
               <a:pPr/>
-              <a:t>2/8/17</a:t>
+              <a:t>2/16/17</a:t>
             </a:fld>
             <a:endParaRPr lang="en-US" dirty="0"/>
           </a:p>
@@ -5778,7 +5778,7 @@
           <a:p>
             <a:fld id="{111EEF3B-ABF2-AA4E-9E24-0C6256942674}" type="datetime1">
               <a:rPr lang="en-US" smtClean="0"/>
-              <a:t>2/8/17</a:t>
+              <a:t>2/16/17</a:t>
             </a:fld>
             <a:endParaRPr lang="en-US"/>
           </a:p>
@@ -5942,7 +5942,7 @@
             <a:fld id="{FA3C144B-2939-9A49-B014-915EC3E81866}" type="datetime1">
               <a:rPr lang="en-US" smtClean="0"/>
               <a:pPr/>
-              <a:t>2/8/17</a:t>
+              <a:t>2/16/17</a:t>
             </a:fld>
             <a:endParaRPr lang="en-US" dirty="0"/>
           </a:p>
@@ -6359,7 +6359,7 @@
             <a:fld id="{FA3C144B-2939-9A49-B014-915EC3E81866}" type="datetime1">
               <a:rPr lang="en-US" smtClean="0"/>
               <a:pPr/>
-              <a:t>2/8/17</a:t>
+              <a:t>2/16/17</a:t>
             </a:fld>
             <a:endParaRPr lang="en-US" dirty="0"/>
           </a:p>
@@ -6675,7 +6675,7 @@
             <a:fld id="{FA3C144B-2939-9A49-B014-915EC3E81866}" type="datetime1">
               <a:rPr lang="en-US" smtClean="0"/>
               <a:pPr/>
-              <a:t>2/8/17</a:t>
+              <a:t>2/16/17</a:t>
             </a:fld>
             <a:endParaRPr lang="en-US" dirty="0"/>
           </a:p>
@@ -7341,7 +7341,7 @@
             <a:fld id="{FA3C144B-2939-9A49-B014-915EC3E81866}" type="datetime1">
               <a:rPr lang="en-US" smtClean="0"/>
               <a:pPr/>
-              <a:t>2/8/17</a:t>
+              <a:t>2/16/17</a:t>
             </a:fld>
             <a:endParaRPr lang="en-US" dirty="0"/>
           </a:p>
@@ -7626,7 +7626,7 @@
           <a:effectLst/>
           <a:extLst>
             <a:ext uri="{91240B29-F687-4f45-9708-019B960494DF}">
-              <a14:hiddenLine xmlns="" xmlns:a14="http://schemas.microsoft.com/office/drawing/2010/main" w="9525">
+              <a14:hiddenLine xmlns:a14="http://schemas.microsoft.com/office/drawing/2010/main" xmlns="" w="9525">
                 <a:solidFill>
                   <a:srgbClr val="000000"/>
                 </a:solidFill>
@@ -7636,7 +7636,7 @@
               </a14:hiddenLine>
             </a:ext>
             <a:ext uri="{AF507438-7753-43e0-B8FC-AC1667EBCBE1}">
-              <a14:hiddenEffects xmlns="" xmlns:a14="http://schemas.microsoft.com/office/drawing/2010/main">
+              <a14:hiddenEffects xmlns:a14="http://schemas.microsoft.com/office/drawing/2010/main" xmlns="">
                 <a:effectLst>
                   <a:outerShdw blurRad="40000" dist="23000" dir="5400000" rotWithShape="0">
                     <a:srgbClr val="000000">
@@ -8347,7 +8347,7 @@
           <a:effectLst/>
           <a:extLst>
             <a:ext uri="{91240B29-F687-4f45-9708-019B960494DF}">
-              <a14:hiddenLine xmlns="" xmlns:a14="http://schemas.microsoft.com/office/drawing/2010/main" w="9525">
+              <a14:hiddenLine xmlns:a14="http://schemas.microsoft.com/office/drawing/2010/main" xmlns="" w="9525">
                 <a:solidFill>
                   <a:srgbClr val="000000"/>
                 </a:solidFill>
@@ -8357,7 +8357,7 @@
               </a14:hiddenLine>
             </a:ext>
             <a:ext uri="{AF507438-7753-43e0-B8FC-AC1667EBCBE1}">
-              <a14:hiddenEffects xmlns="" xmlns:a14="http://schemas.microsoft.com/office/drawing/2010/main">
+              <a14:hiddenEffects xmlns:a14="http://schemas.microsoft.com/office/drawing/2010/main" xmlns="">
                 <a:effectLst>
                   <a:outerShdw blurRad="40000" dist="23000" dir="5400000" rotWithShape="0">
                     <a:srgbClr val="000000">
@@ -8541,7 +8541,7 @@
           <a:p>
             <a:fld id="{7053BEFA-1175-F644-B249-7D41D72BD3FF}" type="datetime1">
               <a:rPr lang="en-US" smtClean="0"/>
-              <a:t>2/8/17</a:t>
+              <a:t>2/16/17</a:t>
             </a:fld>
             <a:endParaRPr lang="en-US"/>
           </a:p>
@@ -8873,7 +8873,7 @@
           <a:p>
             <a:fld id="{7053BEFA-1175-F644-B249-7D41D72BD3FF}" type="datetime1">
               <a:rPr lang="en-US" smtClean="0"/>
-              <a:t>2/8/17</a:t>
+              <a:t>2/16/17</a:t>
             </a:fld>
             <a:endParaRPr lang="en-US"/>
           </a:p>
@@ -9380,7 +9380,7 @@
           <a:p>
             <a:fld id="{7053BEFA-1175-F644-B249-7D41D72BD3FF}" type="datetime1">
               <a:rPr lang="en-US" smtClean="0"/>
-              <a:t>2/8/17</a:t>
+              <a:t>2/16/17</a:t>
             </a:fld>
             <a:endParaRPr lang="en-US"/>
           </a:p>
@@ -9524,7 +9524,7 @@
           <a:p>
             <a:fld id="{7053BEFA-1175-F644-B249-7D41D72BD3FF}" type="datetime1">
               <a:rPr lang="en-US" smtClean="0"/>
-              <a:t>2/8/17</a:t>
+              <a:t>2/16/17</a:t>
             </a:fld>
             <a:endParaRPr lang="en-US"/>
           </a:p>
@@ -9649,7 +9649,7 @@
           <a:p>
             <a:fld id="{7053BEFA-1175-F644-B249-7D41D72BD3FF}" type="datetime1">
               <a:rPr lang="en-US" smtClean="0"/>
-              <a:t>2/8/17</a:t>
+              <a:t>2/16/17</a:t>
             </a:fld>
             <a:endParaRPr lang="en-US"/>
           </a:p>
@@ -9801,7 +9801,7 @@
           <a:p>
             <a:fld id="{7053BEFA-1175-F644-B249-7D41D72BD3FF}" type="datetime1">
               <a:rPr lang="en-US" smtClean="0"/>
-              <a:t>2/8/17</a:t>
+              <a:t>2/16/17</a:t>
             </a:fld>
             <a:endParaRPr lang="en-US"/>
           </a:p>
@@ -9945,7 +9945,7 @@
           <a:p>
             <a:fld id="{7053BEFA-1175-F644-B249-7D41D72BD3FF}" type="datetime1">
               <a:rPr lang="en-US" smtClean="0"/>
-              <a:t>2/8/17</a:t>
+              <a:t>2/16/17</a:t>
             </a:fld>
             <a:endParaRPr lang="en-US"/>
           </a:p>
@@ -10094,7 +10094,7 @@
           <a:p>
             <a:fld id="{7053BEFA-1175-F644-B249-7D41D72BD3FF}" type="datetime1">
               <a:rPr lang="en-US" smtClean="0"/>
-              <a:t>2/8/17</a:t>
+              <a:t>2/16/17</a:t>
             </a:fld>
             <a:endParaRPr lang="en-US"/>
           </a:p>
@@ -10238,7 +10238,7 @@
           <a:p>
             <a:fld id="{7053BEFA-1175-F644-B249-7D41D72BD3FF}" type="datetime1">
               <a:rPr lang="en-US" smtClean="0"/>
-              <a:t>2/8/17</a:t>
+              <a:t>2/16/17</a:t>
             </a:fld>
             <a:endParaRPr lang="en-US"/>
           </a:p>
@@ -10382,7 +10382,7 @@
           <a:p>
             <a:fld id="{7053BEFA-1175-F644-B249-7D41D72BD3FF}" type="datetime1">
               <a:rPr lang="en-US" smtClean="0"/>
-              <a:t>2/8/17</a:t>
+              <a:t>2/16/17</a:t>
             </a:fld>
             <a:endParaRPr lang="en-US"/>
           </a:p>
@@ -10584,7 +10584,7 @@
           <a:p>
             <a:fld id="{7053BEFA-1175-F644-B249-7D41D72BD3FF}" type="datetime1">
               <a:rPr lang="en-US" smtClean="0"/>
-              <a:t>2/8/17</a:t>
+              <a:t>2/16/17</a:t>
             </a:fld>
             <a:endParaRPr lang="en-US" dirty="0"/>
           </a:p>
@@ -10702,7 +10702,12 @@
             <p:ph idx="1"/>
           </p:nvPr>
         </p:nvSpPr>
-        <p:spPr/>
+        <p:spPr>
+          <a:xfrm>
+            <a:off x="1128943" y="1847153"/>
+            <a:ext cx="7048804" cy="4379976"/>
+          </a:xfrm>
+        </p:spPr>
         <p:txBody>
           <a:bodyPr/>
           <a:lstStyle/>
@@ -10869,7 +10874,7 @@
           <a:p>
             <a:fld id="{7053BEFA-1175-F644-B249-7D41D72BD3FF}" type="datetime1">
               <a:rPr lang="en-US" smtClean="0"/>
-              <a:t>2/8/17</a:t>
+              <a:t>2/16/17</a:t>
             </a:fld>
             <a:endParaRPr lang="en-US"/>
           </a:p>
@@ -11026,7 +11031,7 @@
           <a:p>
             <a:fld id="{7053BEFA-1175-F644-B249-7D41D72BD3FF}" type="datetime1">
               <a:rPr lang="en-US" smtClean="0"/>
-              <a:t>2/8/17</a:t>
+              <a:t>2/16/17</a:t>
             </a:fld>
             <a:endParaRPr lang="en-US"/>
           </a:p>
@@ -11165,15 +11170,7 @@
             </a:r>
             <a:r>
               <a:rPr lang="en-US" dirty="0" smtClean="0"/>
-              <a:t>]-</a:t>
-            </a:r>
-            <a:r>
-              <a:rPr lang="en-US" dirty="0" smtClean="0"/>
-              <a:t>byte3 </a:t>
-            </a:r>
-            <a:r>
-              <a:rPr lang="en-US" dirty="0" smtClean="0"/>
-              <a:t>browser window</a:t>
+              <a:t>]-byte3 browser window</a:t>
             </a:r>
             <a:endParaRPr lang="en-US" dirty="0"/>
           </a:p>
@@ -11196,7 +11193,7 @@
           <a:p>
             <a:fld id="{7053BEFA-1175-F644-B249-7D41D72BD3FF}" type="datetime1">
               <a:rPr lang="en-US" smtClean="0"/>
-              <a:t>2/8/17</a:t>
+              <a:t>2/16/17</a:t>
             </a:fld>
             <a:endParaRPr lang="en-US"/>
           </a:p>
@@ -11321,11 +11318,7 @@
           <a:p>
             <a:r>
               <a:rPr lang="en-US" dirty="0" smtClean="0"/>
-              <a:t>Cleaning: can you tell when the phone is off</a:t>
-            </a:r>
-            <a:r>
-              <a:rPr lang="en-US" dirty="0" smtClean="0"/>
-              <a:t>?</a:t>
+              <a:t>Cleaning: can you tell when the phone is off?</a:t>
             </a:r>
           </a:p>
           <a:p>
@@ -11333,7 +11326,6 @@
               <a:rPr lang="en-US" dirty="0" smtClean="0"/>
               <a:t>Imputing: filling in missing location readings.</a:t>
             </a:r>
-            <a:endParaRPr lang="en-US" dirty="0" smtClean="0"/>
           </a:p>
           <a:p>
             <a:r>
@@ -11369,7 +11361,7 @@
           <a:p>
             <a:fld id="{7053BEFA-1175-F644-B249-7D41D72BD3FF}" type="datetime1">
               <a:rPr lang="en-US" smtClean="0"/>
-              <a:t>2/8/17</a:t>
+              <a:t>2/16/17</a:t>
             </a:fld>
             <a:endParaRPr lang="en-US"/>
           </a:p>
@@ -11511,19 +11503,11 @@
             </a:r>
             <a:r>
               <a:rPr lang="en-US" dirty="0" smtClean="0"/>
-              <a:t>the results (more nicely than </a:t>
-            </a:r>
-            <a:r>
-              <a:rPr lang="en-US" dirty="0" smtClean="0"/>
-              <a:t>we </a:t>
+              <a:t>the results (more nicely than we </a:t>
             </a:r>
             <a:r>
               <a:rPr lang="en-US" smtClean="0"/>
-              <a:t>do</a:t>
-            </a:r>
-            <a:r>
-              <a:rPr lang="en-US" smtClean="0"/>
-              <a:t>!)</a:t>
+              <a:t>do!)</a:t>
             </a:r>
           </a:p>
         </p:txBody>
@@ -11545,7 +11529,7 @@
           <a:p>
             <a:fld id="{7053BEFA-1175-F644-B249-7D41D72BD3FF}" type="datetime1">
               <a:rPr lang="en-US" smtClean="0"/>
-              <a:t>2/8/17</a:t>
+              <a:t>2/16/17</a:t>
             </a:fld>
             <a:endParaRPr lang="en-US"/>
           </a:p>
@@ -11676,11 +11660,7 @@
           <a:p>
             <a:r>
               <a:rPr lang="en-US" dirty="0" smtClean="0"/>
-              <a:t>Talk </a:t>
-            </a:r>
-            <a:r>
-              <a:rPr lang="en-US" dirty="0" smtClean="0"/>
-              <a:t>to me about goals &amp; outcomes that make sense</a:t>
+              <a:t>Talk to me about goals &amp; outcomes that make sense</a:t>
             </a:r>
             <a:endParaRPr lang="en-US" dirty="0"/>
           </a:p>
@@ -11703,7 +11683,7 @@
           <a:p>
             <a:fld id="{7053BEFA-1175-F644-B249-7D41D72BD3FF}" type="datetime1">
               <a:rPr lang="en-US" smtClean="0"/>
-              <a:t>2/9/17</a:t>
+              <a:t>2/16/17</a:t>
             </a:fld>
             <a:endParaRPr lang="en-US"/>
           </a:p>
@@ -11833,7 +11813,7 @@
           <a:p>
             <a:fld id="{7053BEFA-1175-F644-B249-7D41D72BD3FF}" type="datetime1">
               <a:rPr lang="en-US" smtClean="0"/>
-              <a:t>2/8/17</a:t>
+              <a:t>2/16/17</a:t>
             </a:fld>
             <a:endParaRPr lang="en-US"/>
           </a:p>
@@ -12002,7 +11982,7 @@
           <a:lstStyle/>
           <a:p>
             <a:r>
-              <a:rPr lang="en-US"/>
+              <a:rPr lang="en-US" dirty="0"/>
               <a:t>http://</a:t>
             </a:r>
             <a:r>
@@ -12033,7 +12013,7 @@
           <a:p>
             <a:fld id="{7053BEFA-1175-F644-B249-7D41D72BD3FF}" type="datetime1">
               <a:rPr lang="en-US" smtClean="0"/>
-              <a:t>2/8/17</a:t>
+              <a:t>2/16/17</a:t>
             </a:fld>
             <a:endParaRPr lang="en-US"/>
           </a:p>
@@ -12217,7 +12197,7 @@
           <a:p>
             <a:fld id="{7053BEFA-1175-F644-B249-7D41D72BD3FF}" type="datetime1">
               <a:rPr lang="en-US" smtClean="0"/>
-              <a:t>2/8/17</a:t>
+              <a:t>2/16/17</a:t>
             </a:fld>
             <a:endParaRPr lang="en-US" dirty="0"/>
           </a:p>
@@ -12423,7 +12403,7 @@
           <a:p>
             <a:fld id="{7053BEFA-1175-F644-B249-7D41D72BD3FF}" type="datetime1">
               <a:rPr lang="en-US" smtClean="0"/>
-              <a:t>2/8/17</a:t>
+              <a:t>2/16/17</a:t>
             </a:fld>
             <a:endParaRPr lang="en-US"/>
           </a:p>
@@ -12690,7 +12670,7 @@
             <a:fld id="{7053BEFA-1175-F644-B249-7D41D72BD3FF}" type="datetime1">
               <a:rPr lang="en-US"/>
               <a:pPr/>
-              <a:t>2/8/17</a:t>
+              <a:t>2/16/17</a:t>
             </a:fld>
             <a:endParaRPr lang="en-US" dirty="0"/>
           </a:p>
@@ -13119,7 +13099,7 @@
           <a:p>
             <a:fld id="{7053BEFA-1175-F644-B249-7D41D72BD3FF}" type="datetime1">
               <a:rPr lang="en-US" smtClean="0"/>
-              <a:t>2/8/17</a:t>
+              <a:t>2/16/17</a:t>
             </a:fld>
             <a:endParaRPr lang="en-US"/>
           </a:p>
@@ -13447,7 +13427,7 @@
           <a:p>
             <a:fld id="{7053BEFA-1175-F644-B249-7D41D72BD3FF}" type="datetime1">
               <a:rPr lang="en-US" smtClean="0"/>
-              <a:t>2/8/17</a:t>
+              <a:t>2/16/17</a:t>
             </a:fld>
             <a:endParaRPr lang="en-US"/>
           </a:p>
